--- a/Sphinx/SingleCrystalGeometry.pptx
+++ b/Sphinx/SingleCrystalGeometry.pptx
@@ -8,6 +8,7 @@
     <p:sldId id="256" r:id="rId2"/>
     <p:sldId id="257" r:id="rId3"/>
     <p:sldId id="258" r:id="rId4"/>
+    <p:sldId id="259" r:id="rId5"/>
   </p:sldIdLst>
   <p:sldSz cx="12192000" cy="6858000"/>
   <p:notesSz cx="6858000" cy="9945688"/>
@@ -263,7 +264,7 @@
           <a:p>
             <a:fld id="{18C8C4B9-DDC0-4E58-82E3-7C78202F16A3}" type="datetimeFigureOut">
               <a:rPr lang="en-GB" smtClean="0"/>
-              <a:t>21/06/2021</a:t>
+              <a:t>29/07/2023</a:t>
             </a:fld>
             <a:endParaRPr lang="en-GB"/>
           </a:p>
@@ -463,7 +464,7 @@
           <a:p>
             <a:fld id="{18C8C4B9-DDC0-4E58-82E3-7C78202F16A3}" type="datetimeFigureOut">
               <a:rPr lang="en-GB" smtClean="0"/>
-              <a:t>21/06/2021</a:t>
+              <a:t>29/07/2023</a:t>
             </a:fld>
             <a:endParaRPr lang="en-GB"/>
           </a:p>
@@ -673,7 +674,7 @@
           <a:p>
             <a:fld id="{18C8C4B9-DDC0-4E58-82E3-7C78202F16A3}" type="datetimeFigureOut">
               <a:rPr lang="en-GB" smtClean="0"/>
-              <a:t>21/06/2021</a:t>
+              <a:t>29/07/2023</a:t>
             </a:fld>
             <a:endParaRPr lang="en-GB"/>
           </a:p>
@@ -873,7 +874,7 @@
           <a:p>
             <a:fld id="{18C8C4B9-DDC0-4E58-82E3-7C78202F16A3}" type="datetimeFigureOut">
               <a:rPr lang="en-GB" smtClean="0"/>
-              <a:t>21/06/2021</a:t>
+              <a:t>29/07/2023</a:t>
             </a:fld>
             <a:endParaRPr lang="en-GB"/>
           </a:p>
@@ -1149,7 +1150,7 @@
           <a:p>
             <a:fld id="{18C8C4B9-DDC0-4E58-82E3-7C78202F16A3}" type="datetimeFigureOut">
               <a:rPr lang="en-GB" smtClean="0"/>
-              <a:t>21/06/2021</a:t>
+              <a:t>29/07/2023</a:t>
             </a:fld>
             <a:endParaRPr lang="en-GB"/>
           </a:p>
@@ -1417,7 +1418,7 @@
           <a:p>
             <a:fld id="{18C8C4B9-DDC0-4E58-82E3-7C78202F16A3}" type="datetimeFigureOut">
               <a:rPr lang="en-GB" smtClean="0"/>
-              <a:t>21/06/2021</a:t>
+              <a:t>29/07/2023</a:t>
             </a:fld>
             <a:endParaRPr lang="en-GB"/>
           </a:p>
@@ -1832,7 +1833,7 @@
           <a:p>
             <a:fld id="{18C8C4B9-DDC0-4E58-82E3-7C78202F16A3}" type="datetimeFigureOut">
               <a:rPr lang="en-GB" smtClean="0"/>
-              <a:t>21/06/2021</a:t>
+              <a:t>29/07/2023</a:t>
             </a:fld>
             <a:endParaRPr lang="en-GB"/>
           </a:p>
@@ -1974,7 +1975,7 @@
           <a:p>
             <a:fld id="{18C8C4B9-DDC0-4E58-82E3-7C78202F16A3}" type="datetimeFigureOut">
               <a:rPr lang="en-GB" smtClean="0"/>
-              <a:t>21/06/2021</a:t>
+              <a:t>29/07/2023</a:t>
             </a:fld>
             <a:endParaRPr lang="en-GB"/>
           </a:p>
@@ -2087,7 +2088,7 @@
           <a:p>
             <a:fld id="{18C8C4B9-DDC0-4E58-82E3-7C78202F16A3}" type="datetimeFigureOut">
               <a:rPr lang="en-GB" smtClean="0"/>
-              <a:t>21/06/2021</a:t>
+              <a:t>29/07/2023</a:t>
             </a:fld>
             <a:endParaRPr lang="en-GB"/>
           </a:p>
@@ -2400,7 +2401,7 @@
           <a:p>
             <a:fld id="{18C8C4B9-DDC0-4E58-82E3-7C78202F16A3}" type="datetimeFigureOut">
               <a:rPr lang="en-GB" smtClean="0"/>
-              <a:t>21/06/2021</a:t>
+              <a:t>29/07/2023</a:t>
             </a:fld>
             <a:endParaRPr lang="en-GB"/>
           </a:p>
@@ -2689,7 +2690,7 @@
           <a:p>
             <a:fld id="{18C8C4B9-DDC0-4E58-82E3-7C78202F16A3}" type="datetimeFigureOut">
               <a:rPr lang="en-GB" smtClean="0"/>
-              <a:t>21/06/2021</a:t>
+              <a:t>29/07/2023</a:t>
             </a:fld>
             <a:endParaRPr lang="en-GB"/>
           </a:p>
@@ -2932,7 +2933,7 @@
           <a:p>
             <a:fld id="{18C8C4B9-DDC0-4E58-82E3-7C78202F16A3}" type="datetimeFigureOut">
               <a:rPr lang="en-GB" smtClean="0"/>
-              <a:t>21/06/2021</a:t>
+              <a:t>29/07/2023</a:t>
             </a:fld>
             <a:endParaRPr lang="en-GB"/>
           </a:p>
@@ -6375,6 +6376,1210 @@
 </p:sld>
 </file>
 
+<file path=ppt/slides/slide4.xml><?xml version="1.0" encoding="utf-8"?>
+<p:sld xmlns:a="http://schemas.openxmlformats.org/drawingml/2006/main" xmlns:r="http://schemas.openxmlformats.org/officeDocument/2006/relationships" xmlns:p="http://schemas.openxmlformats.org/presentationml/2006/main">
+  <p:cSld>
+    <p:spTree>
+      <p:nvGrpSpPr>
+        <p:cNvPr id="1" name=""/>
+        <p:cNvGrpSpPr/>
+        <p:nvPr/>
+      </p:nvGrpSpPr>
+      <p:grpSpPr>
+        <a:xfrm>
+          <a:off x="0" y="0"/>
+          <a:ext cx="0" cy="0"/>
+          <a:chOff x="0" y="0"/>
+          <a:chExt cx="0" cy="0"/>
+        </a:xfrm>
+      </p:grpSpPr>
+      <p:sp>
+        <p:nvSpPr>
+          <p:cNvPr id="46" name="Rectangle 45">
+            <a:extLst>
+              <a:ext uri="{FF2B5EF4-FFF2-40B4-BE49-F238E27FC236}">
+                <a16:creationId xmlns:a16="http://schemas.microsoft.com/office/drawing/2014/main" id="{A064D958-50B0-E1EB-36EC-5ECC266439CD}"/>
+              </a:ext>
+            </a:extLst>
+          </p:cNvPr>
+          <p:cNvSpPr/>
+          <p:nvPr/>
+        </p:nvSpPr>
+        <p:spPr>
+          <a:xfrm>
+            <a:off x="7184209" y="1553889"/>
+            <a:ext cx="2627113" cy="4081657"/>
+          </a:xfrm>
+          <a:prstGeom prst="rect">
+            <a:avLst/>
+          </a:prstGeom>
+          <a:gradFill flip="none" rotWithShape="1">
+            <a:gsLst>
+              <a:gs pos="0">
+                <a:schemeClr val="accent4">
+                  <a:lumMod val="5000"/>
+                  <a:lumOff val="95000"/>
+                </a:schemeClr>
+              </a:gs>
+              <a:gs pos="74000">
+                <a:schemeClr val="accent4">
+                  <a:lumMod val="45000"/>
+                  <a:lumOff val="55000"/>
+                </a:schemeClr>
+              </a:gs>
+              <a:gs pos="83000">
+                <a:schemeClr val="accent4">
+                  <a:lumMod val="45000"/>
+                  <a:lumOff val="55000"/>
+                </a:schemeClr>
+              </a:gs>
+              <a:gs pos="100000">
+                <a:schemeClr val="accent4">
+                  <a:lumMod val="30000"/>
+                  <a:lumOff val="70000"/>
+                </a:schemeClr>
+              </a:gs>
+            </a:gsLst>
+            <a:lin ang="10800000" scaled="1"/>
+            <a:tileRect/>
+          </a:gradFill>
+          <a:ln>
+            <a:noFill/>
+          </a:ln>
+        </p:spPr>
+        <p:style>
+          <a:lnRef idx="2">
+            <a:schemeClr val="accent1">
+              <a:shade val="15000"/>
+            </a:schemeClr>
+          </a:lnRef>
+          <a:fillRef idx="1">
+            <a:schemeClr val="accent1"/>
+          </a:fillRef>
+          <a:effectRef idx="0">
+            <a:schemeClr val="accent1"/>
+          </a:effectRef>
+          <a:fontRef idx="minor">
+            <a:schemeClr val="lt1"/>
+          </a:fontRef>
+        </p:style>
+        <p:txBody>
+          <a:bodyPr rtlCol="0" anchor="ctr"/>
+          <a:lstStyle/>
+          <a:p>
+            <a:pPr algn="ctr"/>
+            <a:endParaRPr lang="en-GB"/>
+          </a:p>
+        </p:txBody>
+      </p:sp>
+      <p:sp>
+        <p:nvSpPr>
+          <p:cNvPr id="45" name="Rectangle 44">
+            <a:extLst>
+              <a:ext uri="{FF2B5EF4-FFF2-40B4-BE49-F238E27FC236}">
+                <a16:creationId xmlns:a16="http://schemas.microsoft.com/office/drawing/2014/main" id="{E3BE91DA-5A98-FE13-B14A-2325C773592B}"/>
+              </a:ext>
+            </a:extLst>
+          </p:cNvPr>
+          <p:cNvSpPr/>
+          <p:nvPr/>
+        </p:nvSpPr>
+        <p:spPr>
+          <a:xfrm>
+            <a:off x="2074463" y="1542197"/>
+            <a:ext cx="2627113" cy="4081657"/>
+          </a:xfrm>
+          <a:prstGeom prst="rect">
+            <a:avLst/>
+          </a:prstGeom>
+          <a:gradFill flip="none" rotWithShape="1">
+            <a:gsLst>
+              <a:gs pos="0">
+                <a:schemeClr val="accent1">
+                  <a:lumMod val="5000"/>
+                  <a:lumOff val="95000"/>
+                </a:schemeClr>
+              </a:gs>
+              <a:gs pos="74000">
+                <a:schemeClr val="accent1">
+                  <a:lumMod val="45000"/>
+                  <a:lumOff val="55000"/>
+                </a:schemeClr>
+              </a:gs>
+              <a:gs pos="83000">
+                <a:schemeClr val="accent1">
+                  <a:lumMod val="45000"/>
+                  <a:lumOff val="55000"/>
+                </a:schemeClr>
+              </a:gs>
+              <a:gs pos="100000">
+                <a:schemeClr val="accent1">
+                  <a:lumMod val="30000"/>
+                  <a:lumOff val="70000"/>
+                </a:schemeClr>
+              </a:gs>
+            </a:gsLst>
+            <a:lin ang="0" scaled="1"/>
+            <a:tileRect/>
+          </a:gradFill>
+          <a:ln>
+            <a:noFill/>
+          </a:ln>
+        </p:spPr>
+        <p:style>
+          <a:lnRef idx="2">
+            <a:schemeClr val="accent1">
+              <a:shade val="15000"/>
+            </a:schemeClr>
+          </a:lnRef>
+          <a:fillRef idx="1">
+            <a:schemeClr val="accent1"/>
+          </a:fillRef>
+          <a:effectRef idx="0">
+            <a:schemeClr val="accent1"/>
+          </a:effectRef>
+          <a:fontRef idx="minor">
+            <a:schemeClr val="lt1"/>
+          </a:fontRef>
+        </p:style>
+        <p:txBody>
+          <a:bodyPr rtlCol="0" anchor="ctr"/>
+          <a:lstStyle/>
+          <a:p>
+            <a:pPr algn="ctr"/>
+            <a:endParaRPr lang="en-GB"/>
+          </a:p>
+        </p:txBody>
+      </p:sp>
+      <p:sp>
+        <p:nvSpPr>
+          <p:cNvPr id="27" name="Rectangle 26">
+            <a:extLst>
+              <a:ext uri="{FF2B5EF4-FFF2-40B4-BE49-F238E27FC236}">
+                <a16:creationId xmlns:a16="http://schemas.microsoft.com/office/drawing/2014/main" id="{B0267F43-3115-16CD-FE3F-48843AFC93EB}"/>
+              </a:ext>
+            </a:extLst>
+          </p:cNvPr>
+          <p:cNvSpPr/>
+          <p:nvPr/>
+        </p:nvSpPr>
+        <p:spPr>
+          <a:xfrm>
+            <a:off x="4717417" y="1542197"/>
+            <a:ext cx="2460170" cy="4081657"/>
+          </a:xfrm>
+          <a:prstGeom prst="rect">
+            <a:avLst/>
+          </a:prstGeom>
+          <a:solidFill>
+            <a:srgbClr val="00B0F0"/>
+          </a:solidFill>
+          <a:ln>
+            <a:noFill/>
+          </a:ln>
+        </p:spPr>
+        <p:style>
+          <a:lnRef idx="2">
+            <a:schemeClr val="accent1">
+              <a:shade val="15000"/>
+            </a:schemeClr>
+          </a:lnRef>
+          <a:fillRef idx="1">
+            <a:schemeClr val="accent1"/>
+          </a:fillRef>
+          <a:effectRef idx="0">
+            <a:schemeClr val="accent1"/>
+          </a:effectRef>
+          <a:fontRef idx="minor">
+            <a:schemeClr val="lt1"/>
+          </a:fontRef>
+        </p:style>
+        <p:txBody>
+          <a:bodyPr rtlCol="0" anchor="ctr"/>
+          <a:lstStyle/>
+          <a:p>
+            <a:pPr algn="ctr"/>
+            <a:endParaRPr lang="en-GB" sz="3200" dirty="0"/>
+          </a:p>
+        </p:txBody>
+      </p:sp>
+      <p:cxnSp>
+        <p:nvCxnSpPr>
+          <p:cNvPr id="4" name="Straight Connector 3">
+            <a:extLst>
+              <a:ext uri="{FF2B5EF4-FFF2-40B4-BE49-F238E27FC236}">
+                <a16:creationId xmlns:a16="http://schemas.microsoft.com/office/drawing/2014/main" id="{DA932656-EE33-2790-472C-2248AA5EA454}"/>
+              </a:ext>
+            </a:extLst>
+          </p:cNvPr>
+          <p:cNvCxnSpPr>
+            <a:cxnSpLocks/>
+          </p:cNvCxnSpPr>
+          <p:nvPr/>
+        </p:nvCxnSpPr>
+        <p:spPr>
+          <a:xfrm flipH="1">
+            <a:off x="4717417" y="1553889"/>
+            <a:ext cx="6622" cy="4069966"/>
+          </a:xfrm>
+          <a:prstGeom prst="line">
+            <a:avLst/>
+          </a:prstGeom>
+          <a:ln w="50800"/>
+        </p:spPr>
+        <p:style>
+          <a:lnRef idx="3">
+            <a:schemeClr val="dk1"/>
+          </a:lnRef>
+          <a:fillRef idx="0">
+            <a:schemeClr val="dk1"/>
+          </a:fillRef>
+          <a:effectRef idx="2">
+            <a:schemeClr val="dk1"/>
+          </a:effectRef>
+          <a:fontRef idx="minor">
+            <a:schemeClr val="tx1"/>
+          </a:fontRef>
+        </p:style>
+      </p:cxnSp>
+      <p:cxnSp>
+        <p:nvCxnSpPr>
+          <p:cNvPr id="6" name="Straight Connector 5">
+            <a:extLst>
+              <a:ext uri="{FF2B5EF4-FFF2-40B4-BE49-F238E27FC236}">
+                <a16:creationId xmlns:a16="http://schemas.microsoft.com/office/drawing/2014/main" id="{E1143595-44BD-B3F9-1C19-16326A3E2B1B}"/>
+              </a:ext>
+            </a:extLst>
+          </p:cNvPr>
+          <p:cNvCxnSpPr>
+            <a:cxnSpLocks/>
+          </p:cNvCxnSpPr>
+          <p:nvPr/>
+        </p:nvCxnSpPr>
+        <p:spPr>
+          <a:xfrm flipH="1">
+            <a:off x="7177589" y="1542197"/>
+            <a:ext cx="6620" cy="4081657"/>
+          </a:xfrm>
+          <a:prstGeom prst="line">
+            <a:avLst/>
+          </a:prstGeom>
+          <a:ln w="50800"/>
+        </p:spPr>
+        <p:style>
+          <a:lnRef idx="3">
+            <a:schemeClr val="dk1"/>
+          </a:lnRef>
+          <a:fillRef idx="0">
+            <a:schemeClr val="dk1"/>
+          </a:fillRef>
+          <a:effectRef idx="2">
+            <a:schemeClr val="dk1"/>
+          </a:effectRef>
+          <a:fontRef idx="minor">
+            <a:schemeClr val="tx1"/>
+          </a:fontRef>
+        </p:style>
+      </p:cxnSp>
+      <p:cxnSp>
+        <p:nvCxnSpPr>
+          <p:cNvPr id="10" name="Straight Connector 9">
+            <a:extLst>
+              <a:ext uri="{FF2B5EF4-FFF2-40B4-BE49-F238E27FC236}">
+                <a16:creationId xmlns:a16="http://schemas.microsoft.com/office/drawing/2014/main" id="{9D1BD05F-98F4-4D7D-6032-352A365C9927}"/>
+              </a:ext>
+            </a:extLst>
+          </p:cNvPr>
+          <p:cNvCxnSpPr/>
+          <p:nvPr/>
+        </p:nvCxnSpPr>
+        <p:spPr>
+          <a:xfrm flipH="1">
+            <a:off x="3002510" y="4421875"/>
+            <a:ext cx="1714907" cy="0"/>
+          </a:xfrm>
+          <a:prstGeom prst="line">
+            <a:avLst/>
+          </a:prstGeom>
+          <a:ln w="9525" cap="flat" cmpd="sng" algn="ctr">
+            <a:solidFill>
+              <a:schemeClr val="dk1"/>
+            </a:solidFill>
+            <a:prstDash val="dash"/>
+            <a:round/>
+            <a:headEnd type="none" w="med" len="med"/>
+            <a:tailEnd type="none" w="med" len="med"/>
+          </a:ln>
+        </p:spPr>
+        <p:style>
+          <a:lnRef idx="0">
+            <a:scrgbClr r="0" g="0" b="0"/>
+          </a:lnRef>
+          <a:fillRef idx="0">
+            <a:scrgbClr r="0" g="0" b="0"/>
+          </a:fillRef>
+          <a:effectRef idx="0">
+            <a:scrgbClr r="0" g="0" b="0"/>
+          </a:effectRef>
+          <a:fontRef idx="minor">
+            <a:schemeClr val="tx1"/>
+          </a:fontRef>
+        </p:style>
+      </p:cxnSp>
+      <p:cxnSp>
+        <p:nvCxnSpPr>
+          <p:cNvPr id="12" name="Straight Arrow Connector 11">
+            <a:extLst>
+              <a:ext uri="{FF2B5EF4-FFF2-40B4-BE49-F238E27FC236}">
+                <a16:creationId xmlns:a16="http://schemas.microsoft.com/office/drawing/2014/main" id="{CEA0EE32-BD76-F9BC-3925-131B4DAAE696}"/>
+              </a:ext>
+            </a:extLst>
+          </p:cNvPr>
+          <p:cNvCxnSpPr/>
+          <p:nvPr/>
+        </p:nvCxnSpPr>
+        <p:spPr>
+          <a:xfrm flipV="1">
+            <a:off x="3002510" y="4421875"/>
+            <a:ext cx="1687611" cy="1173707"/>
+          </a:xfrm>
+          <a:prstGeom prst="straightConnector1">
+            <a:avLst/>
+          </a:prstGeom>
+          <a:ln w="22225">
+            <a:solidFill>
+              <a:schemeClr val="tx1"/>
+            </a:solidFill>
+            <a:headEnd type="none" w="lg" len="lg"/>
+            <a:tailEnd type="triangle" w="lg" len="lg"/>
+          </a:ln>
+        </p:spPr>
+        <p:style>
+          <a:lnRef idx="1">
+            <a:schemeClr val="accent1"/>
+          </a:lnRef>
+          <a:fillRef idx="0">
+            <a:schemeClr val="accent1"/>
+          </a:fillRef>
+          <a:effectRef idx="0">
+            <a:schemeClr val="accent1"/>
+          </a:effectRef>
+          <a:fontRef idx="minor">
+            <a:schemeClr val="tx1"/>
+          </a:fontRef>
+        </p:style>
+      </p:cxnSp>
+      <p:cxnSp>
+        <p:nvCxnSpPr>
+          <p:cNvPr id="16" name="Straight Connector 15">
+            <a:extLst>
+              <a:ext uri="{FF2B5EF4-FFF2-40B4-BE49-F238E27FC236}">
+                <a16:creationId xmlns:a16="http://schemas.microsoft.com/office/drawing/2014/main" id="{75F5154A-DA2D-5437-A9C4-787B9BBC5D2D}"/>
+              </a:ext>
+            </a:extLst>
+          </p:cNvPr>
+          <p:cNvCxnSpPr>
+            <a:cxnSpLocks/>
+          </p:cNvCxnSpPr>
+          <p:nvPr/>
+        </p:nvCxnSpPr>
+        <p:spPr>
+          <a:xfrm>
+            <a:off x="3002510" y="4421875"/>
+            <a:ext cx="0" cy="1173707"/>
+          </a:xfrm>
+          <a:prstGeom prst="line">
+            <a:avLst/>
+          </a:prstGeom>
+        </p:spPr>
+        <p:style>
+          <a:lnRef idx="1">
+            <a:schemeClr val="accent1"/>
+          </a:lnRef>
+          <a:fillRef idx="0">
+            <a:schemeClr val="accent1"/>
+          </a:fillRef>
+          <a:effectRef idx="0">
+            <a:schemeClr val="accent1"/>
+          </a:effectRef>
+          <a:fontRef idx="minor">
+            <a:schemeClr val="tx1"/>
+          </a:fontRef>
+        </p:style>
+      </p:cxnSp>
+      <p:cxnSp>
+        <p:nvCxnSpPr>
+          <p:cNvPr id="19" name="Straight Connector 18">
+            <a:extLst>
+              <a:ext uri="{FF2B5EF4-FFF2-40B4-BE49-F238E27FC236}">
+                <a16:creationId xmlns:a16="http://schemas.microsoft.com/office/drawing/2014/main" id="{2AD0419E-19A8-B1FC-4C67-7A6BEE0F1867}"/>
+              </a:ext>
+            </a:extLst>
+          </p:cNvPr>
+          <p:cNvCxnSpPr>
+            <a:cxnSpLocks/>
+          </p:cNvCxnSpPr>
+          <p:nvPr/>
+        </p:nvCxnSpPr>
+        <p:spPr>
+          <a:xfrm>
+            <a:off x="3004782" y="3264091"/>
+            <a:ext cx="0" cy="1173707"/>
+          </a:xfrm>
+          <a:prstGeom prst="line">
+            <a:avLst/>
+          </a:prstGeom>
+        </p:spPr>
+        <p:style>
+          <a:lnRef idx="1">
+            <a:schemeClr val="accent1"/>
+          </a:lnRef>
+          <a:fillRef idx="0">
+            <a:schemeClr val="accent1"/>
+          </a:fillRef>
+          <a:effectRef idx="0">
+            <a:schemeClr val="accent1"/>
+          </a:effectRef>
+          <a:fontRef idx="minor">
+            <a:schemeClr val="tx1"/>
+          </a:fontRef>
+        </p:style>
+      </p:cxnSp>
+      <p:cxnSp>
+        <p:nvCxnSpPr>
+          <p:cNvPr id="20" name="Straight Arrow Connector 19">
+            <a:extLst>
+              <a:ext uri="{FF2B5EF4-FFF2-40B4-BE49-F238E27FC236}">
+                <a16:creationId xmlns:a16="http://schemas.microsoft.com/office/drawing/2014/main" id="{FABD751B-AB18-5796-7F4F-FC68CDEDC6CB}"/>
+              </a:ext>
+            </a:extLst>
+          </p:cNvPr>
+          <p:cNvCxnSpPr>
+            <a:cxnSpLocks/>
+          </p:cNvCxnSpPr>
+          <p:nvPr/>
+        </p:nvCxnSpPr>
+        <p:spPr>
+          <a:xfrm flipH="1" flipV="1">
+            <a:off x="3000239" y="3264091"/>
+            <a:ext cx="1685580" cy="1173706"/>
+          </a:xfrm>
+          <a:prstGeom prst="straightConnector1">
+            <a:avLst/>
+          </a:prstGeom>
+          <a:ln w="22225">
+            <a:solidFill>
+              <a:srgbClr val="00B050"/>
+            </a:solidFill>
+            <a:headEnd type="none" w="lg" len="lg"/>
+            <a:tailEnd type="triangle" w="lg" len="lg"/>
+          </a:ln>
+        </p:spPr>
+        <p:style>
+          <a:lnRef idx="1">
+            <a:schemeClr val="accent1"/>
+          </a:lnRef>
+          <a:fillRef idx="0">
+            <a:schemeClr val="accent1"/>
+          </a:fillRef>
+          <a:effectRef idx="0">
+            <a:schemeClr val="accent1"/>
+          </a:effectRef>
+          <a:fontRef idx="minor">
+            <a:schemeClr val="tx1"/>
+          </a:fontRef>
+        </p:style>
+      </p:cxnSp>
+      <p:sp>
+        <p:nvSpPr>
+          <p:cNvPr id="22" name="TextBox 21">
+            <a:extLst>
+              <a:ext uri="{FF2B5EF4-FFF2-40B4-BE49-F238E27FC236}">
+                <a16:creationId xmlns:a16="http://schemas.microsoft.com/office/drawing/2014/main" id="{60BA1EEA-D810-280C-A684-92004F3B2235}"/>
+              </a:ext>
+            </a:extLst>
+          </p:cNvPr>
+          <p:cNvSpPr txBox="1"/>
+          <p:nvPr/>
+        </p:nvSpPr>
+        <p:spPr>
+          <a:xfrm>
+            <a:off x="3526797" y="5238858"/>
+            <a:ext cx="364202" cy="369332"/>
+          </a:xfrm>
+          <a:prstGeom prst="rect">
+            <a:avLst/>
+          </a:prstGeom>
+          <a:noFill/>
+        </p:spPr>
+        <p:txBody>
+          <a:bodyPr wrap="none" rtlCol="0">
+            <a:spAutoFit/>
+          </a:bodyPr>
+          <a:lstStyle/>
+          <a:p>
+            <a:r>
+              <a:rPr lang="en-GB" dirty="0"/>
+              <a:t>In</a:t>
+            </a:r>
+          </a:p>
+        </p:txBody>
+      </p:sp>
+      <p:sp>
+        <p:nvSpPr>
+          <p:cNvPr id="23" name="TextBox 22">
+            <a:extLst>
+              <a:ext uri="{FF2B5EF4-FFF2-40B4-BE49-F238E27FC236}">
+                <a16:creationId xmlns:a16="http://schemas.microsoft.com/office/drawing/2014/main" id="{5F154C4D-27A4-F630-F555-9FC377ABF2E7}"/>
+              </a:ext>
+            </a:extLst>
+          </p:cNvPr>
+          <p:cNvSpPr txBox="1"/>
+          <p:nvPr/>
+        </p:nvSpPr>
+        <p:spPr>
+          <a:xfrm>
+            <a:off x="7455394" y="2691121"/>
+            <a:ext cx="1817036" cy="369332"/>
+          </a:xfrm>
+          <a:prstGeom prst="rect">
+            <a:avLst/>
+          </a:prstGeom>
+          <a:noFill/>
+        </p:spPr>
+        <p:txBody>
+          <a:bodyPr wrap="none" rtlCol="0">
+            <a:spAutoFit/>
+          </a:bodyPr>
+          <a:lstStyle/>
+          <a:p>
+            <a:r>
+              <a:rPr lang="en-GB" dirty="0">
+                <a:solidFill>
+                  <a:srgbClr val="7030A0"/>
+                </a:solidFill>
+              </a:rPr>
+              <a:t>Transmittance (T)</a:t>
+            </a:r>
+          </a:p>
+        </p:txBody>
+      </p:sp>
+      <mc:AlternateContent xmlns:mc="http://schemas.openxmlformats.org/markup-compatibility/2006">
+        <mc:Choice xmlns:a14="http://schemas.microsoft.com/office/drawing/2010/main" Requires="a14">
+          <p:sp>
+            <p:nvSpPr>
+              <p:cNvPr id="24" name="TextBox 23">
+                <a:extLst>
+                  <a:ext uri="{FF2B5EF4-FFF2-40B4-BE49-F238E27FC236}">
+                    <a16:creationId xmlns:a16="http://schemas.microsoft.com/office/drawing/2014/main" id="{75E1E339-0CE3-E182-7659-EE3D71504947}"/>
+                  </a:ext>
+                </a:extLst>
+              </p:cNvPr>
+              <p:cNvSpPr txBox="1"/>
+              <p:nvPr/>
+            </p:nvSpPr>
+            <p:spPr>
+              <a:xfrm>
+                <a:off x="3948384" y="4486069"/>
+                <a:ext cx="189475" cy="276999"/>
+              </a:xfrm>
+              <a:prstGeom prst="rect">
+                <a:avLst/>
+              </a:prstGeom>
+              <a:noFill/>
+            </p:spPr>
+            <p:txBody>
+              <a:bodyPr wrap="none" lIns="0" tIns="0" rIns="0" bIns="0" rtlCol="0">
+                <a:spAutoFit/>
+              </a:bodyPr>
+              <a:lstStyle/>
+              <a:p>
+                <a14:m>
+                  <m:oMathPara xmlns:m="http://schemas.openxmlformats.org/officeDocument/2006/math">
+                    <m:oMathParaPr>
+                      <m:jc m:val="centerGroup"/>
+                    </m:oMathParaPr>
+                    <m:oMath xmlns:m="http://schemas.openxmlformats.org/officeDocument/2006/math">
+                      <m:r>
+                        <a:rPr lang="en-GB" i="1" smtClean="0">
+                          <a:latin typeface="Cambria Math" panose="02040503050406030204" pitchFamily="18" charset="0"/>
+                          <a:ea typeface="Cambria Math" panose="02040503050406030204" pitchFamily="18" charset="0"/>
+                        </a:rPr>
+                        <m:t>𝜃</m:t>
+                      </m:r>
+                    </m:oMath>
+                  </m:oMathPara>
+                </a14:m>
+                <a:endParaRPr lang="en-GB" dirty="0"/>
+              </a:p>
+            </p:txBody>
+          </p:sp>
+        </mc:Choice>
+        <mc:Fallback>
+          <p:sp>
+            <p:nvSpPr>
+              <p:cNvPr id="24" name="TextBox 23">
+                <a:extLst>
+                  <a:ext uri="{FF2B5EF4-FFF2-40B4-BE49-F238E27FC236}">
+                    <a16:creationId xmlns:a16="http://schemas.microsoft.com/office/drawing/2014/main" id="{75E1E339-0CE3-E182-7659-EE3D71504947}"/>
+                  </a:ext>
+                </a:extLst>
+              </p:cNvPr>
+              <p:cNvSpPr txBox="1">
+                <a:spLocks noRot="1" noChangeAspect="1" noMove="1" noResize="1" noEditPoints="1" noAdjustHandles="1" noChangeArrowheads="1" noChangeShapeType="1" noTextEdit="1"/>
+              </p:cNvSpPr>
+              <p:nvPr/>
+            </p:nvSpPr>
+            <p:spPr>
+              <a:xfrm>
+                <a:off x="3948384" y="4486069"/>
+                <a:ext cx="189475" cy="276999"/>
+              </a:xfrm>
+              <a:prstGeom prst="rect">
+                <a:avLst/>
+              </a:prstGeom>
+              <a:blipFill>
+                <a:blip r:embed="rId2"/>
+                <a:stretch>
+                  <a:fillRect l="-32258" r="-22581" b="-6667"/>
+                </a:stretch>
+              </a:blipFill>
+            </p:spPr>
+            <p:txBody>
+              <a:bodyPr/>
+              <a:lstStyle/>
+              <a:p>
+                <a:r>
+                  <a:rPr lang="en-GB">
+                    <a:noFill/>
+                  </a:rPr>
+                  <a:t> </a:t>
+                </a:r>
+              </a:p>
+            </p:txBody>
+          </p:sp>
+        </mc:Fallback>
+      </mc:AlternateContent>
+      <p:sp>
+        <p:nvSpPr>
+          <p:cNvPr id="25" name="TextBox 24">
+            <a:extLst>
+              <a:ext uri="{FF2B5EF4-FFF2-40B4-BE49-F238E27FC236}">
+                <a16:creationId xmlns:a16="http://schemas.microsoft.com/office/drawing/2014/main" id="{4BBB8893-74D3-310C-1A6E-055E4B746060}"/>
+              </a:ext>
+            </a:extLst>
+          </p:cNvPr>
+          <p:cNvSpPr txBox="1"/>
+          <p:nvPr/>
+        </p:nvSpPr>
+        <p:spPr>
+          <a:xfrm>
+            <a:off x="3000239" y="1144682"/>
+            <a:ext cx="1263616" cy="369332"/>
+          </a:xfrm>
+          <a:prstGeom prst="rect">
+            <a:avLst/>
+          </a:prstGeom>
+          <a:noFill/>
+        </p:spPr>
+        <p:txBody>
+          <a:bodyPr wrap="none" rtlCol="0">
+            <a:spAutoFit/>
+          </a:bodyPr>
+          <a:lstStyle/>
+          <a:p>
+            <a:r>
+              <a:rPr lang="en-GB" dirty="0"/>
+              <a:t>Superstrate</a:t>
+            </a:r>
+          </a:p>
+        </p:txBody>
+      </p:sp>
+      <p:sp>
+        <p:nvSpPr>
+          <p:cNvPr id="26" name="TextBox 25">
+            <a:extLst>
+              <a:ext uri="{FF2B5EF4-FFF2-40B4-BE49-F238E27FC236}">
+                <a16:creationId xmlns:a16="http://schemas.microsoft.com/office/drawing/2014/main" id="{1C225569-2FC8-3E0D-302C-446B74416D96}"/>
+              </a:ext>
+            </a:extLst>
+          </p:cNvPr>
+          <p:cNvSpPr txBox="1"/>
+          <p:nvPr/>
+        </p:nvSpPr>
+        <p:spPr>
+          <a:xfrm>
+            <a:off x="7666302" y="1144682"/>
+            <a:ext cx="1070871" cy="369332"/>
+          </a:xfrm>
+          <a:prstGeom prst="rect">
+            <a:avLst/>
+          </a:prstGeom>
+          <a:noFill/>
+        </p:spPr>
+        <p:txBody>
+          <a:bodyPr wrap="none" rtlCol="0">
+            <a:spAutoFit/>
+          </a:bodyPr>
+          <a:lstStyle/>
+          <a:p>
+            <a:r>
+              <a:rPr lang="en-GB" dirty="0"/>
+              <a:t>Substrate</a:t>
+            </a:r>
+          </a:p>
+        </p:txBody>
+      </p:sp>
+      <p:sp>
+        <p:nvSpPr>
+          <p:cNvPr id="28" name="TextBox 27">
+            <a:extLst>
+              <a:ext uri="{FF2B5EF4-FFF2-40B4-BE49-F238E27FC236}">
+                <a16:creationId xmlns:a16="http://schemas.microsoft.com/office/drawing/2014/main" id="{29C8D42F-695F-AD6B-78E7-DE1B6427529C}"/>
+              </a:ext>
+            </a:extLst>
+          </p:cNvPr>
+          <p:cNvSpPr txBox="1"/>
+          <p:nvPr/>
+        </p:nvSpPr>
+        <p:spPr>
+          <a:xfrm>
+            <a:off x="5408212" y="1144682"/>
+            <a:ext cx="1069524" cy="369332"/>
+          </a:xfrm>
+          <a:prstGeom prst="rect">
+            <a:avLst/>
+          </a:prstGeom>
+          <a:noFill/>
+        </p:spPr>
+        <p:txBody>
+          <a:bodyPr wrap="none" rtlCol="0">
+            <a:spAutoFit/>
+          </a:bodyPr>
+          <a:lstStyle/>
+          <a:p>
+            <a:r>
+              <a:rPr lang="en-GB" dirty="0"/>
+              <a:t>Dielectric</a:t>
+            </a:r>
+          </a:p>
+        </p:txBody>
+      </p:sp>
+      <p:cxnSp>
+        <p:nvCxnSpPr>
+          <p:cNvPr id="29" name="Straight Arrow Connector 28">
+            <a:extLst>
+              <a:ext uri="{FF2B5EF4-FFF2-40B4-BE49-F238E27FC236}">
+                <a16:creationId xmlns:a16="http://schemas.microsoft.com/office/drawing/2014/main" id="{3DCB6619-BF28-2717-AF12-FF0800DFE0D3}"/>
+              </a:ext>
+            </a:extLst>
+          </p:cNvPr>
+          <p:cNvCxnSpPr>
+            <a:cxnSpLocks/>
+            <a:endCxn id="27" idx="3"/>
+          </p:cNvCxnSpPr>
+          <p:nvPr/>
+        </p:nvCxnSpPr>
+        <p:spPr>
+          <a:xfrm flipV="1">
+            <a:off x="4708361" y="3583026"/>
+            <a:ext cx="2469226" cy="836664"/>
+          </a:xfrm>
+          <a:prstGeom prst="straightConnector1">
+            <a:avLst/>
+          </a:prstGeom>
+          <a:ln w="22225">
+            <a:solidFill>
+              <a:srgbClr val="FF0000"/>
+            </a:solidFill>
+            <a:headEnd type="none" w="lg" len="lg"/>
+            <a:tailEnd type="triangle" w="lg" len="lg"/>
+          </a:ln>
+        </p:spPr>
+        <p:style>
+          <a:lnRef idx="1">
+            <a:schemeClr val="accent1"/>
+          </a:lnRef>
+          <a:fillRef idx="0">
+            <a:schemeClr val="accent1"/>
+          </a:fillRef>
+          <a:effectRef idx="0">
+            <a:schemeClr val="accent1"/>
+          </a:effectRef>
+          <a:fontRef idx="minor">
+            <a:schemeClr val="tx1"/>
+          </a:fontRef>
+        </p:style>
+      </p:cxnSp>
+      <p:cxnSp>
+        <p:nvCxnSpPr>
+          <p:cNvPr id="31" name="Straight Arrow Connector 30">
+            <a:extLst>
+              <a:ext uri="{FF2B5EF4-FFF2-40B4-BE49-F238E27FC236}">
+                <a16:creationId xmlns:a16="http://schemas.microsoft.com/office/drawing/2014/main" id="{6A729513-B619-3451-B1A1-AC227B8868F4}"/>
+              </a:ext>
+            </a:extLst>
+          </p:cNvPr>
+          <p:cNvCxnSpPr>
+            <a:cxnSpLocks/>
+          </p:cNvCxnSpPr>
+          <p:nvPr/>
+        </p:nvCxnSpPr>
+        <p:spPr>
+          <a:xfrm flipH="1" flipV="1">
+            <a:off x="4708361" y="3264091"/>
+            <a:ext cx="2496522" cy="573205"/>
+          </a:xfrm>
+          <a:prstGeom prst="straightConnector1">
+            <a:avLst/>
+          </a:prstGeom>
+          <a:ln w="22225">
+            <a:solidFill>
+              <a:srgbClr val="FF0000"/>
+            </a:solidFill>
+            <a:headEnd type="none" w="lg" len="lg"/>
+            <a:tailEnd type="triangle" w="lg" len="lg"/>
+          </a:ln>
+        </p:spPr>
+        <p:style>
+          <a:lnRef idx="1">
+            <a:schemeClr val="accent1"/>
+          </a:lnRef>
+          <a:fillRef idx="0">
+            <a:schemeClr val="accent1"/>
+          </a:fillRef>
+          <a:effectRef idx="0">
+            <a:schemeClr val="accent1"/>
+          </a:effectRef>
+          <a:fontRef idx="minor">
+            <a:schemeClr val="tx1"/>
+          </a:fontRef>
+        </p:style>
+      </p:cxnSp>
+      <p:cxnSp>
+        <p:nvCxnSpPr>
+          <p:cNvPr id="32" name="Straight Connector 31">
+            <a:extLst>
+              <a:ext uri="{FF2B5EF4-FFF2-40B4-BE49-F238E27FC236}">
+                <a16:creationId xmlns:a16="http://schemas.microsoft.com/office/drawing/2014/main" id="{0300506A-32DF-54D9-1B60-FF98B7F270FA}"/>
+              </a:ext>
+            </a:extLst>
+          </p:cNvPr>
+          <p:cNvCxnSpPr/>
+          <p:nvPr/>
+        </p:nvCxnSpPr>
+        <p:spPr>
+          <a:xfrm flipH="1">
+            <a:off x="5489976" y="3850944"/>
+            <a:ext cx="1714907" cy="0"/>
+          </a:xfrm>
+          <a:prstGeom prst="line">
+            <a:avLst/>
+          </a:prstGeom>
+          <a:ln w="9525" cap="flat" cmpd="sng" algn="ctr">
+            <a:solidFill>
+              <a:schemeClr val="dk1"/>
+            </a:solidFill>
+            <a:prstDash val="dash"/>
+            <a:round/>
+            <a:headEnd type="none" w="med" len="med"/>
+            <a:tailEnd type="none" w="med" len="med"/>
+          </a:ln>
+        </p:spPr>
+        <p:style>
+          <a:lnRef idx="0">
+            <a:scrgbClr r="0" g="0" b="0"/>
+          </a:lnRef>
+          <a:fillRef idx="0">
+            <a:scrgbClr r="0" g="0" b="0"/>
+          </a:fillRef>
+          <a:effectRef idx="0">
+            <a:scrgbClr r="0" g="0" b="0"/>
+          </a:effectRef>
+          <a:fontRef idx="minor">
+            <a:schemeClr val="tx1"/>
+          </a:fontRef>
+        </p:style>
+      </p:cxnSp>
+      <p:cxnSp>
+        <p:nvCxnSpPr>
+          <p:cNvPr id="37" name="Straight Arrow Connector 36">
+            <a:extLst>
+              <a:ext uri="{FF2B5EF4-FFF2-40B4-BE49-F238E27FC236}">
+                <a16:creationId xmlns:a16="http://schemas.microsoft.com/office/drawing/2014/main" id="{6356B055-8EB1-7DA0-B9DA-BECC2522AFD3}"/>
+              </a:ext>
+            </a:extLst>
+          </p:cNvPr>
+          <p:cNvCxnSpPr>
+            <a:cxnSpLocks/>
+          </p:cNvCxnSpPr>
+          <p:nvPr/>
+        </p:nvCxnSpPr>
+        <p:spPr>
+          <a:xfrm flipV="1">
+            <a:off x="7204883" y="3061324"/>
+            <a:ext cx="1993710" cy="789620"/>
+          </a:xfrm>
+          <a:prstGeom prst="straightConnector1">
+            <a:avLst/>
+          </a:prstGeom>
+          <a:ln w="22225">
+            <a:solidFill>
+              <a:srgbClr val="7030A0"/>
+            </a:solidFill>
+            <a:headEnd type="none" w="lg" len="lg"/>
+            <a:tailEnd type="triangle" w="lg" len="lg"/>
+          </a:ln>
+        </p:spPr>
+        <p:style>
+          <a:lnRef idx="1">
+            <a:schemeClr val="accent1"/>
+          </a:lnRef>
+          <a:fillRef idx="0">
+            <a:schemeClr val="accent1"/>
+          </a:fillRef>
+          <a:effectRef idx="0">
+            <a:schemeClr val="accent1"/>
+          </a:effectRef>
+          <a:fontRef idx="minor">
+            <a:schemeClr val="tx1"/>
+          </a:fontRef>
+        </p:style>
+      </p:cxnSp>
+      <p:cxnSp>
+        <p:nvCxnSpPr>
+          <p:cNvPr id="39" name="Straight Arrow Connector 38">
+            <a:extLst>
+              <a:ext uri="{FF2B5EF4-FFF2-40B4-BE49-F238E27FC236}">
+                <a16:creationId xmlns:a16="http://schemas.microsoft.com/office/drawing/2014/main" id="{92C52C11-E71D-F1C3-A68C-E1C8EC798598}"/>
+              </a:ext>
+            </a:extLst>
+          </p:cNvPr>
+          <p:cNvCxnSpPr>
+            <a:cxnSpLocks/>
+          </p:cNvCxnSpPr>
+          <p:nvPr/>
+        </p:nvCxnSpPr>
+        <p:spPr>
+          <a:xfrm flipV="1">
+            <a:off x="4753832" y="2691121"/>
+            <a:ext cx="2469226" cy="559322"/>
+          </a:xfrm>
+          <a:prstGeom prst="straightConnector1">
+            <a:avLst/>
+          </a:prstGeom>
+          <a:ln w="22225">
+            <a:solidFill>
+              <a:srgbClr val="FF0000"/>
+            </a:solidFill>
+            <a:headEnd type="none" w="lg" len="lg"/>
+            <a:tailEnd type="triangle" w="lg" len="lg"/>
+          </a:ln>
+        </p:spPr>
+        <p:style>
+          <a:lnRef idx="1">
+            <a:schemeClr val="accent1"/>
+          </a:lnRef>
+          <a:fillRef idx="0">
+            <a:schemeClr val="accent1"/>
+          </a:fillRef>
+          <a:effectRef idx="0">
+            <a:schemeClr val="accent1"/>
+          </a:effectRef>
+          <a:fontRef idx="minor">
+            <a:schemeClr val="tx1"/>
+          </a:fontRef>
+        </p:style>
+      </p:cxnSp>
+      <p:cxnSp>
+        <p:nvCxnSpPr>
+          <p:cNvPr id="40" name="Straight Arrow Connector 39">
+            <a:extLst>
+              <a:ext uri="{FF2B5EF4-FFF2-40B4-BE49-F238E27FC236}">
+                <a16:creationId xmlns:a16="http://schemas.microsoft.com/office/drawing/2014/main" id="{C5D6C03E-FB57-6A55-F36E-701A2E3CC8E2}"/>
+              </a:ext>
+            </a:extLst>
+          </p:cNvPr>
+          <p:cNvCxnSpPr>
+            <a:cxnSpLocks/>
+          </p:cNvCxnSpPr>
+          <p:nvPr/>
+        </p:nvCxnSpPr>
+        <p:spPr>
+          <a:xfrm flipV="1">
+            <a:off x="7204883" y="1903774"/>
+            <a:ext cx="1993710" cy="789620"/>
+          </a:xfrm>
+          <a:prstGeom prst="straightConnector1">
+            <a:avLst/>
+          </a:prstGeom>
+          <a:ln w="22225">
+            <a:solidFill>
+              <a:srgbClr val="7030A0"/>
+            </a:solidFill>
+            <a:headEnd type="none" w="lg" len="lg"/>
+            <a:tailEnd type="triangle" w="lg" len="lg"/>
+          </a:ln>
+        </p:spPr>
+        <p:style>
+          <a:lnRef idx="1">
+            <a:schemeClr val="accent1"/>
+          </a:lnRef>
+          <a:fillRef idx="0">
+            <a:schemeClr val="accent1"/>
+          </a:fillRef>
+          <a:effectRef idx="0">
+            <a:schemeClr val="accent1"/>
+          </a:effectRef>
+          <a:fontRef idx="minor">
+            <a:schemeClr val="tx1"/>
+          </a:fontRef>
+        </p:style>
+      </p:cxnSp>
+      <p:cxnSp>
+        <p:nvCxnSpPr>
+          <p:cNvPr id="42" name="Straight Arrow Connector 41">
+            <a:extLst>
+              <a:ext uri="{FF2B5EF4-FFF2-40B4-BE49-F238E27FC236}">
+                <a16:creationId xmlns:a16="http://schemas.microsoft.com/office/drawing/2014/main" id="{40072D22-9A0A-D31A-78CC-CC8184FFE37B}"/>
+              </a:ext>
+            </a:extLst>
+          </p:cNvPr>
+          <p:cNvCxnSpPr>
+            <a:cxnSpLocks/>
+          </p:cNvCxnSpPr>
+          <p:nvPr/>
+        </p:nvCxnSpPr>
+        <p:spPr>
+          <a:xfrm flipH="1" flipV="1">
+            <a:off x="3016159" y="2106301"/>
+            <a:ext cx="1685580" cy="1173706"/>
+          </a:xfrm>
+          <a:prstGeom prst="straightConnector1">
+            <a:avLst/>
+          </a:prstGeom>
+          <a:ln w="22225">
+            <a:solidFill>
+              <a:srgbClr val="00B050"/>
+            </a:solidFill>
+            <a:headEnd type="none" w="lg" len="lg"/>
+            <a:tailEnd type="triangle" w="lg" len="lg"/>
+          </a:ln>
+        </p:spPr>
+        <p:style>
+          <a:lnRef idx="1">
+            <a:schemeClr val="accent1"/>
+          </a:lnRef>
+          <a:fillRef idx="0">
+            <a:schemeClr val="accent1"/>
+          </a:fillRef>
+          <a:effectRef idx="0">
+            <a:schemeClr val="accent1"/>
+          </a:effectRef>
+          <a:fontRef idx="minor">
+            <a:schemeClr val="tx1"/>
+          </a:fontRef>
+        </p:style>
+      </p:cxnSp>
+      <p:sp>
+        <p:nvSpPr>
+          <p:cNvPr id="43" name="TextBox 42">
+            <a:extLst>
+              <a:ext uri="{FF2B5EF4-FFF2-40B4-BE49-F238E27FC236}">
+                <a16:creationId xmlns:a16="http://schemas.microsoft.com/office/drawing/2014/main" id="{5BC26D5A-72FD-BFB5-316F-FFA1B0FB4A37}"/>
+              </a:ext>
+            </a:extLst>
+          </p:cNvPr>
+          <p:cNvSpPr txBox="1"/>
+          <p:nvPr/>
+        </p:nvSpPr>
+        <p:spPr>
+          <a:xfrm>
+            <a:off x="3152636" y="3060453"/>
+            <a:ext cx="1594411" cy="369332"/>
+          </a:xfrm>
+          <a:prstGeom prst="rect">
+            <a:avLst/>
+          </a:prstGeom>
+          <a:noFill/>
+        </p:spPr>
+        <p:txBody>
+          <a:bodyPr wrap="none" rtlCol="0">
+            <a:spAutoFit/>
+          </a:bodyPr>
+          <a:lstStyle/>
+          <a:p>
+            <a:r>
+              <a:rPr lang="en-GB" dirty="0">
+                <a:solidFill>
+                  <a:srgbClr val="00B050"/>
+                </a:solidFill>
+              </a:rPr>
+              <a:t>Reflectance (R)</a:t>
+            </a:r>
+          </a:p>
+        </p:txBody>
+      </p:sp>
+      <p:sp>
+        <p:nvSpPr>
+          <p:cNvPr id="44" name="TextBox 43">
+            <a:extLst>
+              <a:ext uri="{FF2B5EF4-FFF2-40B4-BE49-F238E27FC236}">
+                <a16:creationId xmlns:a16="http://schemas.microsoft.com/office/drawing/2014/main" id="{F6B85F4A-DAD1-D318-2AC6-8DB2E1EA82B6}"/>
+              </a:ext>
+            </a:extLst>
+          </p:cNvPr>
+          <p:cNvSpPr txBox="1"/>
+          <p:nvPr/>
+        </p:nvSpPr>
+        <p:spPr>
+          <a:xfrm>
+            <a:off x="5408212" y="3036834"/>
+            <a:ext cx="1697709" cy="369332"/>
+          </a:xfrm>
+          <a:prstGeom prst="rect">
+            <a:avLst/>
+          </a:prstGeom>
+          <a:noFill/>
+        </p:spPr>
+        <p:txBody>
+          <a:bodyPr wrap="none" rtlCol="0">
+            <a:spAutoFit/>
+          </a:bodyPr>
+          <a:lstStyle/>
+          <a:p>
+            <a:r>
+              <a:rPr lang="en-GB" dirty="0" err="1">
+                <a:solidFill>
+                  <a:srgbClr val="FF0000"/>
+                </a:solidFill>
+              </a:rPr>
+              <a:t>Absorbtance</a:t>
+            </a:r>
+            <a:r>
+              <a:rPr lang="en-GB" dirty="0">
+                <a:solidFill>
+                  <a:srgbClr val="FF0000"/>
+                </a:solidFill>
+              </a:rPr>
+              <a:t> (A)</a:t>
+            </a:r>
+          </a:p>
+        </p:txBody>
+      </p:sp>
+    </p:spTree>
+    <p:extLst>
+      <p:ext uri="{BB962C8B-B14F-4D97-AF65-F5344CB8AC3E}">
+        <p14:creationId xmlns:p14="http://schemas.microsoft.com/office/powerpoint/2010/main" val="903926455"/>
+      </p:ext>
+    </p:extLst>
+  </p:cSld>
+  <p:clrMapOvr>
+    <a:masterClrMapping/>
+  </p:clrMapOvr>
+</p:sld>
+</file>
+
 <file path=ppt/theme/theme1.xml><?xml version="1.0" encoding="utf-8"?>
 <a:theme xmlns:a="http://schemas.openxmlformats.org/drawingml/2006/main" name="Office Theme">
   <a:themeElements>

--- a/Sphinx/SingleCrystalGeometry.pptx
+++ b/Sphinx/SingleCrystalGeometry.pptx
@@ -9,6 +9,8 @@
     <p:sldId id="257" r:id="rId3"/>
     <p:sldId id="258" r:id="rId4"/>
     <p:sldId id="259" r:id="rId5"/>
+    <p:sldId id="261" r:id="rId6"/>
+    <p:sldId id="262" r:id="rId7"/>
   </p:sldIdLst>
   <p:sldSz cx="12192000" cy="6858000"/>
   <p:notesSz cx="6858000" cy="9945688"/>
@@ -264,7 +266,7 @@
           <a:p>
             <a:fld id="{18C8C4B9-DDC0-4E58-82E3-7C78202F16A3}" type="datetimeFigureOut">
               <a:rPr lang="en-GB" smtClean="0"/>
-              <a:t>29/07/2023</a:t>
+              <a:t>15/01/2024</a:t>
             </a:fld>
             <a:endParaRPr lang="en-GB"/>
           </a:p>
@@ -464,7 +466,7 @@
           <a:p>
             <a:fld id="{18C8C4B9-DDC0-4E58-82E3-7C78202F16A3}" type="datetimeFigureOut">
               <a:rPr lang="en-GB" smtClean="0"/>
-              <a:t>29/07/2023</a:t>
+              <a:t>15/01/2024</a:t>
             </a:fld>
             <a:endParaRPr lang="en-GB"/>
           </a:p>
@@ -674,7 +676,7 @@
           <a:p>
             <a:fld id="{18C8C4B9-DDC0-4E58-82E3-7C78202F16A3}" type="datetimeFigureOut">
               <a:rPr lang="en-GB" smtClean="0"/>
-              <a:t>29/07/2023</a:t>
+              <a:t>15/01/2024</a:t>
             </a:fld>
             <a:endParaRPr lang="en-GB"/>
           </a:p>
@@ -874,7 +876,7 @@
           <a:p>
             <a:fld id="{18C8C4B9-DDC0-4E58-82E3-7C78202F16A3}" type="datetimeFigureOut">
               <a:rPr lang="en-GB" smtClean="0"/>
-              <a:t>29/07/2023</a:t>
+              <a:t>15/01/2024</a:t>
             </a:fld>
             <a:endParaRPr lang="en-GB"/>
           </a:p>
@@ -1150,7 +1152,7 @@
           <a:p>
             <a:fld id="{18C8C4B9-DDC0-4E58-82E3-7C78202F16A3}" type="datetimeFigureOut">
               <a:rPr lang="en-GB" smtClean="0"/>
-              <a:t>29/07/2023</a:t>
+              <a:t>15/01/2024</a:t>
             </a:fld>
             <a:endParaRPr lang="en-GB"/>
           </a:p>
@@ -1418,7 +1420,7 @@
           <a:p>
             <a:fld id="{18C8C4B9-DDC0-4E58-82E3-7C78202F16A3}" type="datetimeFigureOut">
               <a:rPr lang="en-GB" smtClean="0"/>
-              <a:t>29/07/2023</a:t>
+              <a:t>15/01/2024</a:t>
             </a:fld>
             <a:endParaRPr lang="en-GB"/>
           </a:p>
@@ -1833,7 +1835,7 @@
           <a:p>
             <a:fld id="{18C8C4B9-DDC0-4E58-82E3-7C78202F16A3}" type="datetimeFigureOut">
               <a:rPr lang="en-GB" smtClean="0"/>
-              <a:t>29/07/2023</a:t>
+              <a:t>15/01/2024</a:t>
             </a:fld>
             <a:endParaRPr lang="en-GB"/>
           </a:p>
@@ -1975,7 +1977,7 @@
           <a:p>
             <a:fld id="{18C8C4B9-DDC0-4E58-82E3-7C78202F16A3}" type="datetimeFigureOut">
               <a:rPr lang="en-GB" smtClean="0"/>
-              <a:t>29/07/2023</a:t>
+              <a:t>15/01/2024</a:t>
             </a:fld>
             <a:endParaRPr lang="en-GB"/>
           </a:p>
@@ -2088,7 +2090,7 @@
           <a:p>
             <a:fld id="{18C8C4B9-DDC0-4E58-82E3-7C78202F16A3}" type="datetimeFigureOut">
               <a:rPr lang="en-GB" smtClean="0"/>
-              <a:t>29/07/2023</a:t>
+              <a:t>15/01/2024</a:t>
             </a:fld>
             <a:endParaRPr lang="en-GB"/>
           </a:p>
@@ -2401,7 +2403,7 @@
           <a:p>
             <a:fld id="{18C8C4B9-DDC0-4E58-82E3-7C78202F16A3}" type="datetimeFigureOut">
               <a:rPr lang="en-GB" smtClean="0"/>
-              <a:t>29/07/2023</a:t>
+              <a:t>15/01/2024</a:t>
             </a:fld>
             <a:endParaRPr lang="en-GB"/>
           </a:p>
@@ -2690,7 +2692,7 @@
           <a:p>
             <a:fld id="{18C8C4B9-DDC0-4E58-82E3-7C78202F16A3}" type="datetimeFigureOut">
               <a:rPr lang="en-GB" smtClean="0"/>
-              <a:t>29/07/2023</a:t>
+              <a:t>15/01/2024</a:t>
             </a:fld>
             <a:endParaRPr lang="en-GB"/>
           </a:p>
@@ -2933,7 +2935,7 @@
           <a:p>
             <a:fld id="{18C8C4B9-DDC0-4E58-82E3-7C78202F16A3}" type="datetimeFigureOut">
               <a:rPr lang="en-GB" smtClean="0"/>
-              <a:t>29/07/2023</a:t>
+              <a:t>15/01/2024</a:t>
             </a:fld>
             <a:endParaRPr lang="en-GB"/>
           </a:p>
@@ -6771,82 +6773,6 @@
       </p:cxnSp>
       <p:cxnSp>
         <p:nvCxnSpPr>
-          <p:cNvPr id="16" name="Straight Connector 15">
-            <a:extLst>
-              <a:ext uri="{FF2B5EF4-FFF2-40B4-BE49-F238E27FC236}">
-                <a16:creationId xmlns:a16="http://schemas.microsoft.com/office/drawing/2014/main" id="{75F5154A-DA2D-5437-A9C4-787B9BBC5D2D}"/>
-              </a:ext>
-            </a:extLst>
-          </p:cNvPr>
-          <p:cNvCxnSpPr>
-            <a:cxnSpLocks/>
-          </p:cNvCxnSpPr>
-          <p:nvPr/>
-        </p:nvCxnSpPr>
-        <p:spPr>
-          <a:xfrm>
-            <a:off x="3002510" y="4421875"/>
-            <a:ext cx="0" cy="1173707"/>
-          </a:xfrm>
-          <a:prstGeom prst="line">
-            <a:avLst/>
-          </a:prstGeom>
-        </p:spPr>
-        <p:style>
-          <a:lnRef idx="1">
-            <a:schemeClr val="accent1"/>
-          </a:lnRef>
-          <a:fillRef idx="0">
-            <a:schemeClr val="accent1"/>
-          </a:fillRef>
-          <a:effectRef idx="0">
-            <a:schemeClr val="accent1"/>
-          </a:effectRef>
-          <a:fontRef idx="minor">
-            <a:schemeClr val="tx1"/>
-          </a:fontRef>
-        </p:style>
-      </p:cxnSp>
-      <p:cxnSp>
-        <p:nvCxnSpPr>
-          <p:cNvPr id="19" name="Straight Connector 18">
-            <a:extLst>
-              <a:ext uri="{FF2B5EF4-FFF2-40B4-BE49-F238E27FC236}">
-                <a16:creationId xmlns:a16="http://schemas.microsoft.com/office/drawing/2014/main" id="{2AD0419E-19A8-B1FC-4C67-7A6BEE0F1867}"/>
-              </a:ext>
-            </a:extLst>
-          </p:cNvPr>
-          <p:cNvCxnSpPr>
-            <a:cxnSpLocks/>
-          </p:cNvCxnSpPr>
-          <p:nvPr/>
-        </p:nvCxnSpPr>
-        <p:spPr>
-          <a:xfrm>
-            <a:off x="3004782" y="3264091"/>
-            <a:ext cx="0" cy="1173707"/>
-          </a:xfrm>
-          <a:prstGeom prst="line">
-            <a:avLst/>
-          </a:prstGeom>
-        </p:spPr>
-        <p:style>
-          <a:lnRef idx="1">
-            <a:schemeClr val="accent1"/>
-          </a:lnRef>
-          <a:fillRef idx="0">
-            <a:schemeClr val="accent1"/>
-          </a:fillRef>
-          <a:effectRef idx="0">
-            <a:schemeClr val="accent1"/>
-          </a:effectRef>
-          <a:fontRef idx="minor">
-            <a:schemeClr val="tx1"/>
-          </a:fontRef>
-        </p:style>
-      </p:cxnSp>
-      <p:cxnSp>
-        <p:nvCxnSpPr>
           <p:cNvPr id="20" name="Straight Arrow Connector 19">
             <a:extLst>
               <a:ext uri="{FF2B5EF4-FFF2-40B4-BE49-F238E27FC236}">
@@ -6964,8 +6890,8 @@
           </a:p>
         </p:txBody>
       </p:sp>
-      <mc:AlternateContent xmlns:mc="http://schemas.openxmlformats.org/markup-compatibility/2006">
-        <mc:Choice xmlns:a14="http://schemas.microsoft.com/office/drawing/2010/main" Requires="a14">
+      <mc:AlternateContent xmlns:mc="http://schemas.openxmlformats.org/markup-compatibility/2006" xmlns:a14="http://schemas.microsoft.com/office/drawing/2010/main">
+        <mc:Choice Requires="a14">
           <p:sp>
             <p:nvSpPr>
               <p:cNvPr id="24" name="TextBox 23">
@@ -6994,6 +6920,7 @@
               </a:bodyPr>
               <a:lstStyle/>
               <a:p>
+                <a:pPr/>
                 <a14:m>
                   <m:oMathPara xmlns:m="http://schemas.openxmlformats.org/officeDocument/2006/math">
                     <m:oMathParaPr>
@@ -7015,7 +6942,7 @@
             </p:txBody>
           </p:sp>
         </mc:Choice>
-        <mc:Fallback>
+        <mc:Fallback xmlns="">
           <p:sp>
             <p:nvSpPr>
               <p:cNvPr id="24" name="TextBox 23">
@@ -7176,14 +7103,13 @@
           </p:cNvPr>
           <p:cNvCxnSpPr>
             <a:cxnSpLocks/>
-            <a:endCxn id="27" idx="3"/>
           </p:cNvCxnSpPr>
           <p:nvPr/>
         </p:nvCxnSpPr>
         <p:spPr>
           <a:xfrm flipV="1">
-            <a:off x="4708361" y="3583026"/>
-            <a:ext cx="2469226" cy="836664"/>
+            <a:off x="4708361" y="3850944"/>
+            <a:ext cx="2475848" cy="568746"/>
           </a:xfrm>
           <a:prstGeom prst="straightConnector1">
             <a:avLst/>
@@ -7567,10 +7493,7265 @@
           </a:p>
         </p:txBody>
       </p:sp>
+      <p:cxnSp>
+        <p:nvCxnSpPr>
+          <p:cNvPr id="5" name="Straight Arrow Connector 4">
+            <a:extLst>
+              <a:ext uri="{FF2B5EF4-FFF2-40B4-BE49-F238E27FC236}">
+                <a16:creationId xmlns:a16="http://schemas.microsoft.com/office/drawing/2014/main" id="{54534C0F-E537-8F83-A281-D0E33CA61773}"/>
+              </a:ext>
+            </a:extLst>
+          </p:cNvPr>
+          <p:cNvCxnSpPr/>
+          <p:nvPr/>
+        </p:nvCxnSpPr>
+        <p:spPr>
+          <a:xfrm>
+            <a:off x="2074463" y="5595582"/>
+            <a:ext cx="7876361" cy="39964"/>
+          </a:xfrm>
+          <a:prstGeom prst="straightConnector1">
+            <a:avLst/>
+          </a:prstGeom>
+          <a:ln w="76200">
+            <a:solidFill>
+              <a:schemeClr val="tx1"/>
+            </a:solidFill>
+            <a:tailEnd type="triangle"/>
+          </a:ln>
+        </p:spPr>
+        <p:style>
+          <a:lnRef idx="1">
+            <a:schemeClr val="accent1"/>
+          </a:lnRef>
+          <a:fillRef idx="0">
+            <a:schemeClr val="accent1"/>
+          </a:fillRef>
+          <a:effectRef idx="0">
+            <a:schemeClr val="accent1"/>
+          </a:effectRef>
+          <a:fontRef idx="minor">
+            <a:schemeClr val="tx1"/>
+          </a:fontRef>
+        </p:style>
+      </p:cxnSp>
+      <p:cxnSp>
+        <p:nvCxnSpPr>
+          <p:cNvPr id="7" name="Straight Arrow Connector 6">
+            <a:extLst>
+              <a:ext uri="{FF2B5EF4-FFF2-40B4-BE49-F238E27FC236}">
+                <a16:creationId xmlns:a16="http://schemas.microsoft.com/office/drawing/2014/main" id="{790B5A56-E690-AD93-BA58-C17A732317A7}"/>
+              </a:ext>
+            </a:extLst>
+          </p:cNvPr>
+          <p:cNvCxnSpPr>
+            <a:cxnSpLocks/>
+          </p:cNvCxnSpPr>
+          <p:nvPr/>
+        </p:nvCxnSpPr>
+        <p:spPr>
+          <a:xfrm flipV="1">
+            <a:off x="2119319" y="1514014"/>
+            <a:ext cx="0" cy="4094176"/>
+          </a:xfrm>
+          <a:prstGeom prst="straightConnector1">
+            <a:avLst/>
+          </a:prstGeom>
+          <a:ln w="76200">
+            <a:solidFill>
+              <a:schemeClr val="tx1"/>
+            </a:solidFill>
+            <a:tailEnd type="triangle"/>
+          </a:ln>
+        </p:spPr>
+        <p:style>
+          <a:lnRef idx="1">
+            <a:schemeClr val="accent1"/>
+          </a:lnRef>
+          <a:fillRef idx="0">
+            <a:schemeClr val="accent1"/>
+          </a:fillRef>
+          <a:effectRef idx="0">
+            <a:schemeClr val="accent1"/>
+          </a:effectRef>
+          <a:fontRef idx="minor">
+            <a:schemeClr val="tx1"/>
+          </a:fontRef>
+        </p:style>
+      </p:cxnSp>
+      <p:sp>
+        <p:nvSpPr>
+          <p:cNvPr id="11" name="TextBox 10">
+            <a:extLst>
+              <a:ext uri="{FF2B5EF4-FFF2-40B4-BE49-F238E27FC236}">
+                <a16:creationId xmlns:a16="http://schemas.microsoft.com/office/drawing/2014/main" id="{7E4576C7-EC40-5BEF-D687-BE2D23CC5A2F}"/>
+              </a:ext>
+            </a:extLst>
+          </p:cNvPr>
+          <p:cNvSpPr txBox="1"/>
+          <p:nvPr/>
+        </p:nvSpPr>
+        <p:spPr>
+          <a:xfrm>
+            <a:off x="9260731" y="5608190"/>
+            <a:ext cx="377026" cy="584775"/>
+          </a:xfrm>
+          <a:prstGeom prst="rect">
+            <a:avLst/>
+          </a:prstGeom>
+          <a:noFill/>
+        </p:spPr>
+        <p:txBody>
+          <a:bodyPr wrap="none" rtlCol="0">
+            <a:spAutoFit/>
+          </a:bodyPr>
+          <a:lstStyle/>
+          <a:p>
+            <a:r>
+              <a:rPr lang="en-GB" sz="3200" dirty="0"/>
+              <a:t>Z</a:t>
+            </a:r>
+          </a:p>
+        </p:txBody>
+      </p:sp>
+      <p:sp>
+        <p:nvSpPr>
+          <p:cNvPr id="13" name="TextBox 12">
+            <a:extLst>
+              <a:ext uri="{FF2B5EF4-FFF2-40B4-BE49-F238E27FC236}">
+                <a16:creationId xmlns:a16="http://schemas.microsoft.com/office/drawing/2014/main" id="{0E963316-87EA-D2E1-54DE-1BF9728A2F4F}"/>
+              </a:ext>
+            </a:extLst>
+          </p:cNvPr>
+          <p:cNvSpPr txBox="1"/>
+          <p:nvPr/>
+        </p:nvSpPr>
+        <p:spPr>
+          <a:xfrm>
+            <a:off x="1690652" y="1887238"/>
+            <a:ext cx="397866" cy="584775"/>
+          </a:xfrm>
+          <a:prstGeom prst="rect">
+            <a:avLst/>
+          </a:prstGeom>
+          <a:noFill/>
+        </p:spPr>
+        <p:txBody>
+          <a:bodyPr wrap="none" rtlCol="0">
+            <a:spAutoFit/>
+          </a:bodyPr>
+          <a:lstStyle/>
+          <a:p>
+            <a:r>
+              <a:rPr lang="en-GB" sz="3200" dirty="0"/>
+              <a:t>X</a:t>
+            </a:r>
+          </a:p>
+        </p:txBody>
+      </p:sp>
     </p:spTree>
     <p:extLst>
       <p:ext uri="{BB962C8B-B14F-4D97-AF65-F5344CB8AC3E}">
         <p14:creationId xmlns:p14="http://schemas.microsoft.com/office/powerpoint/2010/main" val="903926455"/>
+      </p:ext>
+    </p:extLst>
+  </p:cSld>
+  <p:clrMapOvr>
+    <a:masterClrMapping/>
+  </p:clrMapOvr>
+</p:sld>
+</file>
+
+<file path=ppt/slides/slide5.xml><?xml version="1.0" encoding="utf-8"?>
+<p:sld xmlns:a="http://schemas.openxmlformats.org/drawingml/2006/main" xmlns:r="http://schemas.openxmlformats.org/officeDocument/2006/relationships" xmlns:p="http://schemas.openxmlformats.org/presentationml/2006/main">
+  <p:cSld>
+    <p:spTree>
+      <p:nvGrpSpPr>
+        <p:cNvPr id="1" name=""/>
+        <p:cNvGrpSpPr/>
+        <p:nvPr/>
+      </p:nvGrpSpPr>
+      <p:grpSpPr>
+        <a:xfrm>
+          <a:off x="0" y="0"/>
+          <a:ext cx="0" cy="0"/>
+          <a:chOff x="0" y="0"/>
+          <a:chExt cx="0" cy="0"/>
+        </a:xfrm>
+      </p:grpSpPr>
+      <p:sp>
+        <p:nvSpPr>
+          <p:cNvPr id="75" name="Rectangle 74">
+            <a:extLst>
+              <a:ext uri="{FF2B5EF4-FFF2-40B4-BE49-F238E27FC236}">
+                <a16:creationId xmlns:a16="http://schemas.microsoft.com/office/drawing/2014/main" id="{1D50B3AA-7ED8-E120-77C2-838ABCD76D8C}"/>
+              </a:ext>
+            </a:extLst>
+          </p:cNvPr>
+          <p:cNvSpPr/>
+          <p:nvPr/>
+        </p:nvSpPr>
+        <p:spPr>
+          <a:xfrm>
+            <a:off x="9894050" y="22881"/>
+            <a:ext cx="2259562" cy="6669741"/>
+          </a:xfrm>
+          <a:prstGeom prst="rect">
+            <a:avLst/>
+          </a:prstGeom>
+          <a:gradFill flip="none" rotWithShape="1">
+            <a:gsLst>
+              <a:gs pos="0">
+                <a:schemeClr val="accent1">
+                  <a:lumMod val="5000"/>
+                  <a:lumOff val="95000"/>
+                </a:schemeClr>
+              </a:gs>
+              <a:gs pos="74000">
+                <a:schemeClr val="accent1">
+                  <a:lumMod val="45000"/>
+                  <a:lumOff val="55000"/>
+                </a:schemeClr>
+              </a:gs>
+              <a:gs pos="83000">
+                <a:schemeClr val="accent1">
+                  <a:lumMod val="45000"/>
+                  <a:lumOff val="55000"/>
+                </a:schemeClr>
+              </a:gs>
+              <a:gs pos="100000">
+                <a:schemeClr val="accent1">
+                  <a:lumMod val="30000"/>
+                  <a:lumOff val="70000"/>
+                </a:schemeClr>
+              </a:gs>
+            </a:gsLst>
+            <a:lin ang="10800000" scaled="1"/>
+            <a:tileRect/>
+          </a:gradFill>
+        </p:spPr>
+        <p:style>
+          <a:lnRef idx="2">
+            <a:schemeClr val="accent1">
+              <a:shade val="15000"/>
+            </a:schemeClr>
+          </a:lnRef>
+          <a:fillRef idx="1">
+            <a:schemeClr val="accent1"/>
+          </a:fillRef>
+          <a:effectRef idx="0">
+            <a:schemeClr val="accent1"/>
+          </a:effectRef>
+          <a:fontRef idx="minor">
+            <a:schemeClr val="lt1"/>
+          </a:fontRef>
+        </p:style>
+        <p:txBody>
+          <a:bodyPr rtlCol="0" anchor="ctr"/>
+          <a:lstStyle/>
+          <a:p>
+            <a:pPr algn="ctr"/>
+            <a:endParaRPr lang="en-GB"/>
+          </a:p>
+        </p:txBody>
+      </p:sp>
+      <p:sp>
+        <p:nvSpPr>
+          <p:cNvPr id="65" name="Rectangle 64">
+            <a:extLst>
+              <a:ext uri="{FF2B5EF4-FFF2-40B4-BE49-F238E27FC236}">
+                <a16:creationId xmlns:a16="http://schemas.microsoft.com/office/drawing/2014/main" id="{485D7D2E-8C49-3773-5CA9-FEF5970BAF82}"/>
+              </a:ext>
+            </a:extLst>
+          </p:cNvPr>
+          <p:cNvSpPr/>
+          <p:nvPr/>
+        </p:nvSpPr>
+        <p:spPr>
+          <a:xfrm>
+            <a:off x="2077871" y="31036"/>
+            <a:ext cx="7816179" cy="6669741"/>
+          </a:xfrm>
+          <a:prstGeom prst="rect">
+            <a:avLst/>
+          </a:prstGeom>
+          <a:solidFill>
+            <a:schemeClr val="accent3">
+              <a:lumMod val="20000"/>
+              <a:lumOff val="80000"/>
+            </a:schemeClr>
+          </a:solidFill>
+        </p:spPr>
+        <p:style>
+          <a:lnRef idx="2">
+            <a:schemeClr val="accent1">
+              <a:shade val="15000"/>
+            </a:schemeClr>
+          </a:lnRef>
+          <a:fillRef idx="1">
+            <a:schemeClr val="accent1"/>
+          </a:fillRef>
+          <a:effectRef idx="0">
+            <a:schemeClr val="accent1"/>
+          </a:effectRef>
+          <a:fontRef idx="minor">
+            <a:schemeClr val="lt1"/>
+          </a:fontRef>
+        </p:style>
+        <p:txBody>
+          <a:bodyPr rtlCol="0" anchor="ctr"/>
+          <a:lstStyle/>
+          <a:p>
+            <a:pPr algn="ctr"/>
+            <a:endParaRPr lang="en-GB"/>
+          </a:p>
+        </p:txBody>
+      </p:sp>
+      <p:sp>
+        <p:nvSpPr>
+          <p:cNvPr id="64" name="Rectangle 63">
+            <a:extLst>
+              <a:ext uri="{FF2B5EF4-FFF2-40B4-BE49-F238E27FC236}">
+                <a16:creationId xmlns:a16="http://schemas.microsoft.com/office/drawing/2014/main" id="{90EF3FE8-5CEF-AA67-6E10-E3DF48671609}"/>
+              </a:ext>
+            </a:extLst>
+          </p:cNvPr>
+          <p:cNvSpPr/>
+          <p:nvPr/>
+        </p:nvSpPr>
+        <p:spPr>
+          <a:xfrm>
+            <a:off x="-58812" y="22882"/>
+            <a:ext cx="2129658" cy="6669741"/>
+          </a:xfrm>
+          <a:prstGeom prst="rect">
+            <a:avLst/>
+          </a:prstGeom>
+          <a:gradFill>
+            <a:gsLst>
+              <a:gs pos="0">
+                <a:schemeClr val="accent1">
+                  <a:lumMod val="5000"/>
+                  <a:lumOff val="95000"/>
+                </a:schemeClr>
+              </a:gs>
+              <a:gs pos="74000">
+                <a:schemeClr val="accent1">
+                  <a:lumMod val="45000"/>
+                  <a:lumOff val="55000"/>
+                </a:schemeClr>
+              </a:gs>
+              <a:gs pos="83000">
+                <a:schemeClr val="accent1">
+                  <a:lumMod val="45000"/>
+                  <a:lumOff val="55000"/>
+                </a:schemeClr>
+              </a:gs>
+              <a:gs pos="100000">
+                <a:schemeClr val="accent1">
+                  <a:lumMod val="30000"/>
+                  <a:lumOff val="70000"/>
+                </a:schemeClr>
+              </a:gs>
+            </a:gsLst>
+            <a:lin ang="10800000" scaled="1"/>
+          </a:gradFill>
+        </p:spPr>
+        <p:style>
+          <a:lnRef idx="2">
+            <a:schemeClr val="accent1">
+              <a:shade val="15000"/>
+            </a:schemeClr>
+          </a:lnRef>
+          <a:fillRef idx="1">
+            <a:schemeClr val="accent1"/>
+          </a:fillRef>
+          <a:effectRef idx="0">
+            <a:schemeClr val="accent1"/>
+          </a:effectRef>
+          <a:fontRef idx="minor">
+            <a:schemeClr val="lt1"/>
+          </a:fontRef>
+        </p:style>
+        <p:txBody>
+          <a:bodyPr rtlCol="0" anchor="ctr"/>
+          <a:lstStyle/>
+          <a:p>
+            <a:pPr algn="ctr"/>
+            <a:endParaRPr lang="en-GB" dirty="0"/>
+          </a:p>
+        </p:txBody>
+      </p:sp>
+      <p:cxnSp>
+        <p:nvCxnSpPr>
+          <p:cNvPr id="5" name="Straight Arrow Connector 4">
+            <a:extLst>
+              <a:ext uri="{FF2B5EF4-FFF2-40B4-BE49-F238E27FC236}">
+                <a16:creationId xmlns:a16="http://schemas.microsoft.com/office/drawing/2014/main" id="{C9E31A86-FF4C-FB3B-F7F9-1BE9FD473187}"/>
+              </a:ext>
+            </a:extLst>
+          </p:cNvPr>
+          <p:cNvCxnSpPr>
+            <a:cxnSpLocks/>
+          </p:cNvCxnSpPr>
+          <p:nvPr/>
+        </p:nvCxnSpPr>
+        <p:spPr>
+          <a:xfrm flipH="1">
+            <a:off x="2070847" y="0"/>
+            <a:ext cx="7024" cy="6669741"/>
+          </a:xfrm>
+          <a:prstGeom prst="straightConnector1">
+            <a:avLst/>
+          </a:prstGeom>
+          <a:ln w="25400">
+            <a:solidFill>
+              <a:schemeClr val="tx1"/>
+            </a:solidFill>
+            <a:headEnd type="triangle" w="lg" len="lg"/>
+            <a:tailEnd type="none"/>
+          </a:ln>
+        </p:spPr>
+        <p:style>
+          <a:lnRef idx="1">
+            <a:schemeClr val="accent1"/>
+          </a:lnRef>
+          <a:fillRef idx="0">
+            <a:schemeClr val="accent1"/>
+          </a:fillRef>
+          <a:effectRef idx="0">
+            <a:schemeClr val="accent1"/>
+          </a:effectRef>
+          <a:fontRef idx="minor">
+            <a:schemeClr val="tx1"/>
+          </a:fontRef>
+        </p:style>
+      </p:cxnSp>
+      <p:cxnSp>
+        <p:nvCxnSpPr>
+          <p:cNvPr id="6" name="Straight Arrow Connector 5">
+            <a:extLst>
+              <a:ext uri="{FF2B5EF4-FFF2-40B4-BE49-F238E27FC236}">
+                <a16:creationId xmlns:a16="http://schemas.microsoft.com/office/drawing/2014/main" id="{5FD7F144-C7A8-1F9C-13EE-6C0BFDACE58B}"/>
+              </a:ext>
+            </a:extLst>
+          </p:cNvPr>
+          <p:cNvCxnSpPr>
+            <a:cxnSpLocks/>
+          </p:cNvCxnSpPr>
+          <p:nvPr/>
+        </p:nvCxnSpPr>
+        <p:spPr>
+          <a:xfrm flipH="1">
+            <a:off x="1154545" y="3429000"/>
+            <a:ext cx="10806546" cy="0"/>
+          </a:xfrm>
+          <a:prstGeom prst="straightConnector1">
+            <a:avLst/>
+          </a:prstGeom>
+          <a:ln w="25400">
+            <a:solidFill>
+              <a:schemeClr val="tx1"/>
+            </a:solidFill>
+            <a:headEnd type="triangle" w="lg" len="lg"/>
+            <a:tailEnd type="none"/>
+          </a:ln>
+        </p:spPr>
+        <p:style>
+          <a:lnRef idx="1">
+            <a:schemeClr val="accent1"/>
+          </a:lnRef>
+          <a:fillRef idx="0">
+            <a:schemeClr val="accent1"/>
+          </a:fillRef>
+          <a:effectRef idx="0">
+            <a:schemeClr val="accent1"/>
+          </a:effectRef>
+          <a:fontRef idx="minor">
+            <a:schemeClr val="tx1"/>
+          </a:fontRef>
+        </p:style>
+      </p:cxnSp>
+      <p:sp>
+        <p:nvSpPr>
+          <p:cNvPr id="9" name="TextBox 8">
+            <a:extLst>
+              <a:ext uri="{FF2B5EF4-FFF2-40B4-BE49-F238E27FC236}">
+                <a16:creationId xmlns:a16="http://schemas.microsoft.com/office/drawing/2014/main" id="{F99B3354-18F4-55E1-ECB2-1B34590A86D3}"/>
+              </a:ext>
+            </a:extLst>
+          </p:cNvPr>
+          <p:cNvSpPr txBox="1"/>
+          <p:nvPr/>
+        </p:nvSpPr>
+        <p:spPr>
+          <a:xfrm>
+            <a:off x="2070847" y="233082"/>
+            <a:ext cx="304892" cy="369332"/>
+          </a:xfrm>
+          <a:prstGeom prst="rect">
+            <a:avLst/>
+          </a:prstGeom>
+          <a:noFill/>
+        </p:spPr>
+        <p:txBody>
+          <a:bodyPr wrap="none" rtlCol="0">
+            <a:spAutoFit/>
+          </a:bodyPr>
+          <a:lstStyle/>
+          <a:p>
+            <a:r>
+              <a:rPr lang="en-GB" dirty="0"/>
+              <a:t>X</a:t>
+            </a:r>
+          </a:p>
+        </p:txBody>
+      </p:sp>
+      <p:sp>
+        <p:nvSpPr>
+          <p:cNvPr id="12" name="TextBox 11">
+            <a:extLst>
+              <a:ext uri="{FF2B5EF4-FFF2-40B4-BE49-F238E27FC236}">
+                <a16:creationId xmlns:a16="http://schemas.microsoft.com/office/drawing/2014/main" id="{F9DF2681-BA7D-1C14-54DA-186B2A9D0A07}"/>
+              </a:ext>
+            </a:extLst>
+          </p:cNvPr>
+          <p:cNvSpPr txBox="1"/>
+          <p:nvPr/>
+        </p:nvSpPr>
+        <p:spPr>
+          <a:xfrm>
+            <a:off x="11702475" y="3451411"/>
+            <a:ext cx="258616" cy="369332"/>
+          </a:xfrm>
+          <a:prstGeom prst="rect">
+            <a:avLst/>
+          </a:prstGeom>
+          <a:noFill/>
+        </p:spPr>
+        <p:txBody>
+          <a:bodyPr wrap="square">
+            <a:spAutoFit/>
+          </a:bodyPr>
+          <a:lstStyle/>
+          <a:p>
+            <a:r>
+              <a:rPr lang="en-GB" dirty="0"/>
+              <a:t>Z</a:t>
+            </a:r>
+          </a:p>
+        </p:txBody>
+      </p:sp>
+      <p:grpSp>
+        <p:nvGrpSpPr>
+          <p:cNvPr id="18" name="Group 17">
+            <a:extLst>
+              <a:ext uri="{FF2B5EF4-FFF2-40B4-BE49-F238E27FC236}">
+                <a16:creationId xmlns:a16="http://schemas.microsoft.com/office/drawing/2014/main" id="{C7E0AC6C-C926-CA13-BAC7-0CD0BD7F0015}"/>
+              </a:ext>
+            </a:extLst>
+          </p:cNvPr>
+          <p:cNvGrpSpPr/>
+          <p:nvPr/>
+        </p:nvGrpSpPr>
+        <p:grpSpPr>
+          <a:xfrm rot="17643515">
+            <a:off x="-357231" y="5026459"/>
+            <a:ext cx="3449781" cy="0"/>
+            <a:chOff x="5273964" y="4692073"/>
+            <a:chExt cx="3449781" cy="0"/>
+          </a:xfrm>
+        </p:grpSpPr>
+        <p:cxnSp>
+          <p:nvCxnSpPr>
+            <p:cNvPr id="16" name="Straight Arrow Connector 15">
+              <a:extLst>
+                <a:ext uri="{FF2B5EF4-FFF2-40B4-BE49-F238E27FC236}">
+                  <a16:creationId xmlns:a16="http://schemas.microsoft.com/office/drawing/2014/main" id="{C85AAC02-A75F-F8C3-CD6E-883B10174F64}"/>
+                </a:ext>
+              </a:extLst>
+            </p:cNvPr>
+            <p:cNvCxnSpPr/>
+            <p:nvPr/>
+          </p:nvCxnSpPr>
+          <p:spPr>
+            <a:xfrm>
+              <a:off x="5273964" y="4692073"/>
+              <a:ext cx="1764145" cy="0"/>
+            </a:xfrm>
+            <a:prstGeom prst="straightConnector1">
+              <a:avLst/>
+            </a:prstGeom>
+            <a:ln w="47625">
+              <a:tailEnd type="triangle"/>
+            </a:ln>
+          </p:spPr>
+          <p:style>
+            <a:lnRef idx="1">
+              <a:schemeClr val="accent1"/>
+            </a:lnRef>
+            <a:fillRef idx="0">
+              <a:schemeClr val="accent1"/>
+            </a:fillRef>
+            <a:effectRef idx="0">
+              <a:schemeClr val="accent1"/>
+            </a:effectRef>
+            <a:fontRef idx="minor">
+              <a:schemeClr val="tx1"/>
+            </a:fontRef>
+          </p:style>
+        </p:cxnSp>
+        <p:cxnSp>
+          <p:nvCxnSpPr>
+            <p:cNvPr id="17" name="Straight Arrow Connector 16">
+              <a:extLst>
+                <a:ext uri="{FF2B5EF4-FFF2-40B4-BE49-F238E27FC236}">
+                  <a16:creationId xmlns:a16="http://schemas.microsoft.com/office/drawing/2014/main" id="{2D7789A1-90D2-4C74-0971-F03AAE4A122D}"/>
+                </a:ext>
+              </a:extLst>
+            </p:cNvPr>
+            <p:cNvCxnSpPr/>
+            <p:nvPr/>
+          </p:nvCxnSpPr>
+          <p:spPr>
+            <a:xfrm>
+              <a:off x="6959600" y="4692073"/>
+              <a:ext cx="1764145" cy="0"/>
+            </a:xfrm>
+            <a:prstGeom prst="straightConnector1">
+              <a:avLst/>
+            </a:prstGeom>
+            <a:ln w="47625">
+              <a:tailEnd type="none"/>
+            </a:ln>
+          </p:spPr>
+          <p:style>
+            <a:lnRef idx="1">
+              <a:schemeClr val="accent1"/>
+            </a:lnRef>
+            <a:fillRef idx="0">
+              <a:schemeClr val="accent1"/>
+            </a:fillRef>
+            <a:effectRef idx="0">
+              <a:schemeClr val="accent1"/>
+            </a:effectRef>
+            <a:fontRef idx="minor">
+              <a:schemeClr val="tx1"/>
+            </a:fontRef>
+          </p:style>
+        </p:cxnSp>
+      </p:grpSp>
+      <p:grpSp>
+        <p:nvGrpSpPr>
+          <p:cNvPr id="19" name="Group 18">
+            <a:extLst>
+              <a:ext uri="{FF2B5EF4-FFF2-40B4-BE49-F238E27FC236}">
+                <a16:creationId xmlns:a16="http://schemas.microsoft.com/office/drawing/2014/main" id="{3672E67E-4B4C-8125-7F7E-5A6880CCDB58}"/>
+              </a:ext>
+            </a:extLst>
+          </p:cNvPr>
+          <p:cNvGrpSpPr/>
+          <p:nvPr/>
+        </p:nvGrpSpPr>
+        <p:grpSpPr>
+          <a:xfrm rot="14737700">
+            <a:off x="-360170" y="1855070"/>
+            <a:ext cx="3449781" cy="0"/>
+            <a:chOff x="5273964" y="4692073"/>
+            <a:chExt cx="3449781" cy="0"/>
+          </a:xfrm>
+        </p:grpSpPr>
+        <p:cxnSp>
+          <p:nvCxnSpPr>
+            <p:cNvPr id="20" name="Straight Arrow Connector 19">
+              <a:extLst>
+                <a:ext uri="{FF2B5EF4-FFF2-40B4-BE49-F238E27FC236}">
+                  <a16:creationId xmlns:a16="http://schemas.microsoft.com/office/drawing/2014/main" id="{30E9312A-D926-215E-26C1-E7AD9E9B8C46}"/>
+                </a:ext>
+              </a:extLst>
+            </p:cNvPr>
+            <p:cNvCxnSpPr/>
+            <p:nvPr/>
+          </p:nvCxnSpPr>
+          <p:spPr>
+            <a:xfrm>
+              <a:off x="5273964" y="4692073"/>
+              <a:ext cx="1764145" cy="0"/>
+            </a:xfrm>
+            <a:prstGeom prst="straightConnector1">
+              <a:avLst/>
+            </a:prstGeom>
+            <a:ln w="47625">
+              <a:tailEnd type="triangle"/>
+            </a:ln>
+          </p:spPr>
+          <p:style>
+            <a:lnRef idx="1">
+              <a:schemeClr val="accent1"/>
+            </a:lnRef>
+            <a:fillRef idx="0">
+              <a:schemeClr val="accent1"/>
+            </a:fillRef>
+            <a:effectRef idx="0">
+              <a:schemeClr val="accent1"/>
+            </a:effectRef>
+            <a:fontRef idx="minor">
+              <a:schemeClr val="tx1"/>
+            </a:fontRef>
+          </p:style>
+        </p:cxnSp>
+        <p:cxnSp>
+          <p:nvCxnSpPr>
+            <p:cNvPr id="21" name="Straight Arrow Connector 20">
+              <a:extLst>
+                <a:ext uri="{FF2B5EF4-FFF2-40B4-BE49-F238E27FC236}">
+                  <a16:creationId xmlns:a16="http://schemas.microsoft.com/office/drawing/2014/main" id="{45CC7A0E-A0A2-BD9A-DD21-27E1C94D57D4}"/>
+                </a:ext>
+              </a:extLst>
+            </p:cNvPr>
+            <p:cNvCxnSpPr/>
+            <p:nvPr/>
+          </p:nvCxnSpPr>
+          <p:spPr>
+            <a:xfrm>
+              <a:off x="6959600" y="4692073"/>
+              <a:ext cx="1764145" cy="0"/>
+            </a:xfrm>
+            <a:prstGeom prst="straightConnector1">
+              <a:avLst/>
+            </a:prstGeom>
+            <a:ln w="47625">
+              <a:tailEnd type="none"/>
+            </a:ln>
+          </p:spPr>
+          <p:style>
+            <a:lnRef idx="1">
+              <a:schemeClr val="accent1"/>
+            </a:lnRef>
+            <a:fillRef idx="0">
+              <a:schemeClr val="accent1"/>
+            </a:fillRef>
+            <a:effectRef idx="0">
+              <a:schemeClr val="accent1"/>
+            </a:effectRef>
+            <a:fontRef idx="minor">
+              <a:schemeClr val="tx1"/>
+            </a:fontRef>
+          </p:style>
+        </p:cxnSp>
+      </p:grpSp>
+      <p:sp>
+        <p:nvSpPr>
+          <p:cNvPr id="23" name="TextBox 22">
+            <a:extLst>
+              <a:ext uri="{FF2B5EF4-FFF2-40B4-BE49-F238E27FC236}">
+                <a16:creationId xmlns:a16="http://schemas.microsoft.com/office/drawing/2014/main" id="{7A509DB2-CDEE-53BA-9BB5-DACCF3D2C39E}"/>
+              </a:ext>
+            </a:extLst>
+          </p:cNvPr>
+          <p:cNvSpPr txBox="1"/>
+          <p:nvPr/>
+        </p:nvSpPr>
+        <p:spPr>
+          <a:xfrm rot="17645088">
+            <a:off x="590733" y="5862350"/>
+            <a:ext cx="1015996" cy="369332"/>
+          </a:xfrm>
+          <a:prstGeom prst="rect">
+            <a:avLst/>
+          </a:prstGeom>
+          <a:noFill/>
+        </p:spPr>
+        <p:txBody>
+          <a:bodyPr wrap="square">
+            <a:spAutoFit/>
+          </a:bodyPr>
+          <a:lstStyle/>
+          <a:p>
+            <a:r>
+              <a:rPr lang="en-GB" dirty="0"/>
+              <a:t>Incident</a:t>
+            </a:r>
+          </a:p>
+        </p:txBody>
+      </p:sp>
+      <p:sp>
+        <p:nvSpPr>
+          <p:cNvPr id="24" name="TextBox 23">
+            <a:extLst>
+              <a:ext uri="{FF2B5EF4-FFF2-40B4-BE49-F238E27FC236}">
+                <a16:creationId xmlns:a16="http://schemas.microsoft.com/office/drawing/2014/main" id="{D4AE5EBC-B37A-CF35-B2FB-156EB38C2C8D}"/>
+              </a:ext>
+            </a:extLst>
+          </p:cNvPr>
+          <p:cNvSpPr txBox="1"/>
+          <p:nvPr/>
+        </p:nvSpPr>
+        <p:spPr>
+          <a:xfrm rot="3901637">
+            <a:off x="661804" y="989293"/>
+            <a:ext cx="1251342" cy="369332"/>
+          </a:xfrm>
+          <a:prstGeom prst="rect">
+            <a:avLst/>
+          </a:prstGeom>
+          <a:noFill/>
+        </p:spPr>
+        <p:txBody>
+          <a:bodyPr wrap="square">
+            <a:spAutoFit/>
+          </a:bodyPr>
+          <a:lstStyle/>
+          <a:p>
+            <a:r>
+              <a:rPr lang="en-GB" dirty="0"/>
+              <a:t>Reflected</a:t>
+            </a:r>
+          </a:p>
+        </p:txBody>
+      </p:sp>
+      <p:cxnSp>
+        <p:nvCxnSpPr>
+          <p:cNvPr id="25" name="Straight Arrow Connector 24">
+            <a:extLst>
+              <a:ext uri="{FF2B5EF4-FFF2-40B4-BE49-F238E27FC236}">
+                <a16:creationId xmlns:a16="http://schemas.microsoft.com/office/drawing/2014/main" id="{DC9EAD7E-688C-4E6E-E315-33285CC58009}"/>
+              </a:ext>
+            </a:extLst>
+          </p:cNvPr>
+          <p:cNvCxnSpPr>
+            <a:cxnSpLocks/>
+          </p:cNvCxnSpPr>
+          <p:nvPr/>
+        </p:nvCxnSpPr>
+        <p:spPr>
+          <a:xfrm>
+            <a:off x="3156119" y="31036"/>
+            <a:ext cx="0" cy="6634084"/>
+          </a:xfrm>
+          <a:prstGeom prst="straightConnector1">
+            <a:avLst/>
+          </a:prstGeom>
+          <a:ln w="25400">
+            <a:solidFill>
+              <a:schemeClr val="tx1"/>
+            </a:solidFill>
+            <a:prstDash val="sysDot"/>
+            <a:headEnd type="none" w="lg" len="lg"/>
+            <a:tailEnd type="none"/>
+          </a:ln>
+        </p:spPr>
+        <p:style>
+          <a:lnRef idx="1">
+            <a:schemeClr val="accent1"/>
+          </a:lnRef>
+          <a:fillRef idx="0">
+            <a:schemeClr val="accent1"/>
+          </a:fillRef>
+          <a:effectRef idx="0">
+            <a:schemeClr val="accent1"/>
+          </a:effectRef>
+          <a:fontRef idx="minor">
+            <a:schemeClr val="tx1"/>
+          </a:fontRef>
+        </p:style>
+      </p:cxnSp>
+      <p:cxnSp>
+        <p:nvCxnSpPr>
+          <p:cNvPr id="27" name="Straight Arrow Connector 26">
+            <a:extLst>
+              <a:ext uri="{FF2B5EF4-FFF2-40B4-BE49-F238E27FC236}">
+                <a16:creationId xmlns:a16="http://schemas.microsoft.com/office/drawing/2014/main" id="{A8B4FA56-F20E-DE47-A4E5-F5A0DAF5912C}"/>
+              </a:ext>
+            </a:extLst>
+          </p:cNvPr>
+          <p:cNvCxnSpPr>
+            <a:cxnSpLocks/>
+          </p:cNvCxnSpPr>
+          <p:nvPr/>
+        </p:nvCxnSpPr>
+        <p:spPr>
+          <a:xfrm>
+            <a:off x="4269111" y="31036"/>
+            <a:ext cx="0" cy="6663780"/>
+          </a:xfrm>
+          <a:prstGeom prst="straightConnector1">
+            <a:avLst/>
+          </a:prstGeom>
+          <a:ln w="25400">
+            <a:solidFill>
+              <a:schemeClr val="tx1"/>
+            </a:solidFill>
+            <a:prstDash val="sysDot"/>
+            <a:headEnd type="none" w="lg" len="lg"/>
+            <a:tailEnd type="none"/>
+          </a:ln>
+        </p:spPr>
+        <p:style>
+          <a:lnRef idx="1">
+            <a:schemeClr val="accent1"/>
+          </a:lnRef>
+          <a:fillRef idx="0">
+            <a:schemeClr val="accent1"/>
+          </a:fillRef>
+          <a:effectRef idx="0">
+            <a:schemeClr val="accent1"/>
+          </a:effectRef>
+          <a:fontRef idx="minor">
+            <a:schemeClr val="tx1"/>
+          </a:fontRef>
+        </p:style>
+      </p:cxnSp>
+      <p:cxnSp>
+        <p:nvCxnSpPr>
+          <p:cNvPr id="28" name="Straight Arrow Connector 27">
+            <a:extLst>
+              <a:ext uri="{FF2B5EF4-FFF2-40B4-BE49-F238E27FC236}">
+                <a16:creationId xmlns:a16="http://schemas.microsoft.com/office/drawing/2014/main" id="{D4D6FE18-6D56-D177-F067-ADBD61B41D3D}"/>
+              </a:ext>
+            </a:extLst>
+          </p:cNvPr>
+          <p:cNvCxnSpPr>
+            <a:cxnSpLocks/>
+          </p:cNvCxnSpPr>
+          <p:nvPr/>
+        </p:nvCxnSpPr>
+        <p:spPr>
+          <a:xfrm>
+            <a:off x="4994163" y="31036"/>
+            <a:ext cx="0" cy="6634084"/>
+          </a:xfrm>
+          <a:prstGeom prst="straightConnector1">
+            <a:avLst/>
+          </a:prstGeom>
+          <a:ln w="25400">
+            <a:solidFill>
+              <a:schemeClr val="tx1"/>
+            </a:solidFill>
+            <a:prstDash val="sysDot"/>
+            <a:headEnd type="none" w="lg" len="lg"/>
+            <a:tailEnd type="none"/>
+          </a:ln>
+        </p:spPr>
+        <p:style>
+          <a:lnRef idx="1">
+            <a:schemeClr val="accent1"/>
+          </a:lnRef>
+          <a:fillRef idx="0">
+            <a:schemeClr val="accent1"/>
+          </a:fillRef>
+          <a:effectRef idx="0">
+            <a:schemeClr val="accent1"/>
+          </a:effectRef>
+          <a:fontRef idx="minor">
+            <a:schemeClr val="tx1"/>
+          </a:fontRef>
+        </p:style>
+      </p:cxnSp>
+      <p:cxnSp>
+        <p:nvCxnSpPr>
+          <p:cNvPr id="29" name="Straight Arrow Connector 28">
+            <a:extLst>
+              <a:ext uri="{FF2B5EF4-FFF2-40B4-BE49-F238E27FC236}">
+                <a16:creationId xmlns:a16="http://schemas.microsoft.com/office/drawing/2014/main" id="{5018B095-D0AC-31F6-57B4-1BCEEDD126D0}"/>
+              </a:ext>
+            </a:extLst>
+          </p:cNvPr>
+          <p:cNvCxnSpPr>
+            <a:cxnSpLocks/>
+          </p:cNvCxnSpPr>
+          <p:nvPr/>
+        </p:nvCxnSpPr>
+        <p:spPr>
+          <a:xfrm flipH="1">
+            <a:off x="6088671" y="31036"/>
+            <a:ext cx="7329" cy="6663780"/>
+          </a:xfrm>
+          <a:prstGeom prst="straightConnector1">
+            <a:avLst/>
+          </a:prstGeom>
+          <a:ln w="25400">
+            <a:solidFill>
+              <a:schemeClr val="tx1"/>
+            </a:solidFill>
+            <a:prstDash val="sysDot"/>
+            <a:headEnd type="none" w="lg" len="lg"/>
+            <a:tailEnd type="none"/>
+          </a:ln>
+        </p:spPr>
+        <p:style>
+          <a:lnRef idx="1">
+            <a:schemeClr val="accent1"/>
+          </a:lnRef>
+          <a:fillRef idx="0">
+            <a:schemeClr val="accent1"/>
+          </a:fillRef>
+          <a:effectRef idx="0">
+            <a:schemeClr val="accent1"/>
+          </a:effectRef>
+          <a:fontRef idx="minor">
+            <a:schemeClr val="tx1"/>
+          </a:fontRef>
+        </p:style>
+      </p:cxnSp>
+      <p:cxnSp>
+        <p:nvCxnSpPr>
+          <p:cNvPr id="30" name="Straight Arrow Connector 29">
+            <a:extLst>
+              <a:ext uri="{FF2B5EF4-FFF2-40B4-BE49-F238E27FC236}">
+                <a16:creationId xmlns:a16="http://schemas.microsoft.com/office/drawing/2014/main" id="{B63824F2-F061-21A7-FA9F-5213FC27B5BF}"/>
+              </a:ext>
+            </a:extLst>
+          </p:cNvPr>
+          <p:cNvCxnSpPr>
+            <a:cxnSpLocks/>
+          </p:cNvCxnSpPr>
+          <p:nvPr/>
+        </p:nvCxnSpPr>
+        <p:spPr>
+          <a:xfrm>
+            <a:off x="7118526" y="31036"/>
+            <a:ext cx="0" cy="6634084"/>
+          </a:xfrm>
+          <a:prstGeom prst="straightConnector1">
+            <a:avLst/>
+          </a:prstGeom>
+          <a:ln w="25400">
+            <a:solidFill>
+              <a:schemeClr val="tx1"/>
+            </a:solidFill>
+            <a:prstDash val="sysDot"/>
+            <a:headEnd type="none" w="lg" len="lg"/>
+            <a:tailEnd type="none"/>
+          </a:ln>
+        </p:spPr>
+        <p:style>
+          <a:lnRef idx="1">
+            <a:schemeClr val="accent1"/>
+          </a:lnRef>
+          <a:fillRef idx="0">
+            <a:schemeClr val="accent1"/>
+          </a:fillRef>
+          <a:effectRef idx="0">
+            <a:schemeClr val="accent1"/>
+          </a:effectRef>
+          <a:fontRef idx="minor">
+            <a:schemeClr val="tx1"/>
+          </a:fontRef>
+        </p:style>
+      </p:cxnSp>
+      <p:cxnSp>
+        <p:nvCxnSpPr>
+          <p:cNvPr id="31" name="Straight Arrow Connector 30">
+            <a:extLst>
+              <a:ext uri="{FF2B5EF4-FFF2-40B4-BE49-F238E27FC236}">
+                <a16:creationId xmlns:a16="http://schemas.microsoft.com/office/drawing/2014/main" id="{DA73F99C-BC1A-CF63-CDDC-29CC50829CCD}"/>
+              </a:ext>
+            </a:extLst>
+          </p:cNvPr>
+          <p:cNvCxnSpPr>
+            <a:cxnSpLocks/>
+          </p:cNvCxnSpPr>
+          <p:nvPr/>
+        </p:nvCxnSpPr>
+        <p:spPr>
+          <a:xfrm>
+            <a:off x="8102199" y="31036"/>
+            <a:ext cx="0" cy="6634084"/>
+          </a:xfrm>
+          <a:prstGeom prst="straightConnector1">
+            <a:avLst/>
+          </a:prstGeom>
+          <a:ln w="25400">
+            <a:solidFill>
+              <a:schemeClr val="tx1"/>
+            </a:solidFill>
+            <a:prstDash val="sysDot"/>
+            <a:headEnd type="none" w="lg" len="lg"/>
+            <a:tailEnd type="none"/>
+          </a:ln>
+        </p:spPr>
+        <p:style>
+          <a:lnRef idx="1">
+            <a:schemeClr val="accent1"/>
+          </a:lnRef>
+          <a:fillRef idx="0">
+            <a:schemeClr val="accent1"/>
+          </a:fillRef>
+          <a:effectRef idx="0">
+            <a:schemeClr val="accent1"/>
+          </a:effectRef>
+          <a:fontRef idx="minor">
+            <a:schemeClr val="tx1"/>
+          </a:fontRef>
+        </p:style>
+      </p:cxnSp>
+      <p:sp>
+        <p:nvSpPr>
+          <p:cNvPr id="32" name="TextBox 31">
+            <a:extLst>
+              <a:ext uri="{FF2B5EF4-FFF2-40B4-BE49-F238E27FC236}">
+                <a16:creationId xmlns:a16="http://schemas.microsoft.com/office/drawing/2014/main" id="{45499741-3AB3-A2E5-DCE8-7E21F306C56A}"/>
+              </a:ext>
+            </a:extLst>
+          </p:cNvPr>
+          <p:cNvSpPr txBox="1"/>
+          <p:nvPr/>
+        </p:nvSpPr>
+        <p:spPr>
+          <a:xfrm>
+            <a:off x="2344131" y="602414"/>
+            <a:ext cx="685701" cy="646331"/>
+          </a:xfrm>
+          <a:prstGeom prst="rect">
+            <a:avLst/>
+          </a:prstGeom>
+          <a:noFill/>
+        </p:spPr>
+        <p:txBody>
+          <a:bodyPr wrap="none" rtlCol="0">
+            <a:spAutoFit/>
+          </a:bodyPr>
+          <a:lstStyle/>
+          <a:p>
+            <a:r>
+              <a:rPr lang="en-GB" dirty="0"/>
+              <a:t>Layer</a:t>
+            </a:r>
+          </a:p>
+          <a:p>
+            <a:pPr algn="ctr"/>
+            <a:r>
+              <a:rPr lang="en-GB" dirty="0"/>
+              <a:t>1</a:t>
+            </a:r>
+          </a:p>
+        </p:txBody>
+      </p:sp>
+      <p:sp>
+        <p:nvSpPr>
+          <p:cNvPr id="33" name="TextBox 32">
+            <a:extLst>
+              <a:ext uri="{FF2B5EF4-FFF2-40B4-BE49-F238E27FC236}">
+                <a16:creationId xmlns:a16="http://schemas.microsoft.com/office/drawing/2014/main" id="{26015E95-5A3C-D90D-94DB-197D29AB7F68}"/>
+              </a:ext>
+            </a:extLst>
+          </p:cNvPr>
+          <p:cNvSpPr txBox="1"/>
+          <p:nvPr/>
+        </p:nvSpPr>
+        <p:spPr>
+          <a:xfrm>
+            <a:off x="3392797" y="602405"/>
+            <a:ext cx="685701" cy="646331"/>
+          </a:xfrm>
+          <a:prstGeom prst="rect">
+            <a:avLst/>
+          </a:prstGeom>
+          <a:noFill/>
+        </p:spPr>
+        <p:txBody>
+          <a:bodyPr wrap="none" rtlCol="0">
+            <a:spAutoFit/>
+          </a:bodyPr>
+          <a:lstStyle/>
+          <a:p>
+            <a:r>
+              <a:rPr lang="en-GB" dirty="0"/>
+              <a:t>Layer</a:t>
+            </a:r>
+          </a:p>
+          <a:p>
+            <a:pPr algn="ctr"/>
+            <a:r>
+              <a:rPr lang="en-GB" dirty="0"/>
+              <a:t>2</a:t>
+            </a:r>
+          </a:p>
+        </p:txBody>
+      </p:sp>
+      <p:sp>
+        <p:nvSpPr>
+          <p:cNvPr id="34" name="TextBox 33">
+            <a:extLst>
+              <a:ext uri="{FF2B5EF4-FFF2-40B4-BE49-F238E27FC236}">
+                <a16:creationId xmlns:a16="http://schemas.microsoft.com/office/drawing/2014/main" id="{A8646407-582F-57DA-70CB-277367E858AA}"/>
+              </a:ext>
+            </a:extLst>
+          </p:cNvPr>
+          <p:cNvSpPr txBox="1"/>
+          <p:nvPr/>
+        </p:nvSpPr>
+        <p:spPr>
+          <a:xfrm>
+            <a:off x="4476802" y="602402"/>
+            <a:ext cx="343364" cy="369332"/>
+          </a:xfrm>
+          <a:prstGeom prst="rect">
+            <a:avLst/>
+          </a:prstGeom>
+          <a:noFill/>
+        </p:spPr>
+        <p:txBody>
+          <a:bodyPr wrap="none" rtlCol="0">
+            <a:spAutoFit/>
+          </a:bodyPr>
+          <a:lstStyle/>
+          <a:p>
+            <a:r>
+              <a:rPr lang="en-GB" dirty="0"/>
+              <a:t>…</a:t>
+            </a:r>
+          </a:p>
+        </p:txBody>
+      </p:sp>
+      <p:sp>
+        <p:nvSpPr>
+          <p:cNvPr id="35" name="TextBox 34">
+            <a:extLst>
+              <a:ext uri="{FF2B5EF4-FFF2-40B4-BE49-F238E27FC236}">
+                <a16:creationId xmlns:a16="http://schemas.microsoft.com/office/drawing/2014/main" id="{5B2620A3-277C-EE73-5B63-C5C61D7FAA4F}"/>
+              </a:ext>
+            </a:extLst>
+          </p:cNvPr>
+          <p:cNvSpPr txBox="1"/>
+          <p:nvPr/>
+        </p:nvSpPr>
+        <p:spPr>
+          <a:xfrm>
+            <a:off x="5225168" y="602404"/>
+            <a:ext cx="685701" cy="646331"/>
+          </a:xfrm>
+          <a:prstGeom prst="rect">
+            <a:avLst/>
+          </a:prstGeom>
+          <a:noFill/>
+        </p:spPr>
+        <p:txBody>
+          <a:bodyPr wrap="none" rtlCol="0">
+            <a:spAutoFit/>
+          </a:bodyPr>
+          <a:lstStyle/>
+          <a:p>
+            <a:r>
+              <a:rPr lang="en-GB" dirty="0"/>
+              <a:t>Layer</a:t>
+            </a:r>
+          </a:p>
+          <a:p>
+            <a:pPr algn="ctr"/>
+            <a:r>
+              <a:rPr lang="en-GB" dirty="0"/>
+              <a:t>i-1</a:t>
+            </a:r>
+          </a:p>
+        </p:txBody>
+      </p:sp>
+      <p:sp>
+        <p:nvSpPr>
+          <p:cNvPr id="36" name="TextBox 35">
+            <a:extLst>
+              <a:ext uri="{FF2B5EF4-FFF2-40B4-BE49-F238E27FC236}">
+                <a16:creationId xmlns:a16="http://schemas.microsoft.com/office/drawing/2014/main" id="{44C2608A-A720-60EB-1D23-31904C171959}"/>
+              </a:ext>
+            </a:extLst>
+          </p:cNvPr>
+          <p:cNvSpPr txBox="1"/>
+          <p:nvPr/>
+        </p:nvSpPr>
+        <p:spPr>
+          <a:xfrm>
+            <a:off x="6301505" y="602403"/>
+            <a:ext cx="685701" cy="646331"/>
+          </a:xfrm>
+          <a:prstGeom prst="rect">
+            <a:avLst/>
+          </a:prstGeom>
+          <a:noFill/>
+        </p:spPr>
+        <p:txBody>
+          <a:bodyPr wrap="none" rtlCol="0">
+            <a:spAutoFit/>
+          </a:bodyPr>
+          <a:lstStyle/>
+          <a:p>
+            <a:r>
+              <a:rPr lang="en-GB" dirty="0"/>
+              <a:t>Layer</a:t>
+            </a:r>
+          </a:p>
+          <a:p>
+            <a:pPr algn="ctr"/>
+            <a:r>
+              <a:rPr lang="en-GB" dirty="0"/>
+              <a:t>i</a:t>
+            </a:r>
+          </a:p>
+        </p:txBody>
+      </p:sp>
+      <p:sp>
+        <p:nvSpPr>
+          <p:cNvPr id="37" name="TextBox 36">
+            <a:extLst>
+              <a:ext uri="{FF2B5EF4-FFF2-40B4-BE49-F238E27FC236}">
+                <a16:creationId xmlns:a16="http://schemas.microsoft.com/office/drawing/2014/main" id="{3E0A656C-3D4F-BEE8-CAFC-B4816CCE76AF}"/>
+              </a:ext>
+            </a:extLst>
+          </p:cNvPr>
+          <p:cNvSpPr txBox="1"/>
+          <p:nvPr/>
+        </p:nvSpPr>
+        <p:spPr>
+          <a:xfrm>
+            <a:off x="7231615" y="602402"/>
+            <a:ext cx="685701" cy="646331"/>
+          </a:xfrm>
+          <a:prstGeom prst="rect">
+            <a:avLst/>
+          </a:prstGeom>
+          <a:noFill/>
+        </p:spPr>
+        <p:txBody>
+          <a:bodyPr wrap="none" rtlCol="0">
+            <a:spAutoFit/>
+          </a:bodyPr>
+          <a:lstStyle/>
+          <a:p>
+            <a:r>
+              <a:rPr lang="en-GB" dirty="0"/>
+              <a:t>Layer</a:t>
+            </a:r>
+          </a:p>
+          <a:p>
+            <a:pPr algn="ctr"/>
+            <a:r>
+              <a:rPr lang="en-GB" dirty="0"/>
+              <a:t>i+1</a:t>
+            </a:r>
+          </a:p>
+        </p:txBody>
+      </p:sp>
+      <p:sp>
+        <p:nvSpPr>
+          <p:cNvPr id="38" name="TextBox 37">
+            <a:extLst>
+              <a:ext uri="{FF2B5EF4-FFF2-40B4-BE49-F238E27FC236}">
+                <a16:creationId xmlns:a16="http://schemas.microsoft.com/office/drawing/2014/main" id="{974EAD6B-4F00-97C0-C9C3-304C87FEADF3}"/>
+              </a:ext>
+            </a:extLst>
+          </p:cNvPr>
+          <p:cNvSpPr txBox="1"/>
+          <p:nvPr/>
+        </p:nvSpPr>
+        <p:spPr>
+          <a:xfrm>
+            <a:off x="8306386" y="556235"/>
+            <a:ext cx="343364" cy="369332"/>
+          </a:xfrm>
+          <a:prstGeom prst="rect">
+            <a:avLst/>
+          </a:prstGeom>
+          <a:noFill/>
+        </p:spPr>
+        <p:txBody>
+          <a:bodyPr wrap="none" rtlCol="0">
+            <a:spAutoFit/>
+          </a:bodyPr>
+          <a:lstStyle/>
+          <a:p>
+            <a:r>
+              <a:rPr lang="en-GB" dirty="0"/>
+              <a:t>…</a:t>
+            </a:r>
+          </a:p>
+        </p:txBody>
+      </p:sp>
+      <p:cxnSp>
+        <p:nvCxnSpPr>
+          <p:cNvPr id="39" name="Straight Arrow Connector 38">
+            <a:extLst>
+              <a:ext uri="{FF2B5EF4-FFF2-40B4-BE49-F238E27FC236}">
+                <a16:creationId xmlns:a16="http://schemas.microsoft.com/office/drawing/2014/main" id="{988D4250-BCAF-D3D9-A71D-E9FE71D11AC2}"/>
+              </a:ext>
+            </a:extLst>
+          </p:cNvPr>
+          <p:cNvCxnSpPr>
+            <a:cxnSpLocks/>
+          </p:cNvCxnSpPr>
+          <p:nvPr/>
+        </p:nvCxnSpPr>
+        <p:spPr>
+          <a:xfrm>
+            <a:off x="8859380" y="31036"/>
+            <a:ext cx="0" cy="6634084"/>
+          </a:xfrm>
+          <a:prstGeom prst="straightConnector1">
+            <a:avLst/>
+          </a:prstGeom>
+          <a:ln w="25400">
+            <a:solidFill>
+              <a:schemeClr val="tx1"/>
+            </a:solidFill>
+            <a:prstDash val="sysDot"/>
+            <a:headEnd type="none" w="lg" len="lg"/>
+            <a:tailEnd type="none"/>
+          </a:ln>
+        </p:spPr>
+        <p:style>
+          <a:lnRef idx="1">
+            <a:schemeClr val="accent1"/>
+          </a:lnRef>
+          <a:fillRef idx="0">
+            <a:schemeClr val="accent1"/>
+          </a:fillRef>
+          <a:effectRef idx="0">
+            <a:schemeClr val="accent1"/>
+          </a:effectRef>
+          <a:fontRef idx="minor">
+            <a:schemeClr val="tx1"/>
+          </a:fontRef>
+        </p:style>
+      </p:cxnSp>
+      <p:cxnSp>
+        <p:nvCxnSpPr>
+          <p:cNvPr id="40" name="Straight Arrow Connector 39">
+            <a:extLst>
+              <a:ext uri="{FF2B5EF4-FFF2-40B4-BE49-F238E27FC236}">
+                <a16:creationId xmlns:a16="http://schemas.microsoft.com/office/drawing/2014/main" id="{21CE5241-694B-77A3-04E9-1CCFEB248CC5}"/>
+              </a:ext>
+            </a:extLst>
+          </p:cNvPr>
+          <p:cNvCxnSpPr>
+            <a:cxnSpLocks/>
+          </p:cNvCxnSpPr>
+          <p:nvPr/>
+        </p:nvCxnSpPr>
+        <p:spPr>
+          <a:xfrm>
+            <a:off x="9894050" y="31036"/>
+            <a:ext cx="0" cy="6634084"/>
+          </a:xfrm>
+          <a:prstGeom prst="straightConnector1">
+            <a:avLst/>
+          </a:prstGeom>
+          <a:ln w="25400">
+            <a:solidFill>
+              <a:schemeClr val="tx1"/>
+            </a:solidFill>
+            <a:prstDash val="sysDot"/>
+            <a:headEnd type="none" w="lg" len="lg"/>
+            <a:tailEnd type="none"/>
+          </a:ln>
+        </p:spPr>
+        <p:style>
+          <a:lnRef idx="1">
+            <a:schemeClr val="accent1"/>
+          </a:lnRef>
+          <a:fillRef idx="0">
+            <a:schemeClr val="accent1"/>
+          </a:fillRef>
+          <a:effectRef idx="0">
+            <a:schemeClr val="accent1"/>
+          </a:effectRef>
+          <a:fontRef idx="minor">
+            <a:schemeClr val="tx1"/>
+          </a:fontRef>
+        </p:style>
+      </p:cxnSp>
+      <p:sp>
+        <p:nvSpPr>
+          <p:cNvPr id="41" name="TextBox 40">
+            <a:extLst>
+              <a:ext uri="{FF2B5EF4-FFF2-40B4-BE49-F238E27FC236}">
+                <a16:creationId xmlns:a16="http://schemas.microsoft.com/office/drawing/2014/main" id="{F7FF265A-FFED-792B-9E52-E332B30A72DD}"/>
+              </a:ext>
+            </a:extLst>
+          </p:cNvPr>
+          <p:cNvSpPr txBox="1"/>
+          <p:nvPr/>
+        </p:nvSpPr>
+        <p:spPr>
+          <a:xfrm>
+            <a:off x="9017188" y="602402"/>
+            <a:ext cx="685701" cy="646331"/>
+          </a:xfrm>
+          <a:prstGeom prst="rect">
+            <a:avLst/>
+          </a:prstGeom>
+          <a:noFill/>
+        </p:spPr>
+        <p:txBody>
+          <a:bodyPr wrap="none" rtlCol="0">
+            <a:spAutoFit/>
+          </a:bodyPr>
+          <a:lstStyle/>
+          <a:p>
+            <a:r>
+              <a:rPr lang="en-GB" dirty="0"/>
+              <a:t>Layer</a:t>
+            </a:r>
+          </a:p>
+          <a:p>
+            <a:pPr algn="ctr"/>
+            <a:r>
+              <a:rPr lang="en-GB" dirty="0"/>
+              <a:t>N</a:t>
+            </a:r>
+          </a:p>
+        </p:txBody>
+      </p:sp>
+      <p:sp>
+        <p:nvSpPr>
+          <p:cNvPr id="42" name="TextBox 41">
+            <a:extLst>
+              <a:ext uri="{FF2B5EF4-FFF2-40B4-BE49-F238E27FC236}">
+                <a16:creationId xmlns:a16="http://schemas.microsoft.com/office/drawing/2014/main" id="{98E01897-1EA8-E62C-B041-1ACCB21C3039}"/>
+              </a:ext>
+            </a:extLst>
+          </p:cNvPr>
+          <p:cNvSpPr txBox="1"/>
+          <p:nvPr/>
+        </p:nvSpPr>
+        <p:spPr>
+          <a:xfrm>
+            <a:off x="2008225" y="6338532"/>
+            <a:ext cx="354584" cy="369332"/>
+          </a:xfrm>
+          <a:prstGeom prst="rect">
+            <a:avLst/>
+          </a:prstGeom>
+          <a:noFill/>
+        </p:spPr>
+        <p:txBody>
+          <a:bodyPr wrap="none" rtlCol="0">
+            <a:spAutoFit/>
+          </a:bodyPr>
+          <a:lstStyle/>
+          <a:p>
+            <a:r>
+              <a:rPr lang="en-GB" dirty="0"/>
+              <a:t>z</a:t>
+            </a:r>
+            <a:r>
+              <a:rPr lang="en-GB" baseline="-25000" dirty="0"/>
+              <a:t>1</a:t>
+            </a:r>
+          </a:p>
+        </p:txBody>
+      </p:sp>
+      <p:sp>
+        <p:nvSpPr>
+          <p:cNvPr id="43" name="TextBox 42">
+            <a:extLst>
+              <a:ext uri="{FF2B5EF4-FFF2-40B4-BE49-F238E27FC236}">
+                <a16:creationId xmlns:a16="http://schemas.microsoft.com/office/drawing/2014/main" id="{35AF383E-0281-1A5F-3D0A-C0084B771DA8}"/>
+              </a:ext>
+            </a:extLst>
+          </p:cNvPr>
+          <p:cNvSpPr txBox="1"/>
+          <p:nvPr/>
+        </p:nvSpPr>
+        <p:spPr>
+          <a:xfrm>
+            <a:off x="3121465" y="6338532"/>
+            <a:ext cx="354584" cy="369332"/>
+          </a:xfrm>
+          <a:prstGeom prst="rect">
+            <a:avLst/>
+          </a:prstGeom>
+          <a:noFill/>
+        </p:spPr>
+        <p:txBody>
+          <a:bodyPr wrap="none" rtlCol="0">
+            <a:spAutoFit/>
+          </a:bodyPr>
+          <a:lstStyle/>
+          <a:p>
+            <a:r>
+              <a:rPr lang="en-GB" dirty="0"/>
+              <a:t>z</a:t>
+            </a:r>
+            <a:r>
+              <a:rPr lang="en-GB" baseline="-25000" dirty="0"/>
+              <a:t>2</a:t>
+            </a:r>
+          </a:p>
+        </p:txBody>
+      </p:sp>
+      <p:sp>
+        <p:nvSpPr>
+          <p:cNvPr id="45" name="TextBox 44">
+            <a:extLst>
+              <a:ext uri="{FF2B5EF4-FFF2-40B4-BE49-F238E27FC236}">
+                <a16:creationId xmlns:a16="http://schemas.microsoft.com/office/drawing/2014/main" id="{106736D7-3EC4-EE49-06AC-3C79D3E98758}"/>
+              </a:ext>
+            </a:extLst>
+          </p:cNvPr>
+          <p:cNvSpPr txBox="1"/>
+          <p:nvPr/>
+        </p:nvSpPr>
+        <p:spPr>
+          <a:xfrm>
+            <a:off x="4975679" y="6338532"/>
+            <a:ext cx="436338" cy="369332"/>
+          </a:xfrm>
+          <a:prstGeom prst="rect">
+            <a:avLst/>
+          </a:prstGeom>
+          <a:noFill/>
+        </p:spPr>
+        <p:txBody>
+          <a:bodyPr wrap="none" rtlCol="0">
+            <a:spAutoFit/>
+          </a:bodyPr>
+          <a:lstStyle/>
+          <a:p>
+            <a:r>
+              <a:rPr lang="en-GB" dirty="0"/>
+              <a:t>z</a:t>
+            </a:r>
+            <a:r>
+              <a:rPr lang="en-GB" baseline="-25000" dirty="0"/>
+              <a:t>i-1</a:t>
+            </a:r>
+          </a:p>
+        </p:txBody>
+      </p:sp>
+      <p:sp>
+        <p:nvSpPr>
+          <p:cNvPr id="46" name="TextBox 45">
+            <a:extLst>
+              <a:ext uri="{FF2B5EF4-FFF2-40B4-BE49-F238E27FC236}">
+                <a16:creationId xmlns:a16="http://schemas.microsoft.com/office/drawing/2014/main" id="{F9295845-5D00-524D-B3B6-E18D87A1EE32}"/>
+              </a:ext>
+            </a:extLst>
+          </p:cNvPr>
+          <p:cNvSpPr txBox="1"/>
+          <p:nvPr/>
+        </p:nvSpPr>
+        <p:spPr>
+          <a:xfrm>
+            <a:off x="6081392" y="6338532"/>
+            <a:ext cx="311304" cy="369332"/>
+          </a:xfrm>
+          <a:prstGeom prst="rect">
+            <a:avLst/>
+          </a:prstGeom>
+          <a:noFill/>
+        </p:spPr>
+        <p:txBody>
+          <a:bodyPr wrap="none" rtlCol="0">
+            <a:spAutoFit/>
+          </a:bodyPr>
+          <a:lstStyle/>
+          <a:p>
+            <a:r>
+              <a:rPr lang="en-GB" dirty="0"/>
+              <a:t>z</a:t>
+            </a:r>
+            <a:r>
+              <a:rPr lang="en-GB" baseline="-25000" dirty="0"/>
+              <a:t>i</a:t>
+            </a:r>
+          </a:p>
+        </p:txBody>
+      </p:sp>
+      <p:sp>
+        <p:nvSpPr>
+          <p:cNvPr id="47" name="TextBox 46">
+            <a:extLst>
+              <a:ext uri="{FF2B5EF4-FFF2-40B4-BE49-F238E27FC236}">
+                <a16:creationId xmlns:a16="http://schemas.microsoft.com/office/drawing/2014/main" id="{E387CE16-824B-5407-487D-EE2F5034B26C}"/>
+              </a:ext>
+            </a:extLst>
+          </p:cNvPr>
+          <p:cNvSpPr txBox="1"/>
+          <p:nvPr/>
+        </p:nvSpPr>
+        <p:spPr>
+          <a:xfrm>
+            <a:off x="7054111" y="6338532"/>
+            <a:ext cx="466794" cy="369332"/>
+          </a:xfrm>
+          <a:prstGeom prst="rect">
+            <a:avLst/>
+          </a:prstGeom>
+          <a:noFill/>
+        </p:spPr>
+        <p:txBody>
+          <a:bodyPr wrap="none" rtlCol="0">
+            <a:spAutoFit/>
+          </a:bodyPr>
+          <a:lstStyle/>
+          <a:p>
+            <a:r>
+              <a:rPr lang="en-GB" dirty="0"/>
+              <a:t>z</a:t>
+            </a:r>
+            <a:r>
+              <a:rPr lang="en-GB" baseline="-25000" dirty="0"/>
+              <a:t>i+1</a:t>
+            </a:r>
+          </a:p>
+        </p:txBody>
+      </p:sp>
+      <p:sp>
+        <p:nvSpPr>
+          <p:cNvPr id="49" name="TextBox 48">
+            <a:extLst>
+              <a:ext uri="{FF2B5EF4-FFF2-40B4-BE49-F238E27FC236}">
+                <a16:creationId xmlns:a16="http://schemas.microsoft.com/office/drawing/2014/main" id="{17F92355-6E1E-B251-FBB2-66192DF37731}"/>
+              </a:ext>
+            </a:extLst>
+          </p:cNvPr>
+          <p:cNvSpPr txBox="1"/>
+          <p:nvPr/>
+        </p:nvSpPr>
+        <p:spPr>
+          <a:xfrm>
+            <a:off x="8844652" y="6338532"/>
+            <a:ext cx="375424" cy="369332"/>
+          </a:xfrm>
+          <a:prstGeom prst="rect">
+            <a:avLst/>
+          </a:prstGeom>
+          <a:noFill/>
+        </p:spPr>
+        <p:txBody>
+          <a:bodyPr wrap="none" rtlCol="0">
+            <a:spAutoFit/>
+          </a:bodyPr>
+          <a:lstStyle/>
+          <a:p>
+            <a:r>
+              <a:rPr lang="en-GB" dirty="0" err="1"/>
+              <a:t>z</a:t>
+            </a:r>
+            <a:r>
+              <a:rPr lang="en-GB" baseline="-25000" dirty="0" err="1"/>
+              <a:t>N</a:t>
+            </a:r>
+            <a:endParaRPr lang="en-GB" baseline="-25000" dirty="0"/>
+          </a:p>
+        </p:txBody>
+      </p:sp>
+      <p:sp>
+        <p:nvSpPr>
+          <p:cNvPr id="52" name="Arc 51">
+            <a:extLst>
+              <a:ext uri="{FF2B5EF4-FFF2-40B4-BE49-F238E27FC236}">
+                <a16:creationId xmlns:a16="http://schemas.microsoft.com/office/drawing/2014/main" id="{0C64175B-59A0-4EFC-7BD7-FF3D3C63ECE1}"/>
+              </a:ext>
+            </a:extLst>
+          </p:cNvPr>
+          <p:cNvSpPr/>
+          <p:nvPr/>
+        </p:nvSpPr>
+        <p:spPr>
+          <a:xfrm rot="12958696">
+            <a:off x="1305559" y="3302711"/>
+            <a:ext cx="1484948" cy="820448"/>
+          </a:xfrm>
+          <a:prstGeom prst="arc">
+            <a:avLst>
+              <a:gd name="adj1" fmla="val 16200000"/>
+              <a:gd name="adj2" fmla="val 20723960"/>
+            </a:avLst>
+          </a:prstGeom>
+          <a:ln w="25400">
+            <a:solidFill>
+              <a:schemeClr val="tx1"/>
+            </a:solidFill>
+          </a:ln>
+        </p:spPr>
+        <p:style>
+          <a:lnRef idx="1">
+            <a:schemeClr val="accent1"/>
+          </a:lnRef>
+          <a:fillRef idx="0">
+            <a:schemeClr val="accent1"/>
+          </a:fillRef>
+          <a:effectRef idx="0">
+            <a:schemeClr val="accent1"/>
+          </a:effectRef>
+          <a:fontRef idx="minor">
+            <a:schemeClr val="tx1"/>
+          </a:fontRef>
+        </p:style>
+        <p:txBody>
+          <a:bodyPr rtlCol="0" anchor="ctr"/>
+          <a:lstStyle/>
+          <a:p>
+            <a:pPr algn="ctr"/>
+            <a:endParaRPr lang="en-GB"/>
+          </a:p>
+        </p:txBody>
+      </p:sp>
+      <p:sp>
+        <p:nvSpPr>
+          <p:cNvPr id="55" name="TextBox 54">
+            <a:extLst>
+              <a:ext uri="{FF2B5EF4-FFF2-40B4-BE49-F238E27FC236}">
+                <a16:creationId xmlns:a16="http://schemas.microsoft.com/office/drawing/2014/main" id="{81BE4DB4-5646-13C4-7801-6C57B588F3F4}"/>
+              </a:ext>
+            </a:extLst>
+          </p:cNvPr>
+          <p:cNvSpPr txBox="1"/>
+          <p:nvPr/>
+        </p:nvSpPr>
+        <p:spPr>
+          <a:xfrm>
+            <a:off x="1519004" y="3342306"/>
+            <a:ext cx="323307" cy="584775"/>
+          </a:xfrm>
+          <a:prstGeom prst="rect">
+            <a:avLst/>
+          </a:prstGeom>
+          <a:noFill/>
+        </p:spPr>
+        <p:txBody>
+          <a:bodyPr wrap="square">
+            <a:spAutoFit/>
+          </a:bodyPr>
+          <a:lstStyle/>
+          <a:p>
+            <a:r>
+              <a:rPr lang="en-GB" sz="3200" dirty="0"/>
+              <a:t>ɵ</a:t>
+            </a:r>
+            <a:endParaRPr lang="en-GB" sz="3200" dirty="0">
+              <a:latin typeface="MS Shell Dlg 2" panose="020B0604030504040204" pitchFamily="34" charset="0"/>
+            </a:endParaRPr>
+          </a:p>
+        </p:txBody>
+      </p:sp>
+      <p:sp>
+        <p:nvSpPr>
+          <p:cNvPr id="2" name="TextBox 1">
+            <a:extLst>
+              <a:ext uri="{FF2B5EF4-FFF2-40B4-BE49-F238E27FC236}">
+                <a16:creationId xmlns:a16="http://schemas.microsoft.com/office/drawing/2014/main" id="{64AD015F-AADF-ABE4-099A-ADEF4BDC5222}"/>
+              </a:ext>
+            </a:extLst>
+          </p:cNvPr>
+          <p:cNvSpPr txBox="1"/>
+          <p:nvPr/>
+        </p:nvSpPr>
+        <p:spPr>
+          <a:xfrm>
+            <a:off x="2460063" y="5796061"/>
+            <a:ext cx="385042" cy="369332"/>
+          </a:xfrm>
+          <a:prstGeom prst="rect">
+            <a:avLst/>
+          </a:prstGeom>
+          <a:noFill/>
+        </p:spPr>
+        <p:txBody>
+          <a:bodyPr wrap="none" rtlCol="0">
+            <a:spAutoFit/>
+          </a:bodyPr>
+          <a:lstStyle/>
+          <a:p>
+            <a:r>
+              <a:rPr lang="en-GB" dirty="0"/>
+              <a:t>d</a:t>
+            </a:r>
+            <a:r>
+              <a:rPr lang="en-GB" baseline="-25000" dirty="0"/>
+              <a:t>1</a:t>
+            </a:r>
+          </a:p>
+        </p:txBody>
+      </p:sp>
+      <p:sp>
+        <p:nvSpPr>
+          <p:cNvPr id="3" name="TextBox 2">
+            <a:extLst>
+              <a:ext uri="{FF2B5EF4-FFF2-40B4-BE49-F238E27FC236}">
+                <a16:creationId xmlns:a16="http://schemas.microsoft.com/office/drawing/2014/main" id="{AA8192FC-3B22-AAFB-BFD2-1DD1C647DE18}"/>
+              </a:ext>
+            </a:extLst>
+          </p:cNvPr>
+          <p:cNvSpPr txBox="1"/>
+          <p:nvPr/>
+        </p:nvSpPr>
+        <p:spPr>
+          <a:xfrm>
+            <a:off x="3526674" y="5796061"/>
+            <a:ext cx="385042" cy="369332"/>
+          </a:xfrm>
+          <a:prstGeom prst="rect">
+            <a:avLst/>
+          </a:prstGeom>
+          <a:noFill/>
+        </p:spPr>
+        <p:txBody>
+          <a:bodyPr wrap="none" rtlCol="0">
+            <a:spAutoFit/>
+          </a:bodyPr>
+          <a:lstStyle/>
+          <a:p>
+            <a:r>
+              <a:rPr lang="en-GB" dirty="0"/>
+              <a:t>d</a:t>
+            </a:r>
+            <a:r>
+              <a:rPr lang="en-GB" baseline="-25000" dirty="0"/>
+              <a:t>2</a:t>
+            </a:r>
+          </a:p>
+        </p:txBody>
+      </p:sp>
+      <p:sp>
+        <p:nvSpPr>
+          <p:cNvPr id="4" name="TextBox 3">
+            <a:extLst>
+              <a:ext uri="{FF2B5EF4-FFF2-40B4-BE49-F238E27FC236}">
+                <a16:creationId xmlns:a16="http://schemas.microsoft.com/office/drawing/2014/main" id="{FC2E9BA6-E37E-54DE-C00D-D89A13122B5E}"/>
+              </a:ext>
+            </a:extLst>
+          </p:cNvPr>
+          <p:cNvSpPr txBox="1"/>
+          <p:nvPr/>
+        </p:nvSpPr>
+        <p:spPr>
+          <a:xfrm>
+            <a:off x="5331723" y="5796061"/>
+            <a:ext cx="466794" cy="369332"/>
+          </a:xfrm>
+          <a:prstGeom prst="rect">
+            <a:avLst/>
+          </a:prstGeom>
+          <a:noFill/>
+        </p:spPr>
+        <p:txBody>
+          <a:bodyPr wrap="none" rtlCol="0">
+            <a:spAutoFit/>
+          </a:bodyPr>
+          <a:lstStyle/>
+          <a:p>
+            <a:r>
+              <a:rPr lang="en-GB" dirty="0"/>
+              <a:t>d</a:t>
+            </a:r>
+            <a:r>
+              <a:rPr lang="en-GB" baseline="-25000" dirty="0"/>
+              <a:t>i-1</a:t>
+            </a:r>
+          </a:p>
+        </p:txBody>
+      </p:sp>
+      <p:sp>
+        <p:nvSpPr>
+          <p:cNvPr id="7" name="TextBox 6">
+            <a:extLst>
+              <a:ext uri="{FF2B5EF4-FFF2-40B4-BE49-F238E27FC236}">
+                <a16:creationId xmlns:a16="http://schemas.microsoft.com/office/drawing/2014/main" id="{F5C43D37-CEA8-D677-8B56-45A90F6AD45C}"/>
+              </a:ext>
+            </a:extLst>
+          </p:cNvPr>
+          <p:cNvSpPr txBox="1"/>
+          <p:nvPr/>
+        </p:nvSpPr>
+        <p:spPr>
+          <a:xfrm>
+            <a:off x="6419860" y="5796061"/>
+            <a:ext cx="341760" cy="369332"/>
+          </a:xfrm>
+          <a:prstGeom prst="rect">
+            <a:avLst/>
+          </a:prstGeom>
+          <a:noFill/>
+        </p:spPr>
+        <p:txBody>
+          <a:bodyPr wrap="none" rtlCol="0">
+            <a:spAutoFit/>
+          </a:bodyPr>
+          <a:lstStyle/>
+          <a:p>
+            <a:r>
+              <a:rPr lang="en-GB" dirty="0"/>
+              <a:t>d</a:t>
+            </a:r>
+            <a:r>
+              <a:rPr lang="en-GB" baseline="-25000" dirty="0"/>
+              <a:t>i</a:t>
+            </a:r>
+          </a:p>
+        </p:txBody>
+      </p:sp>
+      <p:sp>
+        <p:nvSpPr>
+          <p:cNvPr id="8" name="TextBox 7">
+            <a:extLst>
+              <a:ext uri="{FF2B5EF4-FFF2-40B4-BE49-F238E27FC236}">
+                <a16:creationId xmlns:a16="http://schemas.microsoft.com/office/drawing/2014/main" id="{83C1E2EE-2144-4F15-9569-97196DFBBCE8}"/>
+              </a:ext>
+            </a:extLst>
+          </p:cNvPr>
+          <p:cNvSpPr txBox="1"/>
+          <p:nvPr/>
+        </p:nvSpPr>
+        <p:spPr>
+          <a:xfrm>
+            <a:off x="7445174" y="5796061"/>
+            <a:ext cx="497252" cy="369332"/>
+          </a:xfrm>
+          <a:prstGeom prst="rect">
+            <a:avLst/>
+          </a:prstGeom>
+          <a:noFill/>
+        </p:spPr>
+        <p:txBody>
+          <a:bodyPr wrap="none" rtlCol="0">
+            <a:spAutoFit/>
+          </a:bodyPr>
+          <a:lstStyle/>
+          <a:p>
+            <a:r>
+              <a:rPr lang="en-GB" dirty="0"/>
+              <a:t>d</a:t>
+            </a:r>
+            <a:r>
+              <a:rPr lang="en-GB" baseline="-25000" dirty="0"/>
+              <a:t>i+1</a:t>
+            </a:r>
+          </a:p>
+        </p:txBody>
+      </p:sp>
+      <p:sp>
+        <p:nvSpPr>
+          <p:cNvPr id="10" name="TextBox 9">
+            <a:extLst>
+              <a:ext uri="{FF2B5EF4-FFF2-40B4-BE49-F238E27FC236}">
+                <a16:creationId xmlns:a16="http://schemas.microsoft.com/office/drawing/2014/main" id="{079A6AFA-AF90-2D0B-1E49-76C8B45A56AD}"/>
+              </a:ext>
+            </a:extLst>
+          </p:cNvPr>
+          <p:cNvSpPr txBox="1"/>
+          <p:nvPr/>
+        </p:nvSpPr>
+        <p:spPr>
+          <a:xfrm>
+            <a:off x="9190847" y="5796061"/>
+            <a:ext cx="405880" cy="369332"/>
+          </a:xfrm>
+          <a:prstGeom prst="rect">
+            <a:avLst/>
+          </a:prstGeom>
+          <a:noFill/>
+        </p:spPr>
+        <p:txBody>
+          <a:bodyPr wrap="none" rtlCol="0">
+            <a:spAutoFit/>
+          </a:bodyPr>
+          <a:lstStyle/>
+          <a:p>
+            <a:r>
+              <a:rPr lang="en-GB" dirty="0" err="1"/>
+              <a:t>d</a:t>
+            </a:r>
+            <a:r>
+              <a:rPr lang="en-GB" baseline="-25000" dirty="0" err="1"/>
+              <a:t>N</a:t>
+            </a:r>
+            <a:endParaRPr lang="en-GB" baseline="-25000" dirty="0"/>
+          </a:p>
+        </p:txBody>
+      </p:sp>
+      <p:cxnSp>
+        <p:nvCxnSpPr>
+          <p:cNvPr id="15" name="Straight Arrow Connector 14">
+            <a:extLst>
+              <a:ext uri="{FF2B5EF4-FFF2-40B4-BE49-F238E27FC236}">
+                <a16:creationId xmlns:a16="http://schemas.microsoft.com/office/drawing/2014/main" id="{FABDF699-B267-921D-1033-4E5198B64942}"/>
+              </a:ext>
+            </a:extLst>
+          </p:cNvPr>
+          <p:cNvCxnSpPr>
+            <a:stCxn id="2" idx="1"/>
+          </p:cNvCxnSpPr>
+          <p:nvPr/>
+        </p:nvCxnSpPr>
+        <p:spPr>
+          <a:xfrm flipH="1">
+            <a:off x="2128596" y="5980727"/>
+            <a:ext cx="331467" cy="0"/>
+          </a:xfrm>
+          <a:prstGeom prst="straightConnector1">
+            <a:avLst/>
+          </a:prstGeom>
+          <a:ln>
+            <a:tailEnd type="triangle"/>
+          </a:ln>
+        </p:spPr>
+        <p:style>
+          <a:lnRef idx="1">
+            <a:schemeClr val="accent1"/>
+          </a:lnRef>
+          <a:fillRef idx="0">
+            <a:schemeClr val="accent1"/>
+          </a:fillRef>
+          <a:effectRef idx="0">
+            <a:schemeClr val="accent1"/>
+          </a:effectRef>
+          <a:fontRef idx="minor">
+            <a:schemeClr val="tx1"/>
+          </a:fontRef>
+        </p:style>
+      </p:cxnSp>
+      <p:cxnSp>
+        <p:nvCxnSpPr>
+          <p:cNvPr id="22" name="Straight Arrow Connector 21">
+            <a:extLst>
+              <a:ext uri="{FF2B5EF4-FFF2-40B4-BE49-F238E27FC236}">
+                <a16:creationId xmlns:a16="http://schemas.microsoft.com/office/drawing/2014/main" id="{E8AFA24D-A50E-8DED-F496-61A1C1439340}"/>
+              </a:ext>
+            </a:extLst>
+          </p:cNvPr>
+          <p:cNvCxnSpPr/>
+          <p:nvPr/>
+        </p:nvCxnSpPr>
+        <p:spPr>
+          <a:xfrm flipH="1">
+            <a:off x="3147082" y="5982561"/>
+            <a:ext cx="331467" cy="0"/>
+          </a:xfrm>
+          <a:prstGeom prst="straightConnector1">
+            <a:avLst/>
+          </a:prstGeom>
+          <a:ln>
+            <a:tailEnd type="triangle"/>
+          </a:ln>
+        </p:spPr>
+        <p:style>
+          <a:lnRef idx="1">
+            <a:schemeClr val="accent1"/>
+          </a:lnRef>
+          <a:fillRef idx="0">
+            <a:schemeClr val="accent1"/>
+          </a:fillRef>
+          <a:effectRef idx="0">
+            <a:schemeClr val="accent1"/>
+          </a:effectRef>
+          <a:fontRef idx="minor">
+            <a:schemeClr val="tx1"/>
+          </a:fontRef>
+        </p:style>
+      </p:cxnSp>
+      <p:cxnSp>
+        <p:nvCxnSpPr>
+          <p:cNvPr id="26" name="Straight Arrow Connector 25">
+            <a:extLst>
+              <a:ext uri="{FF2B5EF4-FFF2-40B4-BE49-F238E27FC236}">
+                <a16:creationId xmlns:a16="http://schemas.microsoft.com/office/drawing/2014/main" id="{A2F51A88-59AD-CA39-7592-350928213BDC}"/>
+              </a:ext>
+            </a:extLst>
+          </p:cNvPr>
+          <p:cNvCxnSpPr/>
+          <p:nvPr/>
+        </p:nvCxnSpPr>
+        <p:spPr>
+          <a:xfrm flipH="1">
+            <a:off x="4994163" y="5974770"/>
+            <a:ext cx="331467" cy="0"/>
+          </a:xfrm>
+          <a:prstGeom prst="straightConnector1">
+            <a:avLst/>
+          </a:prstGeom>
+          <a:ln>
+            <a:tailEnd type="triangle"/>
+          </a:ln>
+        </p:spPr>
+        <p:style>
+          <a:lnRef idx="1">
+            <a:schemeClr val="accent1"/>
+          </a:lnRef>
+          <a:fillRef idx="0">
+            <a:schemeClr val="accent1"/>
+          </a:fillRef>
+          <a:effectRef idx="0">
+            <a:schemeClr val="accent1"/>
+          </a:effectRef>
+          <a:fontRef idx="minor">
+            <a:schemeClr val="tx1"/>
+          </a:fontRef>
+        </p:style>
+      </p:cxnSp>
+      <p:cxnSp>
+        <p:nvCxnSpPr>
+          <p:cNvPr id="44" name="Straight Arrow Connector 43">
+            <a:extLst>
+              <a:ext uri="{FF2B5EF4-FFF2-40B4-BE49-F238E27FC236}">
+                <a16:creationId xmlns:a16="http://schemas.microsoft.com/office/drawing/2014/main" id="{E8A2A2DD-37F4-4D4C-5661-AB1714D7CC2A}"/>
+              </a:ext>
+            </a:extLst>
+          </p:cNvPr>
+          <p:cNvCxnSpPr/>
+          <p:nvPr/>
+        </p:nvCxnSpPr>
+        <p:spPr>
+          <a:xfrm flipH="1">
+            <a:off x="6077259" y="5982561"/>
+            <a:ext cx="331467" cy="0"/>
+          </a:xfrm>
+          <a:prstGeom prst="straightConnector1">
+            <a:avLst/>
+          </a:prstGeom>
+          <a:ln>
+            <a:tailEnd type="triangle"/>
+          </a:ln>
+        </p:spPr>
+        <p:style>
+          <a:lnRef idx="1">
+            <a:schemeClr val="accent1"/>
+          </a:lnRef>
+          <a:fillRef idx="0">
+            <a:schemeClr val="accent1"/>
+          </a:fillRef>
+          <a:effectRef idx="0">
+            <a:schemeClr val="accent1"/>
+          </a:effectRef>
+          <a:fontRef idx="minor">
+            <a:schemeClr val="tx1"/>
+          </a:fontRef>
+        </p:style>
+      </p:cxnSp>
+      <p:cxnSp>
+        <p:nvCxnSpPr>
+          <p:cNvPr id="48" name="Straight Arrow Connector 47">
+            <a:extLst>
+              <a:ext uri="{FF2B5EF4-FFF2-40B4-BE49-F238E27FC236}">
+                <a16:creationId xmlns:a16="http://schemas.microsoft.com/office/drawing/2014/main" id="{9486E5D0-F8D6-546F-5721-C03C461BAE27}"/>
+              </a:ext>
+            </a:extLst>
+          </p:cNvPr>
+          <p:cNvCxnSpPr/>
+          <p:nvPr/>
+        </p:nvCxnSpPr>
+        <p:spPr>
+          <a:xfrm flipH="1">
+            <a:off x="7129789" y="5982561"/>
+            <a:ext cx="331467" cy="0"/>
+          </a:xfrm>
+          <a:prstGeom prst="straightConnector1">
+            <a:avLst/>
+          </a:prstGeom>
+          <a:ln>
+            <a:tailEnd type="triangle"/>
+          </a:ln>
+        </p:spPr>
+        <p:style>
+          <a:lnRef idx="1">
+            <a:schemeClr val="accent1"/>
+          </a:lnRef>
+          <a:fillRef idx="0">
+            <a:schemeClr val="accent1"/>
+          </a:fillRef>
+          <a:effectRef idx="0">
+            <a:schemeClr val="accent1"/>
+          </a:effectRef>
+          <a:fontRef idx="minor">
+            <a:schemeClr val="tx1"/>
+          </a:fontRef>
+        </p:style>
+      </p:cxnSp>
+      <p:cxnSp>
+        <p:nvCxnSpPr>
+          <p:cNvPr id="50" name="Straight Arrow Connector 49">
+            <a:extLst>
+              <a:ext uri="{FF2B5EF4-FFF2-40B4-BE49-F238E27FC236}">
+                <a16:creationId xmlns:a16="http://schemas.microsoft.com/office/drawing/2014/main" id="{E9DE6784-3C8F-493A-6B77-B3EA13E47492}"/>
+              </a:ext>
+            </a:extLst>
+          </p:cNvPr>
+          <p:cNvCxnSpPr/>
+          <p:nvPr/>
+        </p:nvCxnSpPr>
+        <p:spPr>
+          <a:xfrm flipH="1">
+            <a:off x="8859380" y="5982561"/>
+            <a:ext cx="331467" cy="0"/>
+          </a:xfrm>
+          <a:prstGeom prst="straightConnector1">
+            <a:avLst/>
+          </a:prstGeom>
+          <a:ln>
+            <a:tailEnd type="triangle"/>
+          </a:ln>
+        </p:spPr>
+        <p:style>
+          <a:lnRef idx="1">
+            <a:schemeClr val="accent1"/>
+          </a:lnRef>
+          <a:fillRef idx="0">
+            <a:schemeClr val="accent1"/>
+          </a:fillRef>
+          <a:effectRef idx="0">
+            <a:schemeClr val="accent1"/>
+          </a:effectRef>
+          <a:fontRef idx="minor">
+            <a:schemeClr val="tx1"/>
+          </a:fontRef>
+        </p:style>
+      </p:cxnSp>
+      <p:cxnSp>
+        <p:nvCxnSpPr>
+          <p:cNvPr id="51" name="Straight Arrow Connector 50">
+            <a:extLst>
+              <a:ext uri="{FF2B5EF4-FFF2-40B4-BE49-F238E27FC236}">
+                <a16:creationId xmlns:a16="http://schemas.microsoft.com/office/drawing/2014/main" id="{8583A545-7D0A-8463-9B97-80B26FDEFC67}"/>
+              </a:ext>
+            </a:extLst>
+          </p:cNvPr>
+          <p:cNvCxnSpPr>
+            <a:cxnSpLocks/>
+          </p:cNvCxnSpPr>
+          <p:nvPr/>
+        </p:nvCxnSpPr>
+        <p:spPr>
+          <a:xfrm>
+            <a:off x="2786307" y="5982561"/>
+            <a:ext cx="335158" cy="0"/>
+          </a:xfrm>
+          <a:prstGeom prst="straightConnector1">
+            <a:avLst/>
+          </a:prstGeom>
+          <a:ln>
+            <a:tailEnd type="triangle"/>
+          </a:ln>
+        </p:spPr>
+        <p:style>
+          <a:lnRef idx="1">
+            <a:schemeClr val="accent1"/>
+          </a:lnRef>
+          <a:fillRef idx="0">
+            <a:schemeClr val="accent1"/>
+          </a:fillRef>
+          <a:effectRef idx="0">
+            <a:schemeClr val="accent1"/>
+          </a:effectRef>
+          <a:fontRef idx="minor">
+            <a:schemeClr val="tx1"/>
+          </a:fontRef>
+        </p:style>
+      </p:cxnSp>
+      <p:cxnSp>
+        <p:nvCxnSpPr>
+          <p:cNvPr id="58" name="Straight Arrow Connector 57">
+            <a:extLst>
+              <a:ext uri="{FF2B5EF4-FFF2-40B4-BE49-F238E27FC236}">
+                <a16:creationId xmlns:a16="http://schemas.microsoft.com/office/drawing/2014/main" id="{BF50A7F8-76B0-3A1C-85A7-E152632F494B}"/>
+              </a:ext>
+            </a:extLst>
+          </p:cNvPr>
+          <p:cNvCxnSpPr>
+            <a:cxnSpLocks/>
+          </p:cNvCxnSpPr>
+          <p:nvPr/>
+        </p:nvCxnSpPr>
+        <p:spPr>
+          <a:xfrm>
+            <a:off x="3910919" y="5986229"/>
+            <a:ext cx="335158" cy="0"/>
+          </a:xfrm>
+          <a:prstGeom prst="straightConnector1">
+            <a:avLst/>
+          </a:prstGeom>
+          <a:ln>
+            <a:tailEnd type="triangle"/>
+          </a:ln>
+        </p:spPr>
+        <p:style>
+          <a:lnRef idx="1">
+            <a:schemeClr val="accent1"/>
+          </a:lnRef>
+          <a:fillRef idx="0">
+            <a:schemeClr val="accent1"/>
+          </a:fillRef>
+          <a:effectRef idx="0">
+            <a:schemeClr val="accent1"/>
+          </a:effectRef>
+          <a:fontRef idx="minor">
+            <a:schemeClr val="tx1"/>
+          </a:fontRef>
+        </p:style>
+      </p:cxnSp>
+      <p:cxnSp>
+        <p:nvCxnSpPr>
+          <p:cNvPr id="59" name="Straight Arrow Connector 58">
+            <a:extLst>
+              <a:ext uri="{FF2B5EF4-FFF2-40B4-BE49-F238E27FC236}">
+                <a16:creationId xmlns:a16="http://schemas.microsoft.com/office/drawing/2014/main" id="{A70C9898-D448-EA1C-F608-56875AE0C305}"/>
+              </a:ext>
+            </a:extLst>
+          </p:cNvPr>
+          <p:cNvCxnSpPr>
+            <a:cxnSpLocks/>
+          </p:cNvCxnSpPr>
+          <p:nvPr/>
+        </p:nvCxnSpPr>
+        <p:spPr>
+          <a:xfrm>
+            <a:off x="5716765" y="5982561"/>
+            <a:ext cx="335158" cy="0"/>
+          </a:xfrm>
+          <a:prstGeom prst="straightConnector1">
+            <a:avLst/>
+          </a:prstGeom>
+          <a:ln>
+            <a:tailEnd type="triangle"/>
+          </a:ln>
+        </p:spPr>
+        <p:style>
+          <a:lnRef idx="1">
+            <a:schemeClr val="accent1"/>
+          </a:lnRef>
+          <a:fillRef idx="0">
+            <a:schemeClr val="accent1"/>
+          </a:fillRef>
+          <a:effectRef idx="0">
+            <a:schemeClr val="accent1"/>
+          </a:effectRef>
+          <a:fontRef idx="minor">
+            <a:schemeClr val="tx1"/>
+          </a:fontRef>
+        </p:style>
+      </p:cxnSp>
+      <p:cxnSp>
+        <p:nvCxnSpPr>
+          <p:cNvPr id="60" name="Straight Arrow Connector 59">
+            <a:extLst>
+              <a:ext uri="{FF2B5EF4-FFF2-40B4-BE49-F238E27FC236}">
+                <a16:creationId xmlns:a16="http://schemas.microsoft.com/office/drawing/2014/main" id="{961E3375-9222-3FB7-2B14-6C854551E444}"/>
+              </a:ext>
+            </a:extLst>
+          </p:cNvPr>
+          <p:cNvCxnSpPr>
+            <a:cxnSpLocks/>
+          </p:cNvCxnSpPr>
+          <p:nvPr/>
+        </p:nvCxnSpPr>
+        <p:spPr>
+          <a:xfrm>
+            <a:off x="6783368" y="5982561"/>
+            <a:ext cx="335158" cy="0"/>
+          </a:xfrm>
+          <a:prstGeom prst="straightConnector1">
+            <a:avLst/>
+          </a:prstGeom>
+          <a:ln>
+            <a:tailEnd type="triangle"/>
+          </a:ln>
+        </p:spPr>
+        <p:style>
+          <a:lnRef idx="1">
+            <a:schemeClr val="accent1"/>
+          </a:lnRef>
+          <a:fillRef idx="0">
+            <a:schemeClr val="accent1"/>
+          </a:fillRef>
+          <a:effectRef idx="0">
+            <a:schemeClr val="accent1"/>
+          </a:effectRef>
+          <a:fontRef idx="minor">
+            <a:schemeClr val="tx1"/>
+          </a:fontRef>
+        </p:style>
+      </p:cxnSp>
+      <p:cxnSp>
+        <p:nvCxnSpPr>
+          <p:cNvPr id="61" name="Straight Arrow Connector 60">
+            <a:extLst>
+              <a:ext uri="{FF2B5EF4-FFF2-40B4-BE49-F238E27FC236}">
+                <a16:creationId xmlns:a16="http://schemas.microsoft.com/office/drawing/2014/main" id="{9EC40D68-46C5-4388-A65B-A28AF784B1EB}"/>
+              </a:ext>
+            </a:extLst>
+          </p:cNvPr>
+          <p:cNvCxnSpPr>
+            <a:cxnSpLocks/>
+          </p:cNvCxnSpPr>
+          <p:nvPr/>
+        </p:nvCxnSpPr>
+        <p:spPr>
+          <a:xfrm>
+            <a:off x="9535310" y="5982561"/>
+            <a:ext cx="335158" cy="0"/>
+          </a:xfrm>
+          <a:prstGeom prst="straightConnector1">
+            <a:avLst/>
+          </a:prstGeom>
+          <a:ln>
+            <a:tailEnd type="triangle"/>
+          </a:ln>
+        </p:spPr>
+        <p:style>
+          <a:lnRef idx="1">
+            <a:schemeClr val="accent1"/>
+          </a:lnRef>
+          <a:fillRef idx="0">
+            <a:schemeClr val="accent1"/>
+          </a:fillRef>
+          <a:effectRef idx="0">
+            <a:schemeClr val="accent1"/>
+          </a:effectRef>
+          <a:fontRef idx="minor">
+            <a:schemeClr val="tx1"/>
+          </a:fontRef>
+        </p:style>
+      </p:cxnSp>
+      <p:cxnSp>
+        <p:nvCxnSpPr>
+          <p:cNvPr id="62" name="Straight Arrow Connector 61">
+            <a:extLst>
+              <a:ext uri="{FF2B5EF4-FFF2-40B4-BE49-F238E27FC236}">
+                <a16:creationId xmlns:a16="http://schemas.microsoft.com/office/drawing/2014/main" id="{4BE2618C-BD42-6822-9C99-07280DC1812B}"/>
+              </a:ext>
+            </a:extLst>
+          </p:cNvPr>
+          <p:cNvCxnSpPr>
+            <a:cxnSpLocks/>
+          </p:cNvCxnSpPr>
+          <p:nvPr/>
+        </p:nvCxnSpPr>
+        <p:spPr>
+          <a:xfrm>
+            <a:off x="7777632" y="5986229"/>
+            <a:ext cx="335158" cy="0"/>
+          </a:xfrm>
+          <a:prstGeom prst="straightConnector1">
+            <a:avLst/>
+          </a:prstGeom>
+          <a:ln>
+            <a:tailEnd type="triangle"/>
+          </a:ln>
+        </p:spPr>
+        <p:style>
+          <a:lnRef idx="1">
+            <a:schemeClr val="accent1"/>
+          </a:lnRef>
+          <a:fillRef idx="0">
+            <a:schemeClr val="accent1"/>
+          </a:fillRef>
+          <a:effectRef idx="0">
+            <a:schemeClr val="accent1"/>
+          </a:effectRef>
+          <a:fontRef idx="minor">
+            <a:schemeClr val="tx1"/>
+          </a:fontRef>
+        </p:style>
+      </p:cxnSp>
+      <p:grpSp>
+        <p:nvGrpSpPr>
+          <p:cNvPr id="79" name="Group 78">
+            <a:extLst>
+              <a:ext uri="{FF2B5EF4-FFF2-40B4-BE49-F238E27FC236}">
+                <a16:creationId xmlns:a16="http://schemas.microsoft.com/office/drawing/2014/main" id="{B760E906-08D3-2D5C-EA6B-46084A4E24BD}"/>
+              </a:ext>
+            </a:extLst>
+          </p:cNvPr>
+          <p:cNvGrpSpPr/>
+          <p:nvPr/>
+        </p:nvGrpSpPr>
+        <p:grpSpPr>
+          <a:xfrm rot="18490989">
+            <a:off x="9246616" y="2073170"/>
+            <a:ext cx="3449781" cy="0"/>
+            <a:chOff x="5273964" y="4692073"/>
+            <a:chExt cx="3449781" cy="0"/>
+          </a:xfrm>
+        </p:grpSpPr>
+        <p:cxnSp>
+          <p:nvCxnSpPr>
+            <p:cNvPr id="80" name="Straight Arrow Connector 79">
+              <a:extLst>
+                <a:ext uri="{FF2B5EF4-FFF2-40B4-BE49-F238E27FC236}">
+                  <a16:creationId xmlns:a16="http://schemas.microsoft.com/office/drawing/2014/main" id="{CABD8BED-1735-29FB-934F-177DF70F2DE6}"/>
+                </a:ext>
+              </a:extLst>
+            </p:cNvPr>
+            <p:cNvCxnSpPr/>
+            <p:nvPr/>
+          </p:nvCxnSpPr>
+          <p:spPr>
+            <a:xfrm>
+              <a:off x="5273964" y="4692073"/>
+              <a:ext cx="1764145" cy="0"/>
+            </a:xfrm>
+            <a:prstGeom prst="straightConnector1">
+              <a:avLst/>
+            </a:prstGeom>
+            <a:ln w="47625">
+              <a:tailEnd type="triangle"/>
+            </a:ln>
+          </p:spPr>
+          <p:style>
+            <a:lnRef idx="1">
+              <a:schemeClr val="accent1"/>
+            </a:lnRef>
+            <a:fillRef idx="0">
+              <a:schemeClr val="accent1"/>
+            </a:fillRef>
+            <a:effectRef idx="0">
+              <a:schemeClr val="accent1"/>
+            </a:effectRef>
+            <a:fontRef idx="minor">
+              <a:schemeClr val="tx1"/>
+            </a:fontRef>
+          </p:style>
+        </p:cxnSp>
+        <p:cxnSp>
+          <p:nvCxnSpPr>
+            <p:cNvPr id="81" name="Straight Arrow Connector 80">
+              <a:extLst>
+                <a:ext uri="{FF2B5EF4-FFF2-40B4-BE49-F238E27FC236}">
+                  <a16:creationId xmlns:a16="http://schemas.microsoft.com/office/drawing/2014/main" id="{51A1943B-87AE-1F17-0E11-63FF6BADCB73}"/>
+                </a:ext>
+              </a:extLst>
+            </p:cNvPr>
+            <p:cNvCxnSpPr/>
+            <p:nvPr/>
+          </p:nvCxnSpPr>
+          <p:spPr>
+            <a:xfrm>
+              <a:off x="6959600" y="4692073"/>
+              <a:ext cx="1764145" cy="0"/>
+            </a:xfrm>
+            <a:prstGeom prst="straightConnector1">
+              <a:avLst/>
+            </a:prstGeom>
+            <a:ln w="47625">
+              <a:tailEnd type="none"/>
+            </a:ln>
+          </p:spPr>
+          <p:style>
+            <a:lnRef idx="1">
+              <a:schemeClr val="accent1"/>
+            </a:lnRef>
+            <a:fillRef idx="0">
+              <a:schemeClr val="accent1"/>
+            </a:fillRef>
+            <a:effectRef idx="0">
+              <a:schemeClr val="accent1"/>
+            </a:effectRef>
+            <a:fontRef idx="minor">
+              <a:schemeClr val="tx1"/>
+            </a:fontRef>
+          </p:style>
+        </p:cxnSp>
+      </p:grpSp>
+      <p:sp>
+        <p:nvSpPr>
+          <p:cNvPr id="82" name="TextBox 81">
+            <a:extLst>
+              <a:ext uri="{FF2B5EF4-FFF2-40B4-BE49-F238E27FC236}">
+                <a16:creationId xmlns:a16="http://schemas.microsoft.com/office/drawing/2014/main" id="{6564F8B6-2A1A-F089-3222-89F2E52DFE8A}"/>
+              </a:ext>
+            </a:extLst>
+          </p:cNvPr>
+          <p:cNvSpPr txBox="1"/>
+          <p:nvPr/>
+        </p:nvSpPr>
+        <p:spPr>
+          <a:xfrm rot="18442631">
+            <a:off x="10827215" y="1555543"/>
+            <a:ext cx="1349535" cy="369332"/>
+          </a:xfrm>
+          <a:prstGeom prst="rect">
+            <a:avLst/>
+          </a:prstGeom>
+          <a:noFill/>
+        </p:spPr>
+        <p:txBody>
+          <a:bodyPr wrap="square">
+            <a:spAutoFit/>
+          </a:bodyPr>
+          <a:lstStyle/>
+          <a:p>
+            <a:r>
+              <a:rPr lang="en-GB" dirty="0"/>
+              <a:t>Transmitted</a:t>
+            </a:r>
+          </a:p>
+        </p:txBody>
+      </p:sp>
+      <mc:AlternateContent xmlns:mc="http://schemas.openxmlformats.org/markup-compatibility/2006" xmlns:a14="http://schemas.microsoft.com/office/drawing/2010/main">
+        <mc:Choice Requires="a14">
+          <p:sp>
+            <p:nvSpPr>
+              <p:cNvPr id="83" name="Rectangle: Rounded Corners 82">
+                <a:extLst>
+                  <a:ext uri="{FF2B5EF4-FFF2-40B4-BE49-F238E27FC236}">
+                    <a16:creationId xmlns:a16="http://schemas.microsoft.com/office/drawing/2014/main" id="{8F09C48D-6778-32B9-464A-42D1C515870F}"/>
+                  </a:ext>
+                </a:extLst>
+              </p:cNvPr>
+              <p:cNvSpPr/>
+              <p:nvPr/>
+            </p:nvSpPr>
+            <p:spPr>
+              <a:xfrm>
+                <a:off x="10630406" y="2644664"/>
+                <a:ext cx="814098" cy="1801577"/>
+              </a:xfrm>
+              <a:prstGeom prst="roundRect">
+                <a:avLst/>
+              </a:prstGeom>
+            </p:spPr>
+            <p:style>
+              <a:lnRef idx="2">
+                <a:schemeClr val="accent2">
+                  <a:shade val="15000"/>
+                </a:schemeClr>
+              </a:lnRef>
+              <a:fillRef idx="1">
+                <a:schemeClr val="accent2"/>
+              </a:fillRef>
+              <a:effectRef idx="0">
+                <a:schemeClr val="accent2"/>
+              </a:effectRef>
+              <a:fontRef idx="minor">
+                <a:schemeClr val="lt1"/>
+              </a:fontRef>
+            </p:style>
+            <p:txBody>
+              <a:bodyPr rtlCol="0" anchor="ctr"/>
+              <a:lstStyle/>
+              <a:p>
+                <a:pPr algn="ctr"/>
+                <a14:m>
+                  <m:oMathPara xmlns:m="http://schemas.openxmlformats.org/officeDocument/2006/math">
+                    <m:oMathParaPr>
+                      <m:jc m:val="centerGroup"/>
+                    </m:oMathParaPr>
+                    <m:oMath xmlns:m="http://schemas.openxmlformats.org/officeDocument/2006/math">
+                      <m:sSubSup>
+                        <m:sSubSupPr>
+                          <m:ctrlPr>
+                            <a:rPr lang="en-GB" b="0" i="1" smtClean="0">
+                              <a:latin typeface="Cambria Math" panose="02040503050406030204" pitchFamily="18" charset="0"/>
+                            </a:rPr>
+                          </m:ctrlPr>
+                        </m:sSubSupPr>
+                        <m:e>
+                          <m:r>
+                            <a:rPr lang="en-GB" b="0" i="1" smtClean="0">
+                              <a:latin typeface="Cambria Math" panose="02040503050406030204" pitchFamily="18" charset="0"/>
+                            </a:rPr>
+                            <m:t>𝐸</m:t>
+                          </m:r>
+                        </m:e>
+                        <m:sub>
+                          <m:r>
+                            <a:rPr lang="en-GB" b="0" i="1" smtClean="0">
+                              <a:latin typeface="Cambria Math" panose="02040503050406030204" pitchFamily="18" charset="0"/>
+                            </a:rPr>
+                            <m:t>𝑝</m:t>
+                          </m:r>
+                        </m:sub>
+                        <m:sup>
+                          <m:r>
+                            <a:rPr lang="en-GB" b="0" i="1" smtClean="0">
+                              <a:latin typeface="Cambria Math" panose="02040503050406030204" pitchFamily="18" charset="0"/>
+                            </a:rPr>
+                            <m:t>+</m:t>
+                          </m:r>
+                        </m:sup>
+                      </m:sSubSup>
+                    </m:oMath>
+                  </m:oMathPara>
+                </a14:m>
+                <a:endParaRPr lang="en-GB" b="0" dirty="0"/>
+              </a:p>
+              <a:p>
+                <a:pPr algn="ctr"/>
+                <a14:m>
+                  <m:oMathPara xmlns:m="http://schemas.openxmlformats.org/officeDocument/2006/math">
+                    <m:oMathParaPr>
+                      <m:jc m:val="centerGroup"/>
+                    </m:oMathParaPr>
+                    <m:oMath xmlns:m="http://schemas.openxmlformats.org/officeDocument/2006/math">
+                      <m:sSubSup>
+                        <m:sSubSupPr>
+                          <m:ctrlPr>
+                            <a:rPr lang="en-GB" b="0" i="1" smtClean="0">
+                              <a:latin typeface="Cambria Math" panose="02040503050406030204" pitchFamily="18" charset="0"/>
+                            </a:rPr>
+                          </m:ctrlPr>
+                        </m:sSubSupPr>
+                        <m:e>
+                          <m:r>
+                            <a:rPr lang="en-GB" b="0" i="1" smtClean="0">
+                              <a:latin typeface="Cambria Math" panose="02040503050406030204" pitchFamily="18" charset="0"/>
+                            </a:rPr>
+                            <m:t>𝐸</m:t>
+                          </m:r>
+                        </m:e>
+                        <m:sub>
+                          <m:r>
+                            <a:rPr lang="en-GB" b="0" i="1" smtClean="0">
+                              <a:latin typeface="Cambria Math" panose="02040503050406030204" pitchFamily="18" charset="0"/>
+                            </a:rPr>
+                            <m:t>𝑠</m:t>
+                          </m:r>
+                        </m:sub>
+                        <m:sup>
+                          <m:r>
+                            <a:rPr lang="en-GB" b="0" i="1" smtClean="0">
+                              <a:latin typeface="Cambria Math" panose="02040503050406030204" pitchFamily="18" charset="0"/>
+                            </a:rPr>
+                            <m:t>+</m:t>
+                          </m:r>
+                        </m:sup>
+                      </m:sSubSup>
+                    </m:oMath>
+                  </m:oMathPara>
+                </a14:m>
+                <a:endParaRPr lang="en-GB" b="0" dirty="0"/>
+              </a:p>
+              <a:p>
+                <a:pPr algn="ctr"/>
+                <a:r>
+                  <a:rPr lang="en-GB" dirty="0"/>
+                  <a:t>0</a:t>
+                </a:r>
+              </a:p>
+              <a:p>
+                <a:pPr algn="ctr"/>
+                <a:r>
+                  <a:rPr lang="en-GB" dirty="0"/>
+                  <a:t>0</a:t>
+                </a:r>
+              </a:p>
+            </p:txBody>
+          </p:sp>
+        </mc:Choice>
+        <mc:Fallback xmlns="">
+          <p:sp>
+            <p:nvSpPr>
+              <p:cNvPr id="83" name="Rectangle: Rounded Corners 82">
+                <a:extLst>
+                  <a:ext uri="{FF2B5EF4-FFF2-40B4-BE49-F238E27FC236}">
+                    <a16:creationId xmlns:a16="http://schemas.microsoft.com/office/drawing/2014/main" id="{8F09C48D-6778-32B9-464A-42D1C515870F}"/>
+                  </a:ext>
+                </a:extLst>
+              </p:cNvPr>
+              <p:cNvSpPr>
+                <a:spLocks noRot="1" noChangeAspect="1" noMove="1" noResize="1" noEditPoints="1" noAdjustHandles="1" noChangeArrowheads="1" noChangeShapeType="1" noTextEdit="1"/>
+              </p:cNvSpPr>
+              <p:nvPr/>
+            </p:nvSpPr>
+            <p:spPr>
+              <a:xfrm>
+                <a:off x="10630406" y="2644664"/>
+                <a:ext cx="814098" cy="1801577"/>
+              </a:xfrm>
+              <a:prstGeom prst="roundRect">
+                <a:avLst/>
+              </a:prstGeom>
+              <a:blipFill>
+                <a:blip r:embed="rId2"/>
+                <a:stretch>
+                  <a:fillRect/>
+                </a:stretch>
+              </a:blipFill>
+            </p:spPr>
+            <p:txBody>
+              <a:bodyPr/>
+              <a:lstStyle/>
+              <a:p>
+                <a:r>
+                  <a:rPr lang="en-GB">
+                    <a:noFill/>
+                  </a:rPr>
+                  <a:t> </a:t>
+                </a:r>
+              </a:p>
+            </p:txBody>
+          </p:sp>
+        </mc:Fallback>
+      </mc:AlternateContent>
+      <mc:AlternateContent xmlns:mc="http://schemas.openxmlformats.org/markup-compatibility/2006" xmlns:a14="http://schemas.microsoft.com/office/drawing/2010/main">
+        <mc:Choice Requires="a14">
+          <p:sp>
+            <p:nvSpPr>
+              <p:cNvPr id="84" name="Rectangle: Rounded Corners 83">
+                <a:extLst>
+                  <a:ext uri="{FF2B5EF4-FFF2-40B4-BE49-F238E27FC236}">
+                    <a16:creationId xmlns:a16="http://schemas.microsoft.com/office/drawing/2014/main" id="{0A57833D-9670-C90B-BA02-1A11CBEEDA99}"/>
+                  </a:ext>
+                </a:extLst>
+              </p:cNvPr>
+              <p:cNvSpPr/>
+              <p:nvPr/>
+            </p:nvSpPr>
+            <p:spPr>
+              <a:xfrm>
+                <a:off x="147199" y="2679516"/>
+                <a:ext cx="814098" cy="1801577"/>
+              </a:xfrm>
+              <a:prstGeom prst="roundRect">
+                <a:avLst/>
+              </a:prstGeom>
+            </p:spPr>
+            <p:style>
+              <a:lnRef idx="2">
+                <a:schemeClr val="accent2">
+                  <a:shade val="15000"/>
+                </a:schemeClr>
+              </a:lnRef>
+              <a:fillRef idx="1">
+                <a:schemeClr val="accent2"/>
+              </a:fillRef>
+              <a:effectRef idx="0">
+                <a:schemeClr val="accent2"/>
+              </a:effectRef>
+              <a:fontRef idx="minor">
+                <a:schemeClr val="lt1"/>
+              </a:fontRef>
+            </p:style>
+            <p:txBody>
+              <a:bodyPr rtlCol="0" anchor="ctr"/>
+              <a:lstStyle/>
+              <a:p>
+                <a:pPr algn="ctr"/>
+                <a14:m>
+                  <m:oMathPara xmlns:m="http://schemas.openxmlformats.org/officeDocument/2006/math">
+                    <m:oMathParaPr>
+                      <m:jc m:val="centerGroup"/>
+                    </m:oMathParaPr>
+                    <m:oMath xmlns:m="http://schemas.openxmlformats.org/officeDocument/2006/math">
+                      <m:sSubSup>
+                        <m:sSubSupPr>
+                          <m:ctrlPr>
+                            <a:rPr lang="en-GB" b="0" i="1" smtClean="0">
+                              <a:latin typeface="Cambria Math" panose="02040503050406030204" pitchFamily="18" charset="0"/>
+                            </a:rPr>
+                          </m:ctrlPr>
+                        </m:sSubSupPr>
+                        <m:e>
+                          <m:r>
+                            <a:rPr lang="en-GB" b="0" i="1" smtClean="0">
+                              <a:latin typeface="Cambria Math" panose="02040503050406030204" pitchFamily="18" charset="0"/>
+                            </a:rPr>
+                            <m:t>𝐸</m:t>
+                          </m:r>
+                        </m:e>
+                        <m:sub>
+                          <m:r>
+                            <a:rPr lang="en-GB" b="0" i="1" smtClean="0">
+                              <a:latin typeface="Cambria Math" panose="02040503050406030204" pitchFamily="18" charset="0"/>
+                            </a:rPr>
+                            <m:t>𝑝</m:t>
+                          </m:r>
+                        </m:sub>
+                        <m:sup>
+                          <m:r>
+                            <a:rPr lang="en-GB" b="0" i="1" smtClean="0">
+                              <a:latin typeface="Cambria Math" panose="02040503050406030204" pitchFamily="18" charset="0"/>
+                            </a:rPr>
+                            <m:t>+</m:t>
+                          </m:r>
+                        </m:sup>
+                      </m:sSubSup>
+                    </m:oMath>
+                  </m:oMathPara>
+                </a14:m>
+                <a:endParaRPr lang="en-GB" b="0" dirty="0"/>
+              </a:p>
+              <a:p>
+                <a:pPr algn="ctr"/>
+                <a14:m>
+                  <m:oMathPara xmlns:m="http://schemas.openxmlformats.org/officeDocument/2006/math">
+                    <m:oMathParaPr>
+                      <m:jc m:val="centerGroup"/>
+                    </m:oMathParaPr>
+                    <m:oMath xmlns:m="http://schemas.openxmlformats.org/officeDocument/2006/math">
+                      <m:sSubSup>
+                        <m:sSubSupPr>
+                          <m:ctrlPr>
+                            <a:rPr lang="en-GB" b="0" i="1" smtClean="0">
+                              <a:latin typeface="Cambria Math" panose="02040503050406030204" pitchFamily="18" charset="0"/>
+                            </a:rPr>
+                          </m:ctrlPr>
+                        </m:sSubSupPr>
+                        <m:e>
+                          <m:r>
+                            <a:rPr lang="en-GB" b="0" i="1" smtClean="0">
+                              <a:latin typeface="Cambria Math" panose="02040503050406030204" pitchFamily="18" charset="0"/>
+                            </a:rPr>
+                            <m:t>𝐸</m:t>
+                          </m:r>
+                        </m:e>
+                        <m:sub>
+                          <m:r>
+                            <a:rPr lang="en-GB" b="0" i="1" smtClean="0">
+                              <a:latin typeface="Cambria Math" panose="02040503050406030204" pitchFamily="18" charset="0"/>
+                            </a:rPr>
+                            <m:t>𝑠</m:t>
+                          </m:r>
+                        </m:sub>
+                        <m:sup>
+                          <m:r>
+                            <a:rPr lang="en-GB" b="0" i="1" smtClean="0">
+                              <a:latin typeface="Cambria Math" panose="02040503050406030204" pitchFamily="18" charset="0"/>
+                            </a:rPr>
+                            <m:t>+</m:t>
+                          </m:r>
+                        </m:sup>
+                      </m:sSubSup>
+                    </m:oMath>
+                  </m:oMathPara>
+                </a14:m>
+                <a:endParaRPr lang="en-GB" b="0" dirty="0"/>
+              </a:p>
+              <a:p>
+                <a:pPr algn="ctr"/>
+                <a14:m>
+                  <m:oMathPara xmlns:m="http://schemas.openxmlformats.org/officeDocument/2006/math">
+                    <m:oMathParaPr>
+                      <m:jc m:val="centerGroup"/>
+                    </m:oMathParaPr>
+                    <m:oMath xmlns:m="http://schemas.openxmlformats.org/officeDocument/2006/math">
+                      <m:sSubSup>
+                        <m:sSubSupPr>
+                          <m:ctrlPr>
+                            <a:rPr lang="en-GB" b="0" i="1" smtClean="0">
+                              <a:latin typeface="Cambria Math" panose="02040503050406030204" pitchFamily="18" charset="0"/>
+                            </a:rPr>
+                          </m:ctrlPr>
+                        </m:sSubSupPr>
+                        <m:e>
+                          <m:r>
+                            <a:rPr lang="en-GB" b="0" i="1" smtClean="0">
+                              <a:latin typeface="Cambria Math" panose="02040503050406030204" pitchFamily="18" charset="0"/>
+                            </a:rPr>
+                            <m:t>𝐸</m:t>
+                          </m:r>
+                        </m:e>
+                        <m:sub>
+                          <m:r>
+                            <a:rPr lang="en-GB" b="0" i="1" smtClean="0">
+                              <a:latin typeface="Cambria Math" panose="02040503050406030204" pitchFamily="18" charset="0"/>
+                            </a:rPr>
+                            <m:t>𝑝</m:t>
+                          </m:r>
+                        </m:sub>
+                        <m:sup>
+                          <m:r>
+                            <a:rPr lang="en-GB" b="0" i="1" smtClean="0">
+                              <a:latin typeface="Cambria Math" panose="02040503050406030204" pitchFamily="18" charset="0"/>
+                            </a:rPr>
+                            <m:t>−</m:t>
+                          </m:r>
+                        </m:sup>
+                      </m:sSubSup>
+                    </m:oMath>
+                  </m:oMathPara>
+                </a14:m>
+                <a:endParaRPr lang="en-GB" dirty="0"/>
+              </a:p>
+              <a:p>
+                <a:pPr algn="ctr"/>
+                <a14:m>
+                  <m:oMathPara xmlns:m="http://schemas.openxmlformats.org/officeDocument/2006/math">
+                    <m:oMathParaPr>
+                      <m:jc m:val="centerGroup"/>
+                    </m:oMathParaPr>
+                    <m:oMath xmlns:m="http://schemas.openxmlformats.org/officeDocument/2006/math">
+                      <m:sSubSup>
+                        <m:sSubSupPr>
+                          <m:ctrlPr>
+                            <a:rPr lang="en-GB" b="0" i="1" smtClean="0">
+                              <a:latin typeface="Cambria Math" panose="02040503050406030204" pitchFamily="18" charset="0"/>
+                            </a:rPr>
+                          </m:ctrlPr>
+                        </m:sSubSupPr>
+                        <m:e>
+                          <m:r>
+                            <a:rPr lang="en-GB" b="0" i="1" smtClean="0">
+                              <a:latin typeface="Cambria Math" panose="02040503050406030204" pitchFamily="18" charset="0"/>
+                            </a:rPr>
+                            <m:t>𝐸</m:t>
+                          </m:r>
+                        </m:e>
+                        <m:sub>
+                          <m:r>
+                            <a:rPr lang="en-GB" b="0" i="1" smtClean="0">
+                              <a:latin typeface="Cambria Math" panose="02040503050406030204" pitchFamily="18" charset="0"/>
+                            </a:rPr>
+                            <m:t>𝑠</m:t>
+                          </m:r>
+                        </m:sub>
+                        <m:sup>
+                          <m:r>
+                            <a:rPr lang="en-GB" b="0" i="1" smtClean="0">
+                              <a:latin typeface="Cambria Math" panose="02040503050406030204" pitchFamily="18" charset="0"/>
+                            </a:rPr>
+                            <m:t>−</m:t>
+                          </m:r>
+                        </m:sup>
+                      </m:sSubSup>
+                    </m:oMath>
+                  </m:oMathPara>
+                </a14:m>
+                <a:endParaRPr lang="en-GB" dirty="0"/>
+              </a:p>
+            </p:txBody>
+          </p:sp>
+        </mc:Choice>
+        <mc:Fallback xmlns="">
+          <p:sp>
+            <p:nvSpPr>
+              <p:cNvPr id="84" name="Rectangle: Rounded Corners 83">
+                <a:extLst>
+                  <a:ext uri="{FF2B5EF4-FFF2-40B4-BE49-F238E27FC236}">
+                    <a16:creationId xmlns:a16="http://schemas.microsoft.com/office/drawing/2014/main" id="{0A57833D-9670-C90B-BA02-1A11CBEEDA99}"/>
+                  </a:ext>
+                </a:extLst>
+              </p:cNvPr>
+              <p:cNvSpPr>
+                <a:spLocks noRot="1" noChangeAspect="1" noMove="1" noResize="1" noEditPoints="1" noAdjustHandles="1" noChangeArrowheads="1" noChangeShapeType="1" noTextEdit="1"/>
+              </p:cNvSpPr>
+              <p:nvPr/>
+            </p:nvSpPr>
+            <p:spPr>
+              <a:xfrm>
+                <a:off x="147199" y="2679516"/>
+                <a:ext cx="814098" cy="1801577"/>
+              </a:xfrm>
+              <a:prstGeom prst="roundRect">
+                <a:avLst/>
+              </a:prstGeom>
+              <a:blipFill>
+                <a:blip r:embed="rId3"/>
+                <a:stretch>
+                  <a:fillRect/>
+                </a:stretch>
+              </a:blipFill>
+            </p:spPr>
+            <p:txBody>
+              <a:bodyPr/>
+              <a:lstStyle/>
+              <a:p>
+                <a:r>
+                  <a:rPr lang="en-GB">
+                    <a:noFill/>
+                  </a:rPr>
+                  <a:t> </a:t>
+                </a:r>
+              </a:p>
+            </p:txBody>
+          </p:sp>
+        </mc:Fallback>
+      </mc:AlternateContent>
+      <p:sp>
+        <p:nvSpPr>
+          <p:cNvPr id="85" name="TextBox 84">
+            <a:extLst>
+              <a:ext uri="{FF2B5EF4-FFF2-40B4-BE49-F238E27FC236}">
+                <a16:creationId xmlns:a16="http://schemas.microsoft.com/office/drawing/2014/main" id="{FBC2E278-DA25-B683-8858-0DB2B92B952E}"/>
+              </a:ext>
+            </a:extLst>
+          </p:cNvPr>
+          <p:cNvSpPr txBox="1"/>
+          <p:nvPr/>
+        </p:nvSpPr>
+        <p:spPr>
+          <a:xfrm>
+            <a:off x="-105705" y="4677728"/>
+            <a:ext cx="1331903" cy="369332"/>
+          </a:xfrm>
+          <a:prstGeom prst="rect">
+            <a:avLst/>
+          </a:prstGeom>
+          <a:noFill/>
+        </p:spPr>
+        <p:txBody>
+          <a:bodyPr wrap="none" rtlCol="0">
+            <a:spAutoFit/>
+          </a:bodyPr>
+          <a:lstStyle/>
+          <a:p>
+            <a:r>
+              <a:rPr lang="en-GB" dirty="0" err="1"/>
+              <a:t>Supermatrix</a:t>
+            </a:r>
+            <a:endParaRPr lang="en-GB" dirty="0"/>
+          </a:p>
+        </p:txBody>
+      </p:sp>
+      <p:sp>
+        <p:nvSpPr>
+          <p:cNvPr id="86" name="TextBox 85">
+            <a:extLst>
+              <a:ext uri="{FF2B5EF4-FFF2-40B4-BE49-F238E27FC236}">
+                <a16:creationId xmlns:a16="http://schemas.microsoft.com/office/drawing/2014/main" id="{5BF78BA9-9B71-F5FC-3E43-9862277DF263}"/>
+              </a:ext>
+            </a:extLst>
+          </p:cNvPr>
+          <p:cNvSpPr txBox="1"/>
+          <p:nvPr/>
+        </p:nvSpPr>
+        <p:spPr>
+          <a:xfrm>
+            <a:off x="10455662" y="4671691"/>
+            <a:ext cx="1136337" cy="369332"/>
+          </a:xfrm>
+          <a:prstGeom prst="rect">
+            <a:avLst/>
+          </a:prstGeom>
+          <a:noFill/>
+        </p:spPr>
+        <p:txBody>
+          <a:bodyPr wrap="none" rtlCol="0">
+            <a:spAutoFit/>
+          </a:bodyPr>
+          <a:lstStyle/>
+          <a:p>
+            <a:r>
+              <a:rPr lang="en-GB" dirty="0"/>
+              <a:t>Submatrix</a:t>
+            </a:r>
+          </a:p>
+        </p:txBody>
+      </p:sp>
+      <mc:AlternateContent xmlns:mc="http://schemas.openxmlformats.org/markup-compatibility/2006" xmlns:a14="http://schemas.microsoft.com/office/drawing/2010/main">
+        <mc:Choice Requires="a14">
+          <p:sp>
+            <p:nvSpPr>
+              <p:cNvPr id="88" name="Oval 87">
+                <a:extLst>
+                  <a:ext uri="{FF2B5EF4-FFF2-40B4-BE49-F238E27FC236}">
+                    <a16:creationId xmlns:a16="http://schemas.microsoft.com/office/drawing/2014/main" id="{96A52B86-CB28-D18B-6BD2-F42C9317D5CB}"/>
+                  </a:ext>
+                </a:extLst>
+              </p:cNvPr>
+              <p:cNvSpPr/>
+              <p:nvPr/>
+            </p:nvSpPr>
+            <p:spPr>
+              <a:xfrm>
+                <a:off x="1763965" y="5041023"/>
+                <a:ext cx="619162" cy="626615"/>
+              </a:xfrm>
+              <a:prstGeom prst="ellipse">
+                <a:avLst/>
+              </a:prstGeom>
+            </p:spPr>
+            <p:style>
+              <a:lnRef idx="2">
+                <a:schemeClr val="accent1">
+                  <a:shade val="15000"/>
+                </a:schemeClr>
+              </a:lnRef>
+              <a:fillRef idx="1">
+                <a:schemeClr val="accent1"/>
+              </a:fillRef>
+              <a:effectRef idx="0">
+                <a:schemeClr val="accent1"/>
+              </a:effectRef>
+              <a:fontRef idx="minor">
+                <a:schemeClr val="lt1"/>
+              </a:fontRef>
+            </p:style>
+            <p:txBody>
+              <a:bodyPr rtlCol="0" anchor="ctr"/>
+              <a:lstStyle/>
+              <a:p>
+                <a:pPr/>
+                <a14:m>
+                  <m:oMathPara xmlns:m="http://schemas.openxmlformats.org/officeDocument/2006/math">
+                    <m:oMathParaPr>
+                      <m:jc m:val="centerGroup"/>
+                    </m:oMathParaPr>
+                    <m:oMath xmlns:m="http://schemas.openxmlformats.org/officeDocument/2006/math">
+                      <m:sSub>
+                        <m:sSubPr>
+                          <m:ctrlPr>
+                            <a:rPr lang="en-GB" sz="1800" b="0" i="1" smtClean="0">
+                              <a:latin typeface="Cambria Math" panose="02040503050406030204" pitchFamily="18" charset="0"/>
+                            </a:rPr>
+                          </m:ctrlPr>
+                        </m:sSubPr>
+                        <m:e>
+                          <m:acc>
+                            <m:accPr>
+                              <m:chr m:val="̅"/>
+                              <m:ctrlPr>
+                                <a:rPr lang="en-GB" sz="1800" b="0" i="1" smtClean="0">
+                                  <a:latin typeface="Cambria Math" panose="02040503050406030204" pitchFamily="18" charset="0"/>
+                                </a:rPr>
+                              </m:ctrlPr>
+                            </m:accPr>
+                            <m:e>
+                              <m:r>
+                                <a:rPr lang="en-GB" sz="1800" b="0" i="1" smtClean="0">
+                                  <a:latin typeface="Cambria Math" panose="02040503050406030204" pitchFamily="18" charset="0"/>
+                                  <a:ea typeface="Cambria Math" panose="02040503050406030204" pitchFamily="18" charset="0"/>
+                                </a:rPr>
+                                <m:t>𝜓</m:t>
+                              </m:r>
+                            </m:e>
+                          </m:acc>
+                        </m:e>
+                        <m:sub>
+                          <m:r>
+                            <a:rPr lang="en-GB" sz="1800" b="0" i="1" smtClean="0">
+                              <a:latin typeface="Cambria Math" panose="02040503050406030204" pitchFamily="18" charset="0"/>
+                              <a:ea typeface="Cambria Math" panose="02040503050406030204" pitchFamily="18" charset="0"/>
+                            </a:rPr>
+                            <m:t>1</m:t>
+                          </m:r>
+                        </m:sub>
+                      </m:sSub>
+                    </m:oMath>
+                  </m:oMathPara>
+                </a14:m>
+                <a:endParaRPr lang="el-GR" sz="1800" b="1" baseline="-25000" dirty="0">
+                  <a:latin typeface="MS Shell Dlg 2" panose="020B0604030504040204" pitchFamily="34" charset="0"/>
+                </a:endParaRPr>
+              </a:p>
+            </p:txBody>
+          </p:sp>
+        </mc:Choice>
+        <mc:Fallback xmlns="">
+          <p:sp>
+            <p:nvSpPr>
+              <p:cNvPr id="88" name="Oval 87">
+                <a:extLst>
+                  <a:ext uri="{FF2B5EF4-FFF2-40B4-BE49-F238E27FC236}">
+                    <a16:creationId xmlns:a16="http://schemas.microsoft.com/office/drawing/2014/main" id="{96A52B86-CB28-D18B-6BD2-F42C9317D5CB}"/>
+                  </a:ext>
+                </a:extLst>
+              </p:cNvPr>
+              <p:cNvSpPr>
+                <a:spLocks noRot="1" noChangeAspect="1" noMove="1" noResize="1" noEditPoints="1" noAdjustHandles="1" noChangeArrowheads="1" noChangeShapeType="1" noTextEdit="1"/>
+              </p:cNvSpPr>
+              <p:nvPr/>
+            </p:nvSpPr>
+            <p:spPr>
+              <a:xfrm>
+                <a:off x="1763965" y="5041023"/>
+                <a:ext cx="619162" cy="626615"/>
+              </a:xfrm>
+              <a:prstGeom prst="ellipse">
+                <a:avLst/>
+              </a:prstGeom>
+              <a:blipFill>
+                <a:blip r:embed="rId4"/>
+                <a:stretch>
+                  <a:fillRect/>
+                </a:stretch>
+              </a:blipFill>
+            </p:spPr>
+            <p:txBody>
+              <a:bodyPr/>
+              <a:lstStyle/>
+              <a:p>
+                <a:r>
+                  <a:rPr lang="en-GB">
+                    <a:noFill/>
+                  </a:rPr>
+                  <a:t> </a:t>
+                </a:r>
+              </a:p>
+            </p:txBody>
+          </p:sp>
+        </mc:Fallback>
+      </mc:AlternateContent>
+      <mc:AlternateContent xmlns:mc="http://schemas.openxmlformats.org/markup-compatibility/2006" xmlns:a14="http://schemas.microsoft.com/office/drawing/2010/main">
+        <mc:Choice Requires="a14">
+          <p:sp>
+            <p:nvSpPr>
+              <p:cNvPr id="89" name="Oval 88">
+                <a:extLst>
+                  <a:ext uri="{FF2B5EF4-FFF2-40B4-BE49-F238E27FC236}">
+                    <a16:creationId xmlns:a16="http://schemas.microsoft.com/office/drawing/2014/main" id="{7A88E250-FF49-88E5-BB7C-186A09F325C0}"/>
+                  </a:ext>
+                </a:extLst>
+              </p:cNvPr>
+              <p:cNvSpPr/>
+              <p:nvPr/>
+            </p:nvSpPr>
+            <p:spPr>
+              <a:xfrm>
+                <a:off x="2856809" y="5041023"/>
+                <a:ext cx="619162" cy="626615"/>
+              </a:xfrm>
+              <a:prstGeom prst="ellipse">
+                <a:avLst/>
+              </a:prstGeom>
+            </p:spPr>
+            <p:style>
+              <a:lnRef idx="2">
+                <a:schemeClr val="accent1">
+                  <a:shade val="15000"/>
+                </a:schemeClr>
+              </a:lnRef>
+              <a:fillRef idx="1">
+                <a:schemeClr val="accent1"/>
+              </a:fillRef>
+              <a:effectRef idx="0">
+                <a:schemeClr val="accent1"/>
+              </a:effectRef>
+              <a:fontRef idx="minor">
+                <a:schemeClr val="lt1"/>
+              </a:fontRef>
+            </p:style>
+            <p:txBody>
+              <a:bodyPr rtlCol="0" anchor="ctr"/>
+              <a:lstStyle/>
+              <a:p>
+                <a:pPr/>
+                <a14:m>
+                  <m:oMathPara xmlns:m="http://schemas.openxmlformats.org/officeDocument/2006/math">
+                    <m:oMathParaPr>
+                      <m:jc m:val="centerGroup"/>
+                    </m:oMathParaPr>
+                    <m:oMath xmlns:m="http://schemas.openxmlformats.org/officeDocument/2006/math">
+                      <m:sSub>
+                        <m:sSubPr>
+                          <m:ctrlPr>
+                            <a:rPr lang="en-GB" sz="1800" b="0" i="1" smtClean="0">
+                              <a:latin typeface="Cambria Math" panose="02040503050406030204" pitchFamily="18" charset="0"/>
+                            </a:rPr>
+                          </m:ctrlPr>
+                        </m:sSubPr>
+                        <m:e>
+                          <m:acc>
+                            <m:accPr>
+                              <m:chr m:val="̅"/>
+                              <m:ctrlPr>
+                                <a:rPr lang="en-GB" sz="1800" b="0" i="1" smtClean="0">
+                                  <a:latin typeface="Cambria Math" panose="02040503050406030204" pitchFamily="18" charset="0"/>
+                                </a:rPr>
+                              </m:ctrlPr>
+                            </m:accPr>
+                            <m:e>
+                              <m:r>
+                                <a:rPr lang="en-GB" sz="1800" b="0" i="1" smtClean="0">
+                                  <a:latin typeface="Cambria Math" panose="02040503050406030204" pitchFamily="18" charset="0"/>
+                                  <a:ea typeface="Cambria Math" panose="02040503050406030204" pitchFamily="18" charset="0"/>
+                                </a:rPr>
+                                <m:t>𝜓</m:t>
+                              </m:r>
+                            </m:e>
+                          </m:acc>
+                        </m:e>
+                        <m:sub>
+                          <m:r>
+                            <a:rPr lang="en-GB" sz="1800" b="0" i="1" smtClean="0">
+                              <a:latin typeface="Cambria Math" panose="02040503050406030204" pitchFamily="18" charset="0"/>
+                              <a:ea typeface="Cambria Math" panose="02040503050406030204" pitchFamily="18" charset="0"/>
+                            </a:rPr>
+                            <m:t>2</m:t>
+                          </m:r>
+                        </m:sub>
+                      </m:sSub>
+                    </m:oMath>
+                  </m:oMathPara>
+                </a14:m>
+                <a:endParaRPr lang="el-GR" sz="1800" b="1" baseline="-25000" dirty="0">
+                  <a:latin typeface="MS Shell Dlg 2" panose="020B0604030504040204" pitchFamily="34" charset="0"/>
+                </a:endParaRPr>
+              </a:p>
+            </p:txBody>
+          </p:sp>
+        </mc:Choice>
+        <mc:Fallback xmlns="">
+          <p:sp>
+            <p:nvSpPr>
+              <p:cNvPr id="89" name="Oval 88">
+                <a:extLst>
+                  <a:ext uri="{FF2B5EF4-FFF2-40B4-BE49-F238E27FC236}">
+                    <a16:creationId xmlns:a16="http://schemas.microsoft.com/office/drawing/2014/main" id="{7A88E250-FF49-88E5-BB7C-186A09F325C0}"/>
+                  </a:ext>
+                </a:extLst>
+              </p:cNvPr>
+              <p:cNvSpPr>
+                <a:spLocks noRot="1" noChangeAspect="1" noMove="1" noResize="1" noEditPoints="1" noAdjustHandles="1" noChangeArrowheads="1" noChangeShapeType="1" noTextEdit="1"/>
+              </p:cNvSpPr>
+              <p:nvPr/>
+            </p:nvSpPr>
+            <p:spPr>
+              <a:xfrm>
+                <a:off x="2856809" y="5041023"/>
+                <a:ext cx="619162" cy="626615"/>
+              </a:xfrm>
+              <a:prstGeom prst="ellipse">
+                <a:avLst/>
+              </a:prstGeom>
+              <a:blipFill>
+                <a:blip r:embed="rId5"/>
+                <a:stretch>
+                  <a:fillRect/>
+                </a:stretch>
+              </a:blipFill>
+            </p:spPr>
+            <p:txBody>
+              <a:bodyPr/>
+              <a:lstStyle/>
+              <a:p>
+                <a:r>
+                  <a:rPr lang="en-GB">
+                    <a:noFill/>
+                  </a:rPr>
+                  <a:t> </a:t>
+                </a:r>
+              </a:p>
+            </p:txBody>
+          </p:sp>
+        </mc:Fallback>
+      </mc:AlternateContent>
+      <mc:AlternateContent xmlns:mc="http://schemas.openxmlformats.org/markup-compatibility/2006" xmlns:a14="http://schemas.microsoft.com/office/drawing/2010/main">
+        <mc:Choice Requires="a14">
+          <p:sp>
+            <p:nvSpPr>
+              <p:cNvPr id="90" name="Oval 89">
+                <a:extLst>
+                  <a:ext uri="{FF2B5EF4-FFF2-40B4-BE49-F238E27FC236}">
+                    <a16:creationId xmlns:a16="http://schemas.microsoft.com/office/drawing/2014/main" id="{096A022A-8F5C-74ED-431C-1C5E4FD1CD77}"/>
+                  </a:ext>
+                </a:extLst>
+              </p:cNvPr>
+              <p:cNvSpPr/>
+              <p:nvPr/>
+            </p:nvSpPr>
+            <p:spPr>
+              <a:xfrm>
+                <a:off x="5790275" y="5056326"/>
+                <a:ext cx="619162" cy="626615"/>
+              </a:xfrm>
+              <a:prstGeom prst="ellipse">
+                <a:avLst/>
+              </a:prstGeom>
+            </p:spPr>
+            <p:style>
+              <a:lnRef idx="2">
+                <a:schemeClr val="accent1">
+                  <a:shade val="15000"/>
+                </a:schemeClr>
+              </a:lnRef>
+              <a:fillRef idx="1">
+                <a:schemeClr val="accent1"/>
+              </a:fillRef>
+              <a:effectRef idx="0">
+                <a:schemeClr val="accent1"/>
+              </a:effectRef>
+              <a:fontRef idx="minor">
+                <a:schemeClr val="lt1"/>
+              </a:fontRef>
+            </p:style>
+            <p:txBody>
+              <a:bodyPr rtlCol="0" anchor="ctr"/>
+              <a:lstStyle/>
+              <a:p>
+                <a:pPr/>
+                <a14:m>
+                  <m:oMathPara xmlns:m="http://schemas.openxmlformats.org/officeDocument/2006/math">
+                    <m:oMathParaPr>
+                      <m:jc m:val="centerGroup"/>
+                    </m:oMathParaPr>
+                    <m:oMath xmlns:m="http://schemas.openxmlformats.org/officeDocument/2006/math">
+                      <m:sSub>
+                        <m:sSubPr>
+                          <m:ctrlPr>
+                            <a:rPr lang="en-GB" sz="1800" b="0" i="1" smtClean="0">
+                              <a:latin typeface="Cambria Math" panose="02040503050406030204" pitchFamily="18" charset="0"/>
+                            </a:rPr>
+                          </m:ctrlPr>
+                        </m:sSubPr>
+                        <m:e>
+                          <m:acc>
+                            <m:accPr>
+                              <m:chr m:val="̅"/>
+                              <m:ctrlPr>
+                                <a:rPr lang="en-GB" sz="1800" b="0" i="1" smtClean="0">
+                                  <a:latin typeface="Cambria Math" panose="02040503050406030204" pitchFamily="18" charset="0"/>
+                                </a:rPr>
+                              </m:ctrlPr>
+                            </m:accPr>
+                            <m:e>
+                              <m:r>
+                                <a:rPr lang="en-GB" sz="1800" b="0" i="1" smtClean="0">
+                                  <a:latin typeface="Cambria Math" panose="02040503050406030204" pitchFamily="18" charset="0"/>
+                                  <a:ea typeface="Cambria Math" panose="02040503050406030204" pitchFamily="18" charset="0"/>
+                                </a:rPr>
+                                <m:t>𝜓</m:t>
+                              </m:r>
+                            </m:e>
+                          </m:acc>
+                        </m:e>
+                        <m:sub>
+                          <m:r>
+                            <a:rPr lang="en-GB" sz="1800" b="0" i="1" smtClean="0">
+                              <a:latin typeface="Cambria Math" panose="02040503050406030204" pitchFamily="18" charset="0"/>
+                            </a:rPr>
+                            <m:t>𝑖</m:t>
+                          </m:r>
+                        </m:sub>
+                      </m:sSub>
+                    </m:oMath>
+                  </m:oMathPara>
+                </a14:m>
+                <a:endParaRPr lang="el-GR" sz="1800" b="1" baseline="-25000" dirty="0">
+                  <a:latin typeface="MS Shell Dlg 2" panose="020B0604030504040204" pitchFamily="34" charset="0"/>
+                </a:endParaRPr>
+              </a:p>
+            </p:txBody>
+          </p:sp>
+        </mc:Choice>
+        <mc:Fallback xmlns="">
+          <p:sp>
+            <p:nvSpPr>
+              <p:cNvPr id="90" name="Oval 89">
+                <a:extLst>
+                  <a:ext uri="{FF2B5EF4-FFF2-40B4-BE49-F238E27FC236}">
+                    <a16:creationId xmlns:a16="http://schemas.microsoft.com/office/drawing/2014/main" id="{096A022A-8F5C-74ED-431C-1C5E4FD1CD77}"/>
+                  </a:ext>
+                </a:extLst>
+              </p:cNvPr>
+              <p:cNvSpPr>
+                <a:spLocks noRot="1" noChangeAspect="1" noMove="1" noResize="1" noEditPoints="1" noAdjustHandles="1" noChangeArrowheads="1" noChangeShapeType="1" noTextEdit="1"/>
+              </p:cNvSpPr>
+              <p:nvPr/>
+            </p:nvSpPr>
+            <p:spPr>
+              <a:xfrm>
+                <a:off x="5790275" y="5056326"/>
+                <a:ext cx="619162" cy="626615"/>
+              </a:xfrm>
+              <a:prstGeom prst="ellipse">
+                <a:avLst/>
+              </a:prstGeom>
+              <a:blipFill>
+                <a:blip r:embed="rId6"/>
+                <a:stretch>
+                  <a:fillRect/>
+                </a:stretch>
+              </a:blipFill>
+            </p:spPr>
+            <p:txBody>
+              <a:bodyPr/>
+              <a:lstStyle/>
+              <a:p>
+                <a:r>
+                  <a:rPr lang="en-GB">
+                    <a:noFill/>
+                  </a:rPr>
+                  <a:t> </a:t>
+                </a:r>
+              </a:p>
+            </p:txBody>
+          </p:sp>
+        </mc:Fallback>
+      </mc:AlternateContent>
+      <mc:AlternateContent xmlns:mc="http://schemas.openxmlformats.org/markup-compatibility/2006" xmlns:a14="http://schemas.microsoft.com/office/drawing/2010/main">
+        <mc:Choice Requires="a14">
+          <p:sp>
+            <p:nvSpPr>
+              <p:cNvPr id="91" name="Oval 90">
+                <a:extLst>
+                  <a:ext uri="{FF2B5EF4-FFF2-40B4-BE49-F238E27FC236}">
+                    <a16:creationId xmlns:a16="http://schemas.microsoft.com/office/drawing/2014/main" id="{8F7A4559-8628-49D3-5667-ADB789FDCE1B}"/>
+                  </a:ext>
+                </a:extLst>
+              </p:cNvPr>
+              <p:cNvSpPr/>
+              <p:nvPr/>
+            </p:nvSpPr>
+            <p:spPr>
+              <a:xfrm>
+                <a:off x="6819569" y="5056326"/>
+                <a:ext cx="619162" cy="626615"/>
+              </a:xfrm>
+              <a:prstGeom prst="ellipse">
+                <a:avLst/>
+              </a:prstGeom>
+            </p:spPr>
+            <p:style>
+              <a:lnRef idx="2">
+                <a:schemeClr val="accent1">
+                  <a:shade val="15000"/>
+                </a:schemeClr>
+              </a:lnRef>
+              <a:fillRef idx="1">
+                <a:schemeClr val="accent1"/>
+              </a:fillRef>
+              <a:effectRef idx="0">
+                <a:schemeClr val="accent1"/>
+              </a:effectRef>
+              <a:fontRef idx="minor">
+                <a:schemeClr val="lt1"/>
+              </a:fontRef>
+            </p:style>
+            <p:txBody>
+              <a:bodyPr wrap="none" lIns="36000" rtlCol="0" anchor="ctr"/>
+              <a:lstStyle/>
+              <a:p>
+                <a:pPr/>
+                <a14:m>
+                  <m:oMathPara xmlns:m="http://schemas.openxmlformats.org/officeDocument/2006/math">
+                    <m:oMathParaPr>
+                      <m:jc m:val="centerGroup"/>
+                    </m:oMathParaPr>
+                    <m:oMath xmlns:m="http://schemas.openxmlformats.org/officeDocument/2006/math">
+                      <m:sSub>
+                        <m:sSubPr>
+                          <m:ctrlPr>
+                            <a:rPr lang="en-GB" sz="1800" b="0" i="1" smtClean="0">
+                              <a:latin typeface="Cambria Math" panose="02040503050406030204" pitchFamily="18" charset="0"/>
+                            </a:rPr>
+                          </m:ctrlPr>
+                        </m:sSubPr>
+                        <m:e>
+                          <m:acc>
+                            <m:accPr>
+                              <m:chr m:val="̅"/>
+                              <m:ctrlPr>
+                                <a:rPr lang="en-GB" sz="1800" b="0" i="1" smtClean="0">
+                                  <a:latin typeface="Cambria Math" panose="02040503050406030204" pitchFamily="18" charset="0"/>
+                                </a:rPr>
+                              </m:ctrlPr>
+                            </m:accPr>
+                            <m:e>
+                              <m:r>
+                                <a:rPr lang="en-GB" sz="1800" b="0" i="1" smtClean="0">
+                                  <a:latin typeface="Cambria Math" panose="02040503050406030204" pitchFamily="18" charset="0"/>
+                                  <a:ea typeface="Cambria Math" panose="02040503050406030204" pitchFamily="18" charset="0"/>
+                                </a:rPr>
+                                <m:t>𝜓</m:t>
+                              </m:r>
+                            </m:e>
+                          </m:acc>
+                        </m:e>
+                        <m:sub>
+                          <m:r>
+                            <a:rPr lang="en-GB" sz="1800" b="0" i="1" smtClean="0">
+                              <a:latin typeface="Cambria Math" panose="02040503050406030204" pitchFamily="18" charset="0"/>
+                            </a:rPr>
+                            <m:t>𝑖</m:t>
+                          </m:r>
+                          <m:r>
+                            <a:rPr lang="en-GB" sz="1800" b="0" i="1" smtClean="0">
+                              <a:latin typeface="Cambria Math" panose="02040503050406030204" pitchFamily="18" charset="0"/>
+                            </a:rPr>
+                            <m:t>+1</m:t>
+                          </m:r>
+                        </m:sub>
+                      </m:sSub>
+                    </m:oMath>
+                  </m:oMathPara>
+                </a14:m>
+                <a:endParaRPr lang="el-GR" sz="1800" b="1" baseline="-25000" dirty="0">
+                  <a:latin typeface="MS Shell Dlg 2" panose="020B0604030504040204" pitchFamily="34" charset="0"/>
+                </a:endParaRPr>
+              </a:p>
+            </p:txBody>
+          </p:sp>
+        </mc:Choice>
+        <mc:Fallback xmlns="">
+          <p:sp>
+            <p:nvSpPr>
+              <p:cNvPr id="91" name="Oval 90">
+                <a:extLst>
+                  <a:ext uri="{FF2B5EF4-FFF2-40B4-BE49-F238E27FC236}">
+                    <a16:creationId xmlns:a16="http://schemas.microsoft.com/office/drawing/2014/main" id="{8F7A4559-8628-49D3-5667-ADB789FDCE1B}"/>
+                  </a:ext>
+                </a:extLst>
+              </p:cNvPr>
+              <p:cNvSpPr>
+                <a:spLocks noRot="1" noChangeAspect="1" noMove="1" noResize="1" noEditPoints="1" noAdjustHandles="1" noChangeArrowheads="1" noChangeShapeType="1" noTextEdit="1"/>
+              </p:cNvSpPr>
+              <p:nvPr/>
+            </p:nvSpPr>
+            <p:spPr>
+              <a:xfrm>
+                <a:off x="6819569" y="5056326"/>
+                <a:ext cx="619162" cy="626615"/>
+              </a:xfrm>
+              <a:prstGeom prst="ellipse">
+                <a:avLst/>
+              </a:prstGeom>
+              <a:blipFill>
+                <a:blip r:embed="rId7"/>
+                <a:stretch>
+                  <a:fillRect r="-971"/>
+                </a:stretch>
+              </a:blipFill>
+            </p:spPr>
+            <p:txBody>
+              <a:bodyPr/>
+              <a:lstStyle/>
+              <a:p>
+                <a:r>
+                  <a:rPr lang="en-GB">
+                    <a:noFill/>
+                  </a:rPr>
+                  <a:t> </a:t>
+                </a:r>
+              </a:p>
+            </p:txBody>
+          </p:sp>
+        </mc:Fallback>
+      </mc:AlternateContent>
+      <mc:AlternateContent xmlns:mc="http://schemas.openxmlformats.org/markup-compatibility/2006" xmlns:a14="http://schemas.microsoft.com/office/drawing/2010/main">
+        <mc:Choice Requires="a14">
+          <p:sp>
+            <p:nvSpPr>
+              <p:cNvPr id="92" name="Oval 91">
+                <a:extLst>
+                  <a:ext uri="{FF2B5EF4-FFF2-40B4-BE49-F238E27FC236}">
+                    <a16:creationId xmlns:a16="http://schemas.microsoft.com/office/drawing/2014/main" id="{0EFF3480-A88E-7EAD-DB44-FC625E786DC8}"/>
+                  </a:ext>
+                </a:extLst>
+              </p:cNvPr>
+              <p:cNvSpPr/>
+              <p:nvPr/>
+            </p:nvSpPr>
+            <p:spPr>
+              <a:xfrm>
+                <a:off x="8571685" y="5046183"/>
+                <a:ext cx="619162" cy="626615"/>
+              </a:xfrm>
+              <a:prstGeom prst="ellipse">
+                <a:avLst/>
+              </a:prstGeom>
+            </p:spPr>
+            <p:style>
+              <a:lnRef idx="2">
+                <a:schemeClr val="accent1">
+                  <a:shade val="15000"/>
+                </a:schemeClr>
+              </a:lnRef>
+              <a:fillRef idx="1">
+                <a:schemeClr val="accent1"/>
+              </a:fillRef>
+              <a:effectRef idx="0">
+                <a:schemeClr val="accent1"/>
+              </a:effectRef>
+              <a:fontRef idx="minor">
+                <a:schemeClr val="lt1"/>
+              </a:fontRef>
+            </p:style>
+            <p:txBody>
+              <a:bodyPr wrap="none" rtlCol="0" anchor="ctr"/>
+              <a:lstStyle/>
+              <a:p>
+                <a:pPr/>
+                <a14:m>
+                  <m:oMathPara xmlns:m="http://schemas.openxmlformats.org/officeDocument/2006/math">
+                    <m:oMathParaPr>
+                      <m:jc m:val="centerGroup"/>
+                    </m:oMathParaPr>
+                    <m:oMath xmlns:m="http://schemas.openxmlformats.org/officeDocument/2006/math">
+                      <m:sSub>
+                        <m:sSubPr>
+                          <m:ctrlPr>
+                            <a:rPr lang="en-GB" sz="1800" b="0" i="1" smtClean="0">
+                              <a:latin typeface="Cambria Math" panose="02040503050406030204" pitchFamily="18" charset="0"/>
+                            </a:rPr>
+                          </m:ctrlPr>
+                        </m:sSubPr>
+                        <m:e>
+                          <m:acc>
+                            <m:accPr>
+                              <m:chr m:val="̅"/>
+                              <m:ctrlPr>
+                                <a:rPr lang="en-GB" sz="1800" b="0" i="1" smtClean="0">
+                                  <a:latin typeface="Cambria Math" panose="02040503050406030204" pitchFamily="18" charset="0"/>
+                                </a:rPr>
+                              </m:ctrlPr>
+                            </m:accPr>
+                            <m:e>
+                              <m:r>
+                                <a:rPr lang="en-GB" sz="1800" b="0" i="1" smtClean="0">
+                                  <a:latin typeface="Cambria Math" panose="02040503050406030204" pitchFamily="18" charset="0"/>
+                                  <a:ea typeface="Cambria Math" panose="02040503050406030204" pitchFamily="18" charset="0"/>
+                                </a:rPr>
+                                <m:t>𝜓</m:t>
+                              </m:r>
+                            </m:e>
+                          </m:acc>
+                        </m:e>
+                        <m:sub>
+                          <m:r>
+                            <a:rPr lang="en-GB" sz="1800" b="0" i="1" smtClean="0">
+                              <a:latin typeface="Cambria Math" panose="02040503050406030204" pitchFamily="18" charset="0"/>
+                              <a:ea typeface="Cambria Math" panose="02040503050406030204" pitchFamily="18" charset="0"/>
+                            </a:rPr>
+                            <m:t>𝑁</m:t>
+                          </m:r>
+                        </m:sub>
+                      </m:sSub>
+                    </m:oMath>
+                  </m:oMathPara>
+                </a14:m>
+                <a:endParaRPr lang="el-GR" sz="1800" b="1" baseline="-25000" dirty="0">
+                  <a:latin typeface="MS Shell Dlg 2" panose="020B0604030504040204" pitchFamily="34" charset="0"/>
+                </a:endParaRPr>
+              </a:p>
+            </p:txBody>
+          </p:sp>
+        </mc:Choice>
+        <mc:Fallback xmlns="">
+          <p:sp>
+            <p:nvSpPr>
+              <p:cNvPr id="92" name="Oval 91">
+                <a:extLst>
+                  <a:ext uri="{FF2B5EF4-FFF2-40B4-BE49-F238E27FC236}">
+                    <a16:creationId xmlns:a16="http://schemas.microsoft.com/office/drawing/2014/main" id="{0EFF3480-A88E-7EAD-DB44-FC625E786DC8}"/>
+                  </a:ext>
+                </a:extLst>
+              </p:cNvPr>
+              <p:cNvSpPr>
+                <a:spLocks noRot="1" noChangeAspect="1" noMove="1" noResize="1" noEditPoints="1" noAdjustHandles="1" noChangeArrowheads="1" noChangeShapeType="1" noTextEdit="1"/>
+              </p:cNvSpPr>
+              <p:nvPr/>
+            </p:nvSpPr>
+            <p:spPr>
+              <a:xfrm>
+                <a:off x="8571685" y="5046183"/>
+                <a:ext cx="619162" cy="626615"/>
+              </a:xfrm>
+              <a:prstGeom prst="ellipse">
+                <a:avLst/>
+              </a:prstGeom>
+              <a:blipFill>
+                <a:blip r:embed="rId8"/>
+                <a:stretch>
+                  <a:fillRect/>
+                </a:stretch>
+              </a:blipFill>
+            </p:spPr>
+            <p:txBody>
+              <a:bodyPr/>
+              <a:lstStyle/>
+              <a:p>
+                <a:r>
+                  <a:rPr lang="en-GB">
+                    <a:noFill/>
+                  </a:rPr>
+                  <a:t> </a:t>
+                </a:r>
+              </a:p>
+            </p:txBody>
+          </p:sp>
+        </mc:Fallback>
+      </mc:AlternateContent>
+      <mc:AlternateContent xmlns:mc="http://schemas.openxmlformats.org/markup-compatibility/2006" xmlns:a14="http://schemas.microsoft.com/office/drawing/2010/main">
+        <mc:Choice Requires="a14">
+          <p:sp>
+            <p:nvSpPr>
+              <p:cNvPr id="93" name="Oval 92">
+                <a:extLst>
+                  <a:ext uri="{FF2B5EF4-FFF2-40B4-BE49-F238E27FC236}">
+                    <a16:creationId xmlns:a16="http://schemas.microsoft.com/office/drawing/2014/main" id="{B413F8CE-22AD-F6C5-CF44-78B0782F9268}"/>
+                  </a:ext>
+                </a:extLst>
+              </p:cNvPr>
+              <p:cNvSpPr/>
+              <p:nvPr/>
+            </p:nvSpPr>
+            <p:spPr>
+              <a:xfrm>
+                <a:off x="9567155" y="5056326"/>
+                <a:ext cx="619162" cy="626615"/>
+              </a:xfrm>
+              <a:prstGeom prst="ellipse">
+                <a:avLst/>
+              </a:prstGeom>
+            </p:spPr>
+            <p:style>
+              <a:lnRef idx="2">
+                <a:schemeClr val="accent1">
+                  <a:shade val="15000"/>
+                </a:schemeClr>
+              </a:lnRef>
+              <a:fillRef idx="1">
+                <a:schemeClr val="accent1"/>
+              </a:fillRef>
+              <a:effectRef idx="0">
+                <a:schemeClr val="accent1"/>
+              </a:effectRef>
+              <a:fontRef idx="minor">
+                <a:schemeClr val="lt1"/>
+              </a:fontRef>
+            </p:style>
+            <p:txBody>
+              <a:bodyPr wrap="none" lIns="0" rtlCol="0" anchor="ctr"/>
+              <a:lstStyle/>
+              <a:p>
+                <a:pPr/>
+                <a14:m>
+                  <m:oMathPara xmlns:m="http://schemas.openxmlformats.org/officeDocument/2006/math">
+                    <m:oMathParaPr>
+                      <m:jc m:val="centerGroup"/>
+                    </m:oMathParaPr>
+                    <m:oMath xmlns:m="http://schemas.openxmlformats.org/officeDocument/2006/math">
+                      <m:sSub>
+                        <m:sSubPr>
+                          <m:ctrlPr>
+                            <a:rPr lang="en-GB" sz="1800" b="0" i="1" smtClean="0">
+                              <a:latin typeface="Cambria Math" panose="02040503050406030204" pitchFamily="18" charset="0"/>
+                            </a:rPr>
+                          </m:ctrlPr>
+                        </m:sSubPr>
+                        <m:e>
+                          <m:acc>
+                            <m:accPr>
+                              <m:chr m:val="̅"/>
+                              <m:ctrlPr>
+                                <a:rPr lang="en-GB" sz="1800" b="0" i="1" smtClean="0">
+                                  <a:latin typeface="Cambria Math" panose="02040503050406030204" pitchFamily="18" charset="0"/>
+                                </a:rPr>
+                              </m:ctrlPr>
+                            </m:accPr>
+                            <m:e>
+                              <m:r>
+                                <a:rPr lang="en-GB" sz="1800" b="0" i="1" smtClean="0">
+                                  <a:latin typeface="Cambria Math" panose="02040503050406030204" pitchFamily="18" charset="0"/>
+                                  <a:ea typeface="Cambria Math" panose="02040503050406030204" pitchFamily="18" charset="0"/>
+                                </a:rPr>
+                                <m:t>𝜓</m:t>
+                              </m:r>
+                            </m:e>
+                          </m:acc>
+                        </m:e>
+                        <m:sub>
+                          <m:r>
+                            <a:rPr lang="en-GB" sz="1800" b="0" i="1" smtClean="0">
+                              <a:latin typeface="Cambria Math" panose="02040503050406030204" pitchFamily="18" charset="0"/>
+                              <a:ea typeface="Cambria Math" panose="02040503050406030204" pitchFamily="18" charset="0"/>
+                            </a:rPr>
+                            <m:t>𝑁</m:t>
+                          </m:r>
+                          <m:r>
+                            <a:rPr lang="en-GB" sz="1800" b="0" i="1" smtClean="0">
+                              <a:latin typeface="Cambria Math" panose="02040503050406030204" pitchFamily="18" charset="0"/>
+                              <a:ea typeface="Cambria Math" panose="02040503050406030204" pitchFamily="18" charset="0"/>
+                            </a:rPr>
+                            <m:t>+1</m:t>
+                          </m:r>
+                        </m:sub>
+                      </m:sSub>
+                    </m:oMath>
+                  </m:oMathPara>
+                </a14:m>
+                <a:endParaRPr lang="el-GR" sz="1800" b="1" baseline="-25000" dirty="0">
+                  <a:latin typeface="MS Shell Dlg 2" panose="020B0604030504040204" pitchFamily="34" charset="0"/>
+                </a:endParaRPr>
+              </a:p>
+            </p:txBody>
+          </p:sp>
+        </mc:Choice>
+        <mc:Fallback xmlns="">
+          <p:sp>
+            <p:nvSpPr>
+              <p:cNvPr id="93" name="Oval 92">
+                <a:extLst>
+                  <a:ext uri="{FF2B5EF4-FFF2-40B4-BE49-F238E27FC236}">
+                    <a16:creationId xmlns:a16="http://schemas.microsoft.com/office/drawing/2014/main" id="{B413F8CE-22AD-F6C5-CF44-78B0782F9268}"/>
+                  </a:ext>
+                </a:extLst>
+              </p:cNvPr>
+              <p:cNvSpPr>
+                <a:spLocks noRot="1" noChangeAspect="1" noMove="1" noResize="1" noEditPoints="1" noAdjustHandles="1" noChangeArrowheads="1" noChangeShapeType="1" noTextEdit="1"/>
+              </p:cNvSpPr>
+              <p:nvPr/>
+            </p:nvSpPr>
+            <p:spPr>
+              <a:xfrm>
+                <a:off x="9567155" y="5056326"/>
+                <a:ext cx="619162" cy="626615"/>
+              </a:xfrm>
+              <a:prstGeom prst="ellipse">
+                <a:avLst/>
+              </a:prstGeom>
+              <a:blipFill>
+                <a:blip r:embed="rId9"/>
+                <a:stretch>
+                  <a:fillRect l="-1923" r="-5769"/>
+                </a:stretch>
+              </a:blipFill>
+            </p:spPr>
+            <p:txBody>
+              <a:bodyPr/>
+              <a:lstStyle/>
+              <a:p>
+                <a:r>
+                  <a:rPr lang="en-GB">
+                    <a:noFill/>
+                  </a:rPr>
+                  <a:t> </a:t>
+                </a:r>
+              </a:p>
+            </p:txBody>
+          </p:sp>
+        </mc:Fallback>
+      </mc:AlternateContent>
+      <mc:AlternateContent xmlns:mc="http://schemas.openxmlformats.org/markup-compatibility/2006" xmlns:a14="http://schemas.microsoft.com/office/drawing/2010/main">
+        <mc:Choice Requires="a14">
+          <p:sp>
+            <p:nvSpPr>
+              <p:cNvPr id="95" name="Oval 94">
+                <a:extLst>
+                  <a:ext uri="{FF2B5EF4-FFF2-40B4-BE49-F238E27FC236}">
+                    <a16:creationId xmlns:a16="http://schemas.microsoft.com/office/drawing/2014/main" id="{3086158F-BE7B-05CC-D044-EEABB4E7FCF7}"/>
+                  </a:ext>
+                </a:extLst>
+              </p:cNvPr>
+              <p:cNvSpPr/>
+              <p:nvPr/>
+            </p:nvSpPr>
+            <p:spPr>
+              <a:xfrm>
+                <a:off x="4693953" y="5038392"/>
+                <a:ext cx="619162" cy="626615"/>
+              </a:xfrm>
+              <a:prstGeom prst="ellipse">
+                <a:avLst/>
+              </a:prstGeom>
+            </p:spPr>
+            <p:style>
+              <a:lnRef idx="2">
+                <a:schemeClr val="accent1">
+                  <a:shade val="15000"/>
+                </a:schemeClr>
+              </a:lnRef>
+              <a:fillRef idx="1">
+                <a:schemeClr val="accent1"/>
+              </a:fillRef>
+              <a:effectRef idx="0">
+                <a:schemeClr val="accent1"/>
+              </a:effectRef>
+              <a:fontRef idx="minor">
+                <a:schemeClr val="lt1"/>
+              </a:fontRef>
+            </p:style>
+            <p:txBody>
+              <a:bodyPr wrap="none" rtlCol="0" anchor="ctr"/>
+              <a:lstStyle/>
+              <a:p>
+                <a:pPr/>
+                <a14:m>
+                  <m:oMathPara xmlns:m="http://schemas.openxmlformats.org/officeDocument/2006/math">
+                    <m:oMathParaPr>
+                      <m:jc m:val="centerGroup"/>
+                    </m:oMathParaPr>
+                    <m:oMath xmlns:m="http://schemas.openxmlformats.org/officeDocument/2006/math">
+                      <m:sSub>
+                        <m:sSubPr>
+                          <m:ctrlPr>
+                            <a:rPr lang="en-GB" sz="1800" b="0" i="1" smtClean="0">
+                              <a:latin typeface="Cambria Math" panose="02040503050406030204" pitchFamily="18" charset="0"/>
+                            </a:rPr>
+                          </m:ctrlPr>
+                        </m:sSubPr>
+                        <m:e>
+                          <m:acc>
+                            <m:accPr>
+                              <m:chr m:val="̅"/>
+                              <m:ctrlPr>
+                                <a:rPr lang="en-GB" sz="1800" b="0" i="1" smtClean="0">
+                                  <a:latin typeface="Cambria Math" panose="02040503050406030204" pitchFamily="18" charset="0"/>
+                                </a:rPr>
+                              </m:ctrlPr>
+                            </m:accPr>
+                            <m:e>
+                              <m:r>
+                                <a:rPr lang="en-GB" sz="1800" b="0" i="1" smtClean="0">
+                                  <a:latin typeface="Cambria Math" panose="02040503050406030204" pitchFamily="18" charset="0"/>
+                                  <a:ea typeface="Cambria Math" panose="02040503050406030204" pitchFamily="18" charset="0"/>
+                                </a:rPr>
+                                <m:t>𝜓</m:t>
+                              </m:r>
+                            </m:e>
+                          </m:acc>
+                        </m:e>
+                        <m:sub>
+                          <m:r>
+                            <a:rPr lang="en-GB" sz="1800" b="0" i="1" smtClean="0">
+                              <a:latin typeface="Cambria Math" panose="02040503050406030204" pitchFamily="18" charset="0"/>
+                            </a:rPr>
+                            <m:t>𝑖</m:t>
+                          </m:r>
+                          <m:r>
+                            <a:rPr lang="en-GB" sz="1800" b="0" i="1" smtClean="0">
+                              <a:latin typeface="Cambria Math" panose="02040503050406030204" pitchFamily="18" charset="0"/>
+                            </a:rPr>
+                            <m:t>−1</m:t>
+                          </m:r>
+                        </m:sub>
+                      </m:sSub>
+                    </m:oMath>
+                  </m:oMathPara>
+                </a14:m>
+                <a:endParaRPr lang="el-GR" sz="1800" b="1" baseline="-25000" dirty="0">
+                  <a:latin typeface="MS Shell Dlg 2" panose="020B0604030504040204" pitchFamily="34" charset="0"/>
+                </a:endParaRPr>
+              </a:p>
+            </p:txBody>
+          </p:sp>
+        </mc:Choice>
+        <mc:Fallback xmlns="">
+          <p:sp>
+            <p:nvSpPr>
+              <p:cNvPr id="95" name="Oval 94">
+                <a:extLst>
+                  <a:ext uri="{FF2B5EF4-FFF2-40B4-BE49-F238E27FC236}">
+                    <a16:creationId xmlns:a16="http://schemas.microsoft.com/office/drawing/2014/main" id="{3086158F-BE7B-05CC-D044-EEABB4E7FCF7}"/>
+                  </a:ext>
+                </a:extLst>
+              </p:cNvPr>
+              <p:cNvSpPr>
+                <a:spLocks noRot="1" noChangeAspect="1" noMove="1" noResize="1" noEditPoints="1" noAdjustHandles="1" noChangeArrowheads="1" noChangeShapeType="1" noTextEdit="1"/>
+              </p:cNvSpPr>
+              <p:nvPr/>
+            </p:nvSpPr>
+            <p:spPr>
+              <a:xfrm>
+                <a:off x="4693953" y="5038392"/>
+                <a:ext cx="619162" cy="626615"/>
+              </a:xfrm>
+              <a:prstGeom prst="ellipse">
+                <a:avLst/>
+              </a:prstGeom>
+              <a:blipFill>
+                <a:blip r:embed="rId10"/>
+                <a:stretch>
+                  <a:fillRect r="-8654"/>
+                </a:stretch>
+              </a:blipFill>
+            </p:spPr>
+            <p:txBody>
+              <a:bodyPr/>
+              <a:lstStyle/>
+              <a:p>
+                <a:r>
+                  <a:rPr lang="en-GB">
+                    <a:noFill/>
+                  </a:rPr>
+                  <a:t> </a:t>
+                </a:r>
+              </a:p>
+            </p:txBody>
+          </p:sp>
+        </mc:Fallback>
+      </mc:AlternateContent>
+      <mc:AlternateContent xmlns:mc="http://schemas.openxmlformats.org/markup-compatibility/2006" xmlns:a14="http://schemas.microsoft.com/office/drawing/2010/main">
+        <mc:Choice Requires="a14">
+          <p:sp>
+            <p:nvSpPr>
+              <p:cNvPr id="96" name="Rectangle 95">
+                <a:extLst>
+                  <a:ext uri="{FF2B5EF4-FFF2-40B4-BE49-F238E27FC236}">
+                    <a16:creationId xmlns:a16="http://schemas.microsoft.com/office/drawing/2014/main" id="{50015CB0-5760-A3BD-06CB-B33F1AB817C5}"/>
+                  </a:ext>
+                </a:extLst>
+              </p:cNvPr>
+              <p:cNvSpPr/>
+              <p:nvPr/>
+            </p:nvSpPr>
+            <p:spPr>
+              <a:xfrm>
+                <a:off x="5136974" y="1616292"/>
+                <a:ext cx="760205" cy="288346"/>
+              </a:xfrm>
+              <a:prstGeom prst="rect">
+                <a:avLst/>
+              </a:prstGeom>
+            </p:spPr>
+            <p:style>
+              <a:lnRef idx="1">
+                <a:schemeClr val="accent2"/>
+              </a:lnRef>
+              <a:fillRef idx="2">
+                <a:schemeClr val="accent2"/>
+              </a:fillRef>
+              <a:effectRef idx="1">
+                <a:schemeClr val="accent2"/>
+              </a:effectRef>
+              <a:fontRef idx="minor">
+                <a:schemeClr val="dk1"/>
+              </a:fontRef>
+            </p:style>
+            <p:txBody>
+              <a:bodyPr rtlCol="0" anchor="ctr"/>
+              <a:lstStyle/>
+              <a:p>
+                <a:pPr algn="ctr"/>
+                <a14:m>
+                  <m:oMathPara xmlns:m="http://schemas.openxmlformats.org/officeDocument/2006/math">
+                    <m:oMathParaPr>
+                      <m:jc m:val="centerGroup"/>
+                    </m:oMathParaPr>
+                    <m:oMath xmlns:m="http://schemas.openxmlformats.org/officeDocument/2006/math">
+                      <m:sSub>
+                        <m:sSubPr>
+                          <m:ctrlPr>
+                            <a:rPr lang="en-GB" sz="1400" i="1" smtClean="0">
+                              <a:latin typeface="Cambria Math" panose="02040503050406030204" pitchFamily="18" charset="0"/>
+                            </a:rPr>
+                          </m:ctrlPr>
+                        </m:sSubPr>
+                        <m:e>
+                          <m:acc>
+                            <m:accPr>
+                              <m:chr m:val="̅"/>
+                              <m:ctrlPr>
+                                <a:rPr lang="en-GB" sz="1400" i="1">
+                                  <a:latin typeface="Cambria Math" panose="02040503050406030204" pitchFamily="18" charset="0"/>
+                                </a:rPr>
+                              </m:ctrlPr>
+                            </m:accPr>
+                            <m:e>
+                              <m:r>
+                                <a:rPr lang="en-GB" sz="1400" i="1">
+                                  <a:latin typeface="Cambria Math" panose="02040503050406030204" pitchFamily="18" charset="0"/>
+                                </a:rPr>
+                                <m:t>𝐸</m:t>
+                              </m:r>
+                            </m:e>
+                          </m:acc>
+                        </m:e>
+                        <m:sub>
+                          <m:r>
+                            <a:rPr lang="en-GB" sz="1400" b="0" i="1" smtClean="0">
+                              <a:latin typeface="Cambria Math" panose="02040503050406030204" pitchFamily="18" charset="0"/>
+                            </a:rPr>
+                            <m:t>𝑖</m:t>
+                          </m:r>
+                        </m:sub>
+                      </m:sSub>
+                      <m:d>
+                        <m:dPr>
+                          <m:ctrlPr>
+                            <a:rPr lang="en-GB" sz="1400" i="1" smtClean="0">
+                              <a:latin typeface="Cambria Math" panose="02040503050406030204" pitchFamily="18" charset="0"/>
+                            </a:rPr>
+                          </m:ctrlPr>
+                        </m:dPr>
+                        <m:e>
+                          <m:r>
+                            <a:rPr lang="en-GB" sz="1400" b="0" i="1" smtClean="0">
+                              <a:latin typeface="Cambria Math" panose="02040503050406030204" pitchFamily="18" charset="0"/>
+                            </a:rPr>
+                            <m:t> </m:t>
+                          </m:r>
+                          <m:sSub>
+                            <m:sSubPr>
+                              <m:ctrlPr>
+                                <a:rPr lang="en-GB" sz="1400" b="0" i="1" smtClean="0">
+                                  <a:latin typeface="Cambria Math" panose="02040503050406030204" pitchFamily="18" charset="0"/>
+                                </a:rPr>
+                              </m:ctrlPr>
+                            </m:sSubPr>
+                            <m:e>
+                              <m:r>
+                                <a:rPr lang="en-GB" sz="1400" b="0" i="1" smtClean="0">
+                                  <a:latin typeface="Cambria Math" panose="02040503050406030204" pitchFamily="18" charset="0"/>
+                                </a:rPr>
+                                <m:t>𝑧</m:t>
+                              </m:r>
+                            </m:e>
+                            <m:sub>
+                              <m:r>
+                                <a:rPr lang="en-GB" sz="1400" b="0" i="1" smtClean="0">
+                                  <a:latin typeface="Cambria Math" panose="02040503050406030204" pitchFamily="18" charset="0"/>
+                                </a:rPr>
+                                <m:t>𝑖</m:t>
+                              </m:r>
+                            </m:sub>
+                          </m:sSub>
+                        </m:e>
+                      </m:d>
+                    </m:oMath>
+                  </m:oMathPara>
+                </a14:m>
+                <a:endParaRPr lang="en-GB" sz="1400" dirty="0"/>
+              </a:p>
+            </p:txBody>
+          </p:sp>
+        </mc:Choice>
+        <mc:Fallback xmlns="">
+          <p:sp>
+            <p:nvSpPr>
+              <p:cNvPr id="96" name="Rectangle 95">
+                <a:extLst>
+                  <a:ext uri="{FF2B5EF4-FFF2-40B4-BE49-F238E27FC236}">
+                    <a16:creationId xmlns:a16="http://schemas.microsoft.com/office/drawing/2014/main" id="{50015CB0-5760-A3BD-06CB-B33F1AB817C5}"/>
+                  </a:ext>
+                </a:extLst>
+              </p:cNvPr>
+              <p:cNvSpPr>
+                <a:spLocks noRot="1" noChangeAspect="1" noMove="1" noResize="1" noEditPoints="1" noAdjustHandles="1" noChangeArrowheads="1" noChangeShapeType="1" noTextEdit="1"/>
+              </p:cNvSpPr>
+              <p:nvPr/>
+            </p:nvSpPr>
+            <p:spPr>
+              <a:xfrm>
+                <a:off x="5136974" y="1616292"/>
+                <a:ext cx="760205" cy="288346"/>
+              </a:xfrm>
+              <a:prstGeom prst="rect">
+                <a:avLst/>
+              </a:prstGeom>
+              <a:blipFill>
+                <a:blip r:embed="rId11"/>
+                <a:stretch>
+                  <a:fillRect/>
+                </a:stretch>
+              </a:blipFill>
+            </p:spPr>
+            <p:txBody>
+              <a:bodyPr/>
+              <a:lstStyle/>
+              <a:p>
+                <a:r>
+                  <a:rPr lang="en-GB">
+                    <a:noFill/>
+                  </a:rPr>
+                  <a:t> </a:t>
+                </a:r>
+              </a:p>
+            </p:txBody>
+          </p:sp>
+        </mc:Fallback>
+      </mc:AlternateContent>
+      <mc:AlternateContent xmlns:mc="http://schemas.openxmlformats.org/markup-compatibility/2006" xmlns:a14="http://schemas.microsoft.com/office/drawing/2010/main">
+        <mc:Choice Requires="a14">
+          <p:sp>
+            <p:nvSpPr>
+              <p:cNvPr id="97" name="Rectangle 96">
+                <a:extLst>
+                  <a:ext uri="{FF2B5EF4-FFF2-40B4-BE49-F238E27FC236}">
+                    <a16:creationId xmlns:a16="http://schemas.microsoft.com/office/drawing/2014/main" id="{79F97EDF-EB0D-6B54-13FB-A128A901516B}"/>
+                  </a:ext>
+                </a:extLst>
+              </p:cNvPr>
+              <p:cNvSpPr/>
+              <p:nvPr/>
+            </p:nvSpPr>
+            <p:spPr>
+              <a:xfrm>
+                <a:off x="7186505" y="1616293"/>
+                <a:ext cx="755920" cy="263058"/>
+              </a:xfrm>
+              <a:prstGeom prst="rect">
+                <a:avLst/>
+              </a:prstGeom>
+            </p:spPr>
+            <p:style>
+              <a:lnRef idx="1">
+                <a:schemeClr val="accent2"/>
+              </a:lnRef>
+              <a:fillRef idx="2">
+                <a:schemeClr val="accent2"/>
+              </a:fillRef>
+              <a:effectRef idx="1">
+                <a:schemeClr val="accent2"/>
+              </a:effectRef>
+              <a:fontRef idx="minor">
+                <a:schemeClr val="dk1"/>
+              </a:fontRef>
+            </p:style>
+            <p:txBody>
+              <a:bodyPr rtlCol="0" anchor="ctr"/>
+              <a:lstStyle/>
+              <a:p>
+                <a:pPr algn="ctr"/>
+                <a14:m>
+                  <m:oMathPara xmlns:m="http://schemas.openxmlformats.org/officeDocument/2006/math">
+                    <m:oMathParaPr>
+                      <m:jc m:val="centerGroup"/>
+                    </m:oMathParaPr>
+                    <m:oMath xmlns:m="http://schemas.openxmlformats.org/officeDocument/2006/math">
+                      <m:sSub>
+                        <m:sSubPr>
+                          <m:ctrlPr>
+                            <a:rPr lang="en-GB" sz="1400" i="1" smtClean="0">
+                              <a:latin typeface="Cambria Math" panose="02040503050406030204" pitchFamily="18" charset="0"/>
+                            </a:rPr>
+                          </m:ctrlPr>
+                        </m:sSubPr>
+                        <m:e>
+                          <m:acc>
+                            <m:accPr>
+                              <m:chr m:val="̅"/>
+                              <m:ctrlPr>
+                                <a:rPr lang="en-GB" sz="1400" i="1">
+                                  <a:latin typeface="Cambria Math" panose="02040503050406030204" pitchFamily="18" charset="0"/>
+                                </a:rPr>
+                              </m:ctrlPr>
+                            </m:accPr>
+                            <m:e>
+                              <m:r>
+                                <a:rPr lang="en-GB" sz="1400" i="1">
+                                  <a:latin typeface="Cambria Math" panose="02040503050406030204" pitchFamily="18" charset="0"/>
+                                </a:rPr>
+                                <m:t>𝐸</m:t>
+                              </m:r>
+                            </m:e>
+                          </m:acc>
+                        </m:e>
+                        <m:sub>
+                          <m:r>
+                            <a:rPr lang="en-GB" sz="1400" b="0" i="1" smtClean="0">
+                              <a:latin typeface="Cambria Math" panose="02040503050406030204" pitchFamily="18" charset="0"/>
+                            </a:rPr>
+                            <m:t>𝑖</m:t>
+                          </m:r>
+                        </m:sub>
+                      </m:sSub>
+                      <m:d>
+                        <m:dPr>
+                          <m:ctrlPr>
+                            <a:rPr lang="en-GB" sz="1400" i="1" smtClean="0">
+                              <a:latin typeface="Cambria Math" panose="02040503050406030204" pitchFamily="18" charset="0"/>
+                            </a:rPr>
+                          </m:ctrlPr>
+                        </m:dPr>
+                        <m:e>
+                          <m:r>
+                            <a:rPr lang="en-GB" sz="1400" b="0" i="1" smtClean="0">
+                              <a:latin typeface="Cambria Math" panose="02040503050406030204" pitchFamily="18" charset="0"/>
+                            </a:rPr>
+                            <m:t> </m:t>
+                          </m:r>
+                          <m:sSub>
+                            <m:sSubPr>
+                              <m:ctrlPr>
+                                <a:rPr lang="en-GB" sz="1400" b="0" i="1" smtClean="0">
+                                  <a:latin typeface="Cambria Math" panose="02040503050406030204" pitchFamily="18" charset="0"/>
+                                </a:rPr>
+                              </m:ctrlPr>
+                            </m:sSubPr>
+                            <m:e>
+                              <m:r>
+                                <a:rPr lang="en-GB" sz="1400" b="0" i="1" smtClean="0">
+                                  <a:latin typeface="Cambria Math" panose="02040503050406030204" pitchFamily="18" charset="0"/>
+                                </a:rPr>
+                                <m:t>𝑧</m:t>
+                              </m:r>
+                            </m:e>
+                            <m:sub>
+                              <m:r>
+                                <a:rPr lang="en-GB" sz="1400" b="0" i="1" smtClean="0">
+                                  <a:latin typeface="Cambria Math" panose="02040503050406030204" pitchFamily="18" charset="0"/>
+                                </a:rPr>
+                                <m:t>𝑖</m:t>
+                              </m:r>
+                              <m:r>
+                                <a:rPr lang="en-GB" sz="1400" b="0" i="1" smtClean="0">
+                                  <a:latin typeface="Cambria Math" panose="02040503050406030204" pitchFamily="18" charset="0"/>
+                                </a:rPr>
+                                <m:t>+1</m:t>
+                              </m:r>
+                            </m:sub>
+                          </m:sSub>
+                        </m:e>
+                      </m:d>
+                    </m:oMath>
+                  </m:oMathPara>
+                </a14:m>
+                <a:endParaRPr lang="en-GB" sz="1400" dirty="0"/>
+              </a:p>
+            </p:txBody>
+          </p:sp>
+        </mc:Choice>
+        <mc:Fallback xmlns="">
+          <p:sp>
+            <p:nvSpPr>
+              <p:cNvPr id="97" name="Rectangle 96">
+                <a:extLst>
+                  <a:ext uri="{FF2B5EF4-FFF2-40B4-BE49-F238E27FC236}">
+                    <a16:creationId xmlns:a16="http://schemas.microsoft.com/office/drawing/2014/main" id="{79F97EDF-EB0D-6B54-13FB-A128A901516B}"/>
+                  </a:ext>
+                </a:extLst>
+              </p:cNvPr>
+              <p:cNvSpPr>
+                <a:spLocks noRot="1" noChangeAspect="1" noMove="1" noResize="1" noEditPoints="1" noAdjustHandles="1" noChangeArrowheads="1" noChangeShapeType="1" noTextEdit="1"/>
+              </p:cNvSpPr>
+              <p:nvPr/>
+            </p:nvSpPr>
+            <p:spPr>
+              <a:xfrm>
+                <a:off x="7186505" y="1616293"/>
+                <a:ext cx="755920" cy="263058"/>
+              </a:xfrm>
+              <a:prstGeom prst="rect">
+                <a:avLst/>
+              </a:prstGeom>
+              <a:blipFill>
+                <a:blip r:embed="rId12"/>
+                <a:stretch>
+                  <a:fillRect l="-4000" b="-4545"/>
+                </a:stretch>
+              </a:blipFill>
+            </p:spPr>
+            <p:txBody>
+              <a:bodyPr/>
+              <a:lstStyle/>
+              <a:p>
+                <a:r>
+                  <a:rPr lang="en-GB">
+                    <a:noFill/>
+                  </a:rPr>
+                  <a:t> </a:t>
+                </a:r>
+              </a:p>
+            </p:txBody>
+          </p:sp>
+        </mc:Fallback>
+      </mc:AlternateContent>
+      <p:sp>
+        <p:nvSpPr>
+          <p:cNvPr id="98" name="Arrow: Right 97">
+            <a:extLst>
+              <a:ext uri="{FF2B5EF4-FFF2-40B4-BE49-F238E27FC236}">
+                <a16:creationId xmlns:a16="http://schemas.microsoft.com/office/drawing/2014/main" id="{109685EF-874E-1200-03C5-D12FE5A3F785}"/>
+              </a:ext>
+            </a:extLst>
+          </p:cNvPr>
+          <p:cNvSpPr/>
+          <p:nvPr/>
+        </p:nvSpPr>
+        <p:spPr>
+          <a:xfrm>
+            <a:off x="6141149" y="1801675"/>
+            <a:ext cx="947118" cy="573669"/>
+          </a:xfrm>
+          <a:prstGeom prst="rightArrow">
+            <a:avLst/>
+          </a:prstGeom>
+          <a:solidFill>
+            <a:srgbClr val="FF0000"/>
+          </a:solidFill>
+        </p:spPr>
+        <p:style>
+          <a:lnRef idx="2">
+            <a:schemeClr val="accent1">
+              <a:shade val="15000"/>
+            </a:schemeClr>
+          </a:lnRef>
+          <a:fillRef idx="1">
+            <a:schemeClr val="accent1"/>
+          </a:fillRef>
+          <a:effectRef idx="0">
+            <a:schemeClr val="accent1"/>
+          </a:effectRef>
+          <a:fontRef idx="minor">
+            <a:schemeClr val="lt1"/>
+          </a:fontRef>
+        </p:style>
+        <p:txBody>
+          <a:bodyPr rtlCol="0" anchor="ctr"/>
+          <a:lstStyle/>
+          <a:p>
+            <a:pPr algn="ctr"/>
+            <a:r>
+              <a:rPr lang="en-GB" sz="1400" dirty="0"/>
+              <a:t>K(d</a:t>
+            </a:r>
+            <a:r>
+              <a:rPr lang="en-GB" sz="1400" baseline="-25000" dirty="0"/>
+              <a:t>i</a:t>
+            </a:r>
+            <a:r>
+              <a:rPr lang="en-GB" sz="1400" dirty="0"/>
+              <a:t>)</a:t>
+            </a:r>
+          </a:p>
+        </p:txBody>
+      </p:sp>
+      <p:cxnSp>
+        <p:nvCxnSpPr>
+          <p:cNvPr id="100" name="Connector: Elbow 99">
+            <a:extLst>
+              <a:ext uri="{FF2B5EF4-FFF2-40B4-BE49-F238E27FC236}">
+                <a16:creationId xmlns:a16="http://schemas.microsoft.com/office/drawing/2014/main" id="{22219274-508F-FCB6-D9B9-F16CA4CF1986}"/>
+              </a:ext>
+            </a:extLst>
+          </p:cNvPr>
+          <p:cNvCxnSpPr/>
+          <p:nvPr/>
+        </p:nvCxnSpPr>
+        <p:spPr>
+          <a:xfrm>
+            <a:off x="5380897" y="1933604"/>
+            <a:ext cx="784749" cy="170422"/>
+          </a:xfrm>
+          <a:prstGeom prst="bentConnector3">
+            <a:avLst>
+              <a:gd name="adj1" fmla="val 4618"/>
+            </a:avLst>
+          </a:prstGeom>
+          <a:ln w="38100">
+            <a:solidFill>
+              <a:schemeClr val="accent2">
+                <a:lumMod val="75000"/>
+              </a:schemeClr>
+            </a:solidFill>
+            <a:tailEnd type="triangle"/>
+          </a:ln>
+        </p:spPr>
+        <p:style>
+          <a:lnRef idx="1">
+            <a:schemeClr val="accent1"/>
+          </a:lnRef>
+          <a:fillRef idx="0">
+            <a:schemeClr val="accent1"/>
+          </a:fillRef>
+          <a:effectRef idx="0">
+            <a:schemeClr val="accent1"/>
+          </a:effectRef>
+          <a:fontRef idx="minor">
+            <a:schemeClr val="tx1"/>
+          </a:fontRef>
+        </p:style>
+      </p:cxnSp>
+      <p:cxnSp>
+        <p:nvCxnSpPr>
+          <p:cNvPr id="103" name="Connector: Elbow 102">
+            <a:extLst>
+              <a:ext uri="{FF2B5EF4-FFF2-40B4-BE49-F238E27FC236}">
+                <a16:creationId xmlns:a16="http://schemas.microsoft.com/office/drawing/2014/main" id="{4B3F3F4F-6D71-0D1B-685D-8D17D1C745FA}"/>
+              </a:ext>
+            </a:extLst>
+          </p:cNvPr>
+          <p:cNvCxnSpPr>
+            <a:cxnSpLocks/>
+            <a:stCxn id="97" idx="2"/>
+          </p:cNvCxnSpPr>
+          <p:nvPr/>
+        </p:nvCxnSpPr>
+        <p:spPr>
+          <a:xfrm rot="5400000">
+            <a:off x="7222851" y="1752829"/>
+            <a:ext cx="215092" cy="468136"/>
+          </a:xfrm>
+          <a:prstGeom prst="bentConnector2">
+            <a:avLst/>
+          </a:prstGeom>
+          <a:ln w="38100">
+            <a:solidFill>
+              <a:schemeClr val="accent2">
+                <a:lumMod val="75000"/>
+              </a:schemeClr>
+            </a:solidFill>
+            <a:tailEnd type="triangle"/>
+          </a:ln>
+        </p:spPr>
+        <p:style>
+          <a:lnRef idx="1">
+            <a:schemeClr val="accent1"/>
+          </a:lnRef>
+          <a:fillRef idx="0">
+            <a:schemeClr val="accent1"/>
+          </a:fillRef>
+          <a:effectRef idx="0">
+            <a:schemeClr val="accent1"/>
+          </a:effectRef>
+          <a:fontRef idx="minor">
+            <a:schemeClr val="tx1"/>
+          </a:fontRef>
+        </p:style>
+      </p:cxnSp>
+      <mc:AlternateContent xmlns:mc="http://schemas.openxmlformats.org/markup-compatibility/2006" xmlns:a14="http://schemas.microsoft.com/office/drawing/2010/main">
+        <mc:Choice Requires="a14">
+          <p:sp>
+            <p:nvSpPr>
+              <p:cNvPr id="105" name="Rectangle 104">
+                <a:extLst>
+                  <a:ext uri="{FF2B5EF4-FFF2-40B4-BE49-F238E27FC236}">
+                    <a16:creationId xmlns:a16="http://schemas.microsoft.com/office/drawing/2014/main" id="{5FEC1351-7AEB-3418-ABEB-116314106B27}"/>
+                  </a:ext>
+                </a:extLst>
+              </p:cNvPr>
+              <p:cNvSpPr/>
+              <p:nvPr/>
+            </p:nvSpPr>
+            <p:spPr>
+              <a:xfrm>
+                <a:off x="3080239" y="3542121"/>
+                <a:ext cx="2885191" cy="1309792"/>
+              </a:xfrm>
+              <a:prstGeom prst="rect">
+                <a:avLst/>
+              </a:prstGeom>
+            </p:spPr>
+            <p:style>
+              <a:lnRef idx="1">
+                <a:schemeClr val="accent2"/>
+              </a:lnRef>
+              <a:fillRef idx="2">
+                <a:schemeClr val="accent2"/>
+              </a:fillRef>
+              <a:effectRef idx="1">
+                <a:schemeClr val="accent2"/>
+              </a:effectRef>
+              <a:fontRef idx="minor">
+                <a:schemeClr val="dk1"/>
+              </a:fontRef>
+            </p:style>
+            <p:txBody>
+              <a:bodyPr rtlCol="0" anchor="ctr"/>
+              <a:lstStyle/>
+              <a:p>
+                <a:pPr algn="ctr"/>
+                <a14:m>
+                  <m:oMathPara xmlns:m="http://schemas.openxmlformats.org/officeDocument/2006/math">
+                    <m:oMathParaPr>
+                      <m:jc m:val="centerGroup"/>
+                    </m:oMathParaPr>
+                    <m:oMath xmlns:m="http://schemas.openxmlformats.org/officeDocument/2006/math">
+                      <m:sSub>
+                        <m:sSubPr>
+                          <m:ctrlPr>
+                            <a:rPr lang="en-GB" sz="1400" b="0" i="1" smtClean="0">
+                              <a:latin typeface="Cambria Math" panose="02040503050406030204" pitchFamily="18" charset="0"/>
+                            </a:rPr>
+                          </m:ctrlPr>
+                        </m:sSubPr>
+                        <m:e>
+                          <m:acc>
+                            <m:accPr>
+                              <m:chr m:val="̅"/>
+                              <m:ctrlPr>
+                                <a:rPr lang="en-GB" sz="1400" b="0" i="1" smtClean="0">
+                                  <a:latin typeface="Cambria Math" panose="02040503050406030204" pitchFamily="18" charset="0"/>
+                                </a:rPr>
+                              </m:ctrlPr>
+                            </m:accPr>
+                            <m:e>
+                              <m:r>
+                                <a:rPr lang="en-GB" sz="1400" b="0" i="1" smtClean="0">
+                                  <a:latin typeface="Cambria Math" panose="02040503050406030204" pitchFamily="18" charset="0"/>
+                                  <a:ea typeface="Cambria Math" panose="02040503050406030204" pitchFamily="18" charset="0"/>
+                                </a:rPr>
+                                <m:t>𝜓</m:t>
+                              </m:r>
+                            </m:e>
+                          </m:acc>
+                        </m:e>
+                        <m:sub>
+                          <m:r>
+                            <a:rPr lang="en-GB" sz="1400" b="0" i="1" smtClean="0">
+                              <a:latin typeface="Cambria Math" panose="02040503050406030204" pitchFamily="18" charset="0"/>
+                            </a:rPr>
+                            <m:t>𝑖</m:t>
+                          </m:r>
+                        </m:sub>
+                      </m:sSub>
+                      <m:d>
+                        <m:dPr>
+                          <m:ctrlPr>
+                            <a:rPr lang="en-GB" sz="1400" b="0" i="1" smtClean="0">
+                              <a:latin typeface="Cambria Math" panose="02040503050406030204" pitchFamily="18" charset="0"/>
+                            </a:rPr>
+                          </m:ctrlPr>
+                        </m:dPr>
+                        <m:e>
+                          <m:sSub>
+                            <m:sSubPr>
+                              <m:ctrlPr>
+                                <a:rPr lang="en-GB" sz="1400" b="0" i="1" smtClean="0">
+                                  <a:latin typeface="Cambria Math" panose="02040503050406030204" pitchFamily="18" charset="0"/>
+                                </a:rPr>
+                              </m:ctrlPr>
+                            </m:sSubPr>
+                            <m:e>
+                              <m:r>
+                                <a:rPr lang="en-GB" sz="1400" b="0" i="1" smtClean="0">
+                                  <a:latin typeface="Cambria Math" panose="02040503050406030204" pitchFamily="18" charset="0"/>
+                                </a:rPr>
+                                <m:t>𝑧</m:t>
+                              </m:r>
+                            </m:e>
+                            <m:sub>
+                              <m:r>
+                                <a:rPr lang="en-GB" sz="1400" b="0" i="1" smtClean="0">
+                                  <a:latin typeface="Cambria Math" panose="02040503050406030204" pitchFamily="18" charset="0"/>
+                                </a:rPr>
+                                <m:t>𝑖</m:t>
+                              </m:r>
+                            </m:sub>
+                          </m:sSub>
+                        </m:e>
+                      </m:d>
+                      <m:r>
+                        <a:rPr lang="en-GB" sz="1400" b="0" i="1" smtClean="0">
+                          <a:latin typeface="Cambria Math" panose="02040503050406030204" pitchFamily="18" charset="0"/>
+                        </a:rPr>
+                        <m:t>=</m:t>
+                      </m:r>
+                      <m:d>
+                        <m:dPr>
+                          <m:ctrlPr>
+                            <a:rPr lang="en-GB" sz="1400" b="0" i="1" smtClean="0">
+                              <a:latin typeface="Cambria Math" panose="02040503050406030204" pitchFamily="18" charset="0"/>
+                            </a:rPr>
+                          </m:ctrlPr>
+                        </m:dPr>
+                        <m:e>
+                          <m:m>
+                            <m:mPr>
+                              <m:mcs>
+                                <m:mc>
+                                  <m:mcPr>
+                                    <m:count m:val="1"/>
+                                    <m:mcJc m:val="center"/>
+                                  </m:mcPr>
+                                </m:mc>
+                              </m:mcs>
+                              <m:ctrlPr>
+                                <a:rPr lang="en-GB" sz="1400" b="0" i="1" smtClean="0">
+                                  <a:latin typeface="Cambria Math" panose="02040503050406030204" pitchFamily="18" charset="0"/>
+                                </a:rPr>
+                              </m:ctrlPr>
+                            </m:mPr>
+                            <m:mr>
+                              <m:e>
+                                <m:sSub>
+                                  <m:sSubPr>
+                                    <m:ctrlPr>
+                                      <a:rPr lang="en-GB" sz="1400" b="0" i="1" smtClean="0">
+                                        <a:latin typeface="Cambria Math" panose="02040503050406030204" pitchFamily="18" charset="0"/>
+                                      </a:rPr>
+                                    </m:ctrlPr>
+                                  </m:sSubPr>
+                                  <m:e>
+                                    <m:r>
+                                      <a:rPr lang="en-GB" sz="1400" b="0" i="1" smtClean="0">
+                                        <a:latin typeface="Cambria Math" panose="02040503050406030204" pitchFamily="18" charset="0"/>
+                                      </a:rPr>
+                                      <m:t>𝐸</m:t>
+                                    </m:r>
+                                  </m:e>
+                                  <m:sub>
+                                    <m:r>
+                                      <a:rPr lang="en-GB" sz="1400" b="0" i="1" smtClean="0">
+                                        <a:latin typeface="Cambria Math" panose="02040503050406030204" pitchFamily="18" charset="0"/>
+                                      </a:rPr>
+                                      <m:t>𝑥</m:t>
+                                    </m:r>
+                                  </m:sub>
+                                </m:sSub>
+                                <m:d>
+                                  <m:dPr>
+                                    <m:ctrlPr>
+                                      <a:rPr lang="en-GB" sz="1400" b="0" i="1" smtClean="0">
+                                        <a:latin typeface="Cambria Math" panose="02040503050406030204" pitchFamily="18" charset="0"/>
+                                      </a:rPr>
+                                    </m:ctrlPr>
+                                  </m:dPr>
+                                  <m:e>
+                                    <m:sSub>
+                                      <m:sSubPr>
+                                        <m:ctrlPr>
+                                          <a:rPr lang="en-GB" sz="1400" b="0" i="1" smtClean="0">
+                                            <a:latin typeface="Cambria Math" panose="02040503050406030204" pitchFamily="18" charset="0"/>
+                                          </a:rPr>
+                                        </m:ctrlPr>
+                                      </m:sSubPr>
+                                      <m:e>
+                                        <m:r>
+                                          <a:rPr lang="en-GB" sz="1400" b="0" i="1" smtClean="0">
+                                            <a:latin typeface="Cambria Math" panose="02040503050406030204" pitchFamily="18" charset="0"/>
+                                          </a:rPr>
+                                          <m:t>𝑧</m:t>
+                                        </m:r>
+                                      </m:e>
+                                      <m:sub>
+                                        <m:r>
+                                          <a:rPr lang="en-GB" sz="1400" b="0" i="1" smtClean="0">
+                                            <a:latin typeface="Cambria Math" panose="02040503050406030204" pitchFamily="18" charset="0"/>
+                                          </a:rPr>
+                                          <m:t>𝑖</m:t>
+                                        </m:r>
+                                      </m:sub>
+                                    </m:sSub>
+                                  </m:e>
+                                </m:d>
+                              </m:e>
+                            </m:mr>
+                            <m:mr>
+                              <m:e>
+                                <m:sSub>
+                                  <m:sSubPr>
+                                    <m:ctrlPr>
+                                      <a:rPr lang="en-GB" sz="1400" i="1">
+                                        <a:latin typeface="Cambria Math" panose="02040503050406030204" pitchFamily="18" charset="0"/>
+                                      </a:rPr>
+                                    </m:ctrlPr>
+                                  </m:sSubPr>
+                                  <m:e>
+                                    <m:r>
+                                      <a:rPr lang="en-GB" sz="1400" b="0" i="1" smtClean="0">
+                                        <a:latin typeface="Cambria Math" panose="02040503050406030204" pitchFamily="18" charset="0"/>
+                                      </a:rPr>
+                                      <m:t>𝐻</m:t>
+                                    </m:r>
+                                  </m:e>
+                                  <m:sub>
+                                    <m:r>
+                                      <a:rPr lang="en-GB" sz="1400" b="0" i="1" smtClean="0">
+                                        <a:latin typeface="Cambria Math" panose="02040503050406030204" pitchFamily="18" charset="0"/>
+                                      </a:rPr>
+                                      <m:t>𝑦</m:t>
+                                    </m:r>
+                                  </m:sub>
+                                </m:sSub>
+                                <m:d>
+                                  <m:dPr>
+                                    <m:ctrlPr>
+                                      <a:rPr lang="en-GB" sz="1400" i="1">
+                                        <a:latin typeface="Cambria Math" panose="02040503050406030204" pitchFamily="18" charset="0"/>
+                                      </a:rPr>
+                                    </m:ctrlPr>
+                                  </m:dPr>
+                                  <m:e>
+                                    <m:sSub>
+                                      <m:sSubPr>
+                                        <m:ctrlPr>
+                                          <a:rPr lang="en-GB" sz="1400" i="1">
+                                            <a:latin typeface="Cambria Math" panose="02040503050406030204" pitchFamily="18" charset="0"/>
+                                          </a:rPr>
+                                        </m:ctrlPr>
+                                      </m:sSubPr>
+                                      <m:e>
+                                        <m:r>
+                                          <a:rPr lang="en-GB" sz="1400" b="0" i="1" smtClean="0">
+                                            <a:latin typeface="Cambria Math" panose="02040503050406030204" pitchFamily="18" charset="0"/>
+                                          </a:rPr>
+                                          <m:t>𝑧</m:t>
+                                        </m:r>
+                                      </m:e>
+                                      <m:sub>
+                                        <m:r>
+                                          <a:rPr lang="en-GB" sz="1400" i="1">
+                                            <a:latin typeface="Cambria Math" panose="02040503050406030204" pitchFamily="18" charset="0"/>
+                                          </a:rPr>
+                                          <m:t>𝑖</m:t>
+                                        </m:r>
+                                      </m:sub>
+                                    </m:sSub>
+                                  </m:e>
+                                </m:d>
+                              </m:e>
+                            </m:mr>
+                            <m:mr>
+                              <m:e>
+                                <m:sSub>
+                                  <m:sSubPr>
+                                    <m:ctrlPr>
+                                      <a:rPr lang="en-GB" sz="1400" i="1">
+                                        <a:latin typeface="Cambria Math" panose="02040503050406030204" pitchFamily="18" charset="0"/>
+                                      </a:rPr>
+                                    </m:ctrlPr>
+                                  </m:sSubPr>
+                                  <m:e>
+                                    <m:r>
+                                      <a:rPr lang="en-GB" sz="1400" i="1">
+                                        <a:latin typeface="Cambria Math" panose="02040503050406030204" pitchFamily="18" charset="0"/>
+                                      </a:rPr>
+                                      <m:t>𝐸</m:t>
+                                    </m:r>
+                                  </m:e>
+                                  <m:sub>
+                                    <m:r>
+                                      <a:rPr lang="en-GB" sz="1400" b="0" i="1" smtClean="0">
+                                        <a:latin typeface="Cambria Math" panose="02040503050406030204" pitchFamily="18" charset="0"/>
+                                      </a:rPr>
+                                      <m:t>𝑦</m:t>
+                                    </m:r>
+                                  </m:sub>
+                                </m:sSub>
+                                <m:d>
+                                  <m:dPr>
+                                    <m:ctrlPr>
+                                      <a:rPr lang="en-GB" sz="1400" i="1">
+                                        <a:latin typeface="Cambria Math" panose="02040503050406030204" pitchFamily="18" charset="0"/>
+                                      </a:rPr>
+                                    </m:ctrlPr>
+                                  </m:dPr>
+                                  <m:e>
+                                    <m:sSub>
+                                      <m:sSubPr>
+                                        <m:ctrlPr>
+                                          <a:rPr lang="en-GB" sz="1400" i="1">
+                                            <a:latin typeface="Cambria Math" panose="02040503050406030204" pitchFamily="18" charset="0"/>
+                                          </a:rPr>
+                                        </m:ctrlPr>
+                                      </m:sSubPr>
+                                      <m:e>
+                                        <m:r>
+                                          <a:rPr lang="en-GB" sz="1400" b="0" i="1" smtClean="0">
+                                            <a:latin typeface="Cambria Math" panose="02040503050406030204" pitchFamily="18" charset="0"/>
+                                          </a:rPr>
+                                          <m:t>𝑧</m:t>
+                                        </m:r>
+                                      </m:e>
+                                      <m:sub>
+                                        <m:r>
+                                          <a:rPr lang="en-GB" sz="1400" i="1">
+                                            <a:latin typeface="Cambria Math" panose="02040503050406030204" pitchFamily="18" charset="0"/>
+                                          </a:rPr>
+                                          <m:t>𝑖</m:t>
+                                        </m:r>
+                                      </m:sub>
+                                    </m:sSub>
+                                  </m:e>
+                                </m:d>
+                              </m:e>
+                            </m:mr>
+                            <m:mr>
+                              <m:e>
+                                <m:sSub>
+                                  <m:sSubPr>
+                                    <m:ctrlPr>
+                                      <a:rPr lang="en-GB" sz="1400" i="1">
+                                        <a:latin typeface="Cambria Math" panose="02040503050406030204" pitchFamily="18" charset="0"/>
+                                      </a:rPr>
+                                    </m:ctrlPr>
+                                  </m:sSubPr>
+                                  <m:e>
+                                    <m:r>
+                                      <a:rPr lang="en-GB" sz="1400" b="0" i="1" smtClean="0">
+                                        <a:latin typeface="Cambria Math" panose="02040503050406030204" pitchFamily="18" charset="0"/>
+                                      </a:rPr>
+                                      <m:t>−</m:t>
+                                    </m:r>
+                                    <m:r>
+                                      <a:rPr lang="en-GB" sz="1400" b="0" i="1" smtClean="0">
+                                        <a:latin typeface="Cambria Math" panose="02040503050406030204" pitchFamily="18" charset="0"/>
+                                      </a:rPr>
+                                      <m:t>𝐻</m:t>
+                                    </m:r>
+                                  </m:e>
+                                  <m:sub>
+                                    <m:r>
+                                      <a:rPr lang="en-GB" sz="1400" b="0" i="1" smtClean="0">
+                                        <a:latin typeface="Cambria Math" panose="02040503050406030204" pitchFamily="18" charset="0"/>
+                                      </a:rPr>
+                                      <m:t>𝑦</m:t>
+                                    </m:r>
+                                  </m:sub>
+                                </m:sSub>
+                                <m:d>
+                                  <m:dPr>
+                                    <m:ctrlPr>
+                                      <a:rPr lang="en-GB" sz="1400" i="1">
+                                        <a:latin typeface="Cambria Math" panose="02040503050406030204" pitchFamily="18" charset="0"/>
+                                      </a:rPr>
+                                    </m:ctrlPr>
+                                  </m:dPr>
+                                  <m:e>
+                                    <m:r>
+                                      <a:rPr lang="en-GB" sz="1400" b="0" i="1" smtClean="0">
+                                        <a:latin typeface="Cambria Math" panose="02040503050406030204" pitchFamily="18" charset="0"/>
+                                      </a:rPr>
+                                      <m:t>𝑧</m:t>
+                                    </m:r>
+                                  </m:e>
+                                </m:d>
+                              </m:e>
+                            </m:mr>
+                          </m:m>
+                        </m:e>
+                      </m:d>
+                      <m:r>
+                        <a:rPr lang="en-GB" sz="1400" b="0" i="1" smtClean="0">
+                          <a:latin typeface="Cambria Math" panose="02040503050406030204" pitchFamily="18" charset="0"/>
+                        </a:rPr>
+                        <m:t>=</m:t>
+                      </m:r>
+                      <m:sSub>
+                        <m:sSubPr>
+                          <m:ctrlPr>
+                            <a:rPr lang="en-GB" sz="1400" b="0" i="1" smtClean="0">
+                              <a:latin typeface="Cambria Math" panose="02040503050406030204" pitchFamily="18" charset="0"/>
+                            </a:rPr>
+                          </m:ctrlPr>
+                        </m:sSubPr>
+                        <m:e>
+                          <m:acc>
+                            <m:accPr>
+                              <m:chr m:val="̿"/>
+                              <m:ctrlPr>
+                                <a:rPr lang="en-GB" sz="1400" b="0" i="1" smtClean="0">
+                                  <a:latin typeface="Cambria Math" panose="02040503050406030204" pitchFamily="18" charset="0"/>
+                                </a:rPr>
+                              </m:ctrlPr>
+                            </m:accPr>
+                            <m:e>
+                              <m:sSub>
+                                <m:sSubPr>
+                                  <m:ctrlPr>
+                                    <a:rPr lang="en-GB" sz="1400" b="0" i="1" smtClean="0">
+                                      <a:latin typeface="Cambria Math" panose="02040503050406030204" pitchFamily="18" charset="0"/>
+                                    </a:rPr>
+                                  </m:ctrlPr>
+                                </m:sSubPr>
+                                <m:e>
+                                  <m:r>
+                                    <a:rPr lang="en-GB" sz="1400" b="0" i="1" smtClean="0">
+                                      <a:latin typeface="Cambria Math" panose="02040503050406030204" pitchFamily="18" charset="0"/>
+                                    </a:rPr>
+                                    <m:t>𝐴</m:t>
+                                  </m:r>
+                                </m:e>
+                                <m:sub>
+                                  <m:r>
+                                    <a:rPr lang="en-GB" sz="1400" b="0" i="1" smtClean="0">
+                                      <a:latin typeface="Cambria Math" panose="02040503050406030204" pitchFamily="18" charset="0"/>
+                                    </a:rPr>
+                                    <m:t>𝑖</m:t>
+                                  </m:r>
+                                </m:sub>
+                              </m:sSub>
+                            </m:e>
+                          </m:acc>
+                          <m:acc>
+                            <m:accPr>
+                              <m:chr m:val="̅"/>
+                              <m:ctrlPr>
+                                <a:rPr lang="en-GB" sz="1400" b="0" i="1" smtClean="0">
+                                  <a:latin typeface="Cambria Math" panose="02040503050406030204" pitchFamily="18" charset="0"/>
+                                </a:rPr>
+                              </m:ctrlPr>
+                            </m:accPr>
+                            <m:e>
+                              <m:r>
+                                <a:rPr lang="en-GB" sz="1400" i="1">
+                                  <a:latin typeface="Cambria Math" panose="02040503050406030204" pitchFamily="18" charset="0"/>
+                                </a:rPr>
+                                <m:t>𝐸</m:t>
+                              </m:r>
+                            </m:e>
+                          </m:acc>
+                        </m:e>
+                        <m:sub>
+                          <m:r>
+                            <a:rPr lang="en-GB" sz="1400" b="0" i="1" smtClean="0">
+                              <a:latin typeface="Cambria Math" panose="02040503050406030204" pitchFamily="18" charset="0"/>
+                            </a:rPr>
+                            <m:t>𝑖</m:t>
+                          </m:r>
+                        </m:sub>
+                      </m:sSub>
+                      <m:d>
+                        <m:dPr>
+                          <m:ctrlPr>
+                            <a:rPr lang="en-GB" sz="1400" b="0" i="1" smtClean="0">
+                              <a:latin typeface="Cambria Math" panose="02040503050406030204" pitchFamily="18" charset="0"/>
+                            </a:rPr>
+                          </m:ctrlPr>
+                        </m:dPr>
+                        <m:e>
+                          <m:r>
+                            <a:rPr lang="en-GB" sz="1400" b="0" i="1" smtClean="0">
+                              <a:latin typeface="Cambria Math" panose="02040503050406030204" pitchFamily="18" charset="0"/>
+                            </a:rPr>
+                            <m:t> </m:t>
+                          </m:r>
+                          <m:sSub>
+                            <m:sSubPr>
+                              <m:ctrlPr>
+                                <a:rPr lang="en-GB" sz="1400" b="0" i="1" smtClean="0">
+                                  <a:latin typeface="Cambria Math" panose="02040503050406030204" pitchFamily="18" charset="0"/>
+                                </a:rPr>
+                              </m:ctrlPr>
+                            </m:sSubPr>
+                            <m:e>
+                              <m:r>
+                                <a:rPr lang="en-GB" sz="1400" b="0" i="1" smtClean="0">
+                                  <a:latin typeface="Cambria Math" panose="02040503050406030204" pitchFamily="18" charset="0"/>
+                                </a:rPr>
+                                <m:t>𝑧</m:t>
+                              </m:r>
+                            </m:e>
+                            <m:sub>
+                              <m:r>
+                                <a:rPr lang="en-GB" sz="1400" b="0" i="1" smtClean="0">
+                                  <a:latin typeface="Cambria Math" panose="02040503050406030204" pitchFamily="18" charset="0"/>
+                                </a:rPr>
+                                <m:t>𝑖</m:t>
+                              </m:r>
+                            </m:sub>
+                          </m:sSub>
+                        </m:e>
+                      </m:d>
+                    </m:oMath>
+                  </m:oMathPara>
+                </a14:m>
+                <a:endParaRPr lang="en-GB" sz="1400" dirty="0"/>
+              </a:p>
+            </p:txBody>
+          </p:sp>
+        </mc:Choice>
+        <mc:Fallback xmlns="">
+          <p:sp>
+            <p:nvSpPr>
+              <p:cNvPr id="105" name="Rectangle 104">
+                <a:extLst>
+                  <a:ext uri="{FF2B5EF4-FFF2-40B4-BE49-F238E27FC236}">
+                    <a16:creationId xmlns:a16="http://schemas.microsoft.com/office/drawing/2014/main" id="{5FEC1351-7AEB-3418-ABEB-116314106B27}"/>
+                  </a:ext>
+                </a:extLst>
+              </p:cNvPr>
+              <p:cNvSpPr>
+                <a:spLocks noRot="1" noChangeAspect="1" noMove="1" noResize="1" noEditPoints="1" noAdjustHandles="1" noChangeArrowheads="1" noChangeShapeType="1" noTextEdit="1"/>
+              </p:cNvSpPr>
+              <p:nvPr/>
+            </p:nvSpPr>
+            <p:spPr>
+              <a:xfrm>
+                <a:off x="3080239" y="3542121"/>
+                <a:ext cx="2885191" cy="1309792"/>
+              </a:xfrm>
+              <a:prstGeom prst="rect">
+                <a:avLst/>
+              </a:prstGeom>
+              <a:blipFill>
+                <a:blip r:embed="rId13"/>
+                <a:stretch>
+                  <a:fillRect/>
+                </a:stretch>
+              </a:blipFill>
+            </p:spPr>
+            <p:txBody>
+              <a:bodyPr/>
+              <a:lstStyle/>
+              <a:p>
+                <a:r>
+                  <a:rPr lang="en-GB">
+                    <a:noFill/>
+                  </a:rPr>
+                  <a:t> </a:t>
+                </a:r>
+              </a:p>
+            </p:txBody>
+          </p:sp>
+        </mc:Fallback>
+      </mc:AlternateContent>
+      <p:cxnSp>
+        <p:nvCxnSpPr>
+          <p:cNvPr id="107" name="Connector: Elbow 106">
+            <a:extLst>
+              <a:ext uri="{FF2B5EF4-FFF2-40B4-BE49-F238E27FC236}">
+                <a16:creationId xmlns:a16="http://schemas.microsoft.com/office/drawing/2014/main" id="{86503256-0F21-D62F-FEB0-240AC45F44B0}"/>
+              </a:ext>
+            </a:extLst>
+          </p:cNvPr>
+          <p:cNvCxnSpPr>
+            <a:cxnSpLocks/>
+          </p:cNvCxnSpPr>
+          <p:nvPr/>
+        </p:nvCxnSpPr>
+        <p:spPr>
+          <a:xfrm rot="16200000" flipV="1">
+            <a:off x="5204795" y="4489419"/>
+            <a:ext cx="727763" cy="623001"/>
+          </a:xfrm>
+          <a:prstGeom prst="bentConnector3">
+            <a:avLst/>
+          </a:prstGeom>
+          <a:ln w="38100">
+            <a:solidFill>
+              <a:schemeClr val="accent2">
+                <a:lumMod val="75000"/>
+              </a:schemeClr>
+            </a:solidFill>
+            <a:tailEnd type="triangle"/>
+          </a:ln>
+        </p:spPr>
+        <p:style>
+          <a:lnRef idx="1">
+            <a:schemeClr val="accent1"/>
+          </a:lnRef>
+          <a:fillRef idx="0">
+            <a:schemeClr val="accent1"/>
+          </a:fillRef>
+          <a:effectRef idx="0">
+            <a:schemeClr val="accent1"/>
+          </a:effectRef>
+          <a:fontRef idx="minor">
+            <a:schemeClr val="tx1"/>
+          </a:fontRef>
+        </p:style>
+      </p:cxnSp>
+      <mc:AlternateContent xmlns:mc="http://schemas.openxmlformats.org/markup-compatibility/2006" xmlns:a14="http://schemas.microsoft.com/office/drawing/2010/main">
+        <mc:Choice Requires="a14">
+          <p:sp>
+            <p:nvSpPr>
+              <p:cNvPr id="11" name="Rectangle 10">
+                <a:extLst>
+                  <a:ext uri="{FF2B5EF4-FFF2-40B4-BE49-F238E27FC236}">
+                    <a16:creationId xmlns:a16="http://schemas.microsoft.com/office/drawing/2014/main" id="{C0ADEC7E-EE9B-7905-AEBF-DF47C4629B6E}"/>
+                  </a:ext>
+                </a:extLst>
+              </p:cNvPr>
+              <p:cNvSpPr/>
+              <p:nvPr/>
+            </p:nvSpPr>
+            <p:spPr>
+              <a:xfrm>
+                <a:off x="6546648" y="3665945"/>
+                <a:ext cx="2416176" cy="929911"/>
+              </a:xfrm>
+              <a:prstGeom prst="rect">
+                <a:avLst/>
+              </a:prstGeom>
+            </p:spPr>
+            <p:style>
+              <a:lnRef idx="1">
+                <a:schemeClr val="accent2"/>
+              </a:lnRef>
+              <a:fillRef idx="2">
+                <a:schemeClr val="accent2"/>
+              </a:fillRef>
+              <a:effectRef idx="1">
+                <a:schemeClr val="accent2"/>
+              </a:effectRef>
+              <a:fontRef idx="minor">
+                <a:schemeClr val="dk1"/>
+              </a:fontRef>
+            </p:style>
+            <p:txBody>
+              <a:bodyPr rtlCol="0" anchor="ctr"/>
+              <a:lstStyle/>
+              <a:p>
+                <a:pPr algn="ctr"/>
+                <a14:m>
+                  <m:oMathPara xmlns:m="http://schemas.openxmlformats.org/officeDocument/2006/math">
+                    <m:oMathParaPr>
+                      <m:jc m:val="centerGroup"/>
+                    </m:oMathParaPr>
+                    <m:oMath xmlns:m="http://schemas.openxmlformats.org/officeDocument/2006/math">
+                      <m:sSub>
+                        <m:sSubPr>
+                          <m:ctrlPr>
+                            <a:rPr lang="en-GB" sz="1400" i="1">
+                              <a:latin typeface="Cambria Math" panose="02040503050406030204" pitchFamily="18" charset="0"/>
+                            </a:rPr>
+                          </m:ctrlPr>
+                        </m:sSubPr>
+                        <m:e>
+                          <m:acc>
+                            <m:accPr>
+                              <m:chr m:val="̿"/>
+                              <m:ctrlPr>
+                                <a:rPr lang="en-GB" sz="1400" i="1">
+                                  <a:latin typeface="Cambria Math" panose="02040503050406030204" pitchFamily="18" charset="0"/>
+                                </a:rPr>
+                              </m:ctrlPr>
+                            </m:accPr>
+                            <m:e>
+                              <m:r>
+                                <a:rPr lang="en-GB" sz="1400" i="1">
+                                  <a:latin typeface="Cambria Math" panose="02040503050406030204" pitchFamily="18" charset="0"/>
+                                </a:rPr>
+                                <m:t>𝐴</m:t>
+                              </m:r>
+                            </m:e>
+                          </m:acc>
+                        </m:e>
+                        <m:sub>
+                          <m:r>
+                            <a:rPr lang="en-GB" sz="1400" i="1">
+                              <a:latin typeface="Cambria Math" panose="02040503050406030204" pitchFamily="18" charset="0"/>
+                            </a:rPr>
+                            <m:t>𝑖</m:t>
+                          </m:r>
+                        </m:sub>
+                      </m:sSub>
+                      <m:sSub>
+                        <m:sSubPr>
+                          <m:ctrlPr>
+                            <a:rPr lang="en-GB" sz="1400" i="1">
+                              <a:latin typeface="Cambria Math" panose="02040503050406030204" pitchFamily="18" charset="0"/>
+                            </a:rPr>
+                          </m:ctrlPr>
+                        </m:sSubPr>
+                        <m:e>
+                          <m:acc>
+                            <m:accPr>
+                              <m:chr m:val="̅"/>
+                              <m:ctrlPr>
+                                <a:rPr lang="en-GB" sz="1400" i="1">
+                                  <a:latin typeface="Cambria Math" panose="02040503050406030204" pitchFamily="18" charset="0"/>
+                                </a:rPr>
+                              </m:ctrlPr>
+                            </m:accPr>
+                            <m:e>
+                              <m:r>
+                                <a:rPr lang="en-GB" sz="1400" i="1">
+                                  <a:latin typeface="Cambria Math" panose="02040503050406030204" pitchFamily="18" charset="0"/>
+                                </a:rPr>
+                                <m:t>𝐸</m:t>
+                              </m:r>
+                            </m:e>
+                          </m:acc>
+                        </m:e>
+                        <m:sub>
+                          <m:r>
+                            <a:rPr lang="en-GB" sz="1400" i="1">
+                              <a:latin typeface="Cambria Math" panose="02040503050406030204" pitchFamily="18" charset="0"/>
+                            </a:rPr>
+                            <m:t>𝑖</m:t>
+                          </m:r>
+                        </m:sub>
+                      </m:sSub>
+                      <m:r>
+                        <a:rPr lang="en-GB" sz="1400" i="1">
+                          <a:latin typeface="Cambria Math" panose="02040503050406030204" pitchFamily="18" charset="0"/>
+                        </a:rPr>
+                        <m:t>(</m:t>
+                      </m:r>
+                      <m:sSub>
+                        <m:sSubPr>
+                          <m:ctrlPr>
+                            <a:rPr lang="en-GB" sz="1400" i="1">
+                              <a:latin typeface="Cambria Math" panose="02040503050406030204" pitchFamily="18" charset="0"/>
+                            </a:rPr>
+                          </m:ctrlPr>
+                        </m:sSubPr>
+                        <m:e>
+                          <m:r>
+                            <a:rPr lang="en-GB" sz="1400" i="1">
+                              <a:latin typeface="Cambria Math" panose="02040503050406030204" pitchFamily="18" charset="0"/>
+                            </a:rPr>
+                            <m:t>𝑧</m:t>
+                          </m:r>
+                        </m:e>
+                        <m:sub>
+                          <m:r>
+                            <a:rPr lang="en-GB" sz="1400" i="1">
+                              <a:latin typeface="Cambria Math" panose="02040503050406030204" pitchFamily="18" charset="0"/>
+                            </a:rPr>
+                            <m:t>𝑖</m:t>
+                          </m:r>
+                          <m:r>
+                            <a:rPr lang="en-GB" sz="1400" i="1">
+                              <a:latin typeface="Cambria Math" panose="02040503050406030204" pitchFamily="18" charset="0"/>
+                            </a:rPr>
+                            <m:t>+1</m:t>
+                          </m:r>
+                        </m:sub>
+                      </m:sSub>
+                      <m:r>
+                        <a:rPr lang="en-GB" sz="1400" i="1">
+                          <a:latin typeface="Cambria Math" panose="02040503050406030204" pitchFamily="18" charset="0"/>
+                        </a:rPr>
+                        <m:t>)</m:t>
+                      </m:r>
+                      <m:r>
+                        <a:rPr lang="en-GB" sz="1400" b="0" i="1" smtClean="0">
+                          <a:latin typeface="Cambria Math" panose="02040503050406030204" pitchFamily="18" charset="0"/>
+                        </a:rPr>
+                        <m:t>=</m:t>
+                      </m:r>
+                      <m:sSub>
+                        <m:sSubPr>
+                          <m:ctrlPr>
+                            <a:rPr lang="en-GB" sz="1400" b="0" i="1" smtClean="0">
+                              <a:latin typeface="Cambria Math" panose="02040503050406030204" pitchFamily="18" charset="0"/>
+                            </a:rPr>
+                          </m:ctrlPr>
+                        </m:sSubPr>
+                        <m:e>
+                          <m:acc>
+                            <m:accPr>
+                              <m:chr m:val="̿"/>
+                              <m:ctrlPr>
+                                <a:rPr lang="en-GB" sz="1400" b="0" i="1" smtClean="0">
+                                  <a:latin typeface="Cambria Math" panose="02040503050406030204" pitchFamily="18" charset="0"/>
+                                </a:rPr>
+                              </m:ctrlPr>
+                            </m:accPr>
+                            <m:e>
+                              <m:r>
+                                <a:rPr lang="en-GB" sz="1400" b="0" i="1" smtClean="0">
+                                  <a:latin typeface="Cambria Math" panose="02040503050406030204" pitchFamily="18" charset="0"/>
+                                </a:rPr>
+                                <m:t>𝐴</m:t>
+                              </m:r>
+                            </m:e>
+                          </m:acc>
+                        </m:e>
+                        <m:sub>
+                          <m:r>
+                            <a:rPr lang="en-GB" sz="1400" b="0" i="1" smtClean="0">
+                              <a:latin typeface="Cambria Math" panose="02040503050406030204" pitchFamily="18" charset="0"/>
+                            </a:rPr>
+                            <m:t>𝑖</m:t>
+                          </m:r>
+                          <m:r>
+                            <a:rPr lang="en-GB" sz="1400" b="0" i="1" smtClean="0">
+                              <a:latin typeface="Cambria Math" panose="02040503050406030204" pitchFamily="18" charset="0"/>
+                            </a:rPr>
+                            <m:t>+1</m:t>
+                          </m:r>
+                        </m:sub>
+                      </m:sSub>
+                      <m:sSub>
+                        <m:sSubPr>
+                          <m:ctrlPr>
+                            <a:rPr lang="en-GB" sz="1400" b="0" i="1" smtClean="0">
+                              <a:latin typeface="Cambria Math" panose="02040503050406030204" pitchFamily="18" charset="0"/>
+                            </a:rPr>
+                          </m:ctrlPr>
+                        </m:sSubPr>
+                        <m:e>
+                          <m:acc>
+                            <m:accPr>
+                              <m:chr m:val="̅"/>
+                              <m:ctrlPr>
+                                <a:rPr lang="en-GB" sz="1400" b="0" i="1" smtClean="0">
+                                  <a:latin typeface="Cambria Math" panose="02040503050406030204" pitchFamily="18" charset="0"/>
+                                </a:rPr>
+                              </m:ctrlPr>
+                            </m:accPr>
+                            <m:e>
+                              <m:r>
+                                <a:rPr lang="en-GB" sz="1400" b="0" i="1" smtClean="0">
+                                  <a:latin typeface="Cambria Math" panose="02040503050406030204" pitchFamily="18" charset="0"/>
+                                </a:rPr>
+                                <m:t>𝐸</m:t>
+                              </m:r>
+                            </m:e>
+                          </m:acc>
+                        </m:e>
+                        <m:sub>
+                          <m:r>
+                            <a:rPr lang="en-GB" sz="1400" b="0" i="1" smtClean="0">
+                              <a:latin typeface="Cambria Math" panose="02040503050406030204" pitchFamily="18" charset="0"/>
+                            </a:rPr>
+                            <m:t>𝑖</m:t>
+                          </m:r>
+                          <m:r>
+                            <a:rPr lang="en-GB" sz="1400" b="0" i="1" smtClean="0">
+                              <a:latin typeface="Cambria Math" panose="02040503050406030204" pitchFamily="18" charset="0"/>
+                            </a:rPr>
+                            <m:t>+1</m:t>
+                          </m:r>
+                        </m:sub>
+                      </m:sSub>
+                      <m:r>
+                        <a:rPr lang="en-GB" sz="1400" b="0" i="1" smtClean="0">
+                          <a:latin typeface="Cambria Math" panose="02040503050406030204" pitchFamily="18" charset="0"/>
+                        </a:rPr>
+                        <m:t>(</m:t>
+                      </m:r>
+                      <m:sSub>
+                        <m:sSubPr>
+                          <m:ctrlPr>
+                            <a:rPr lang="en-GB" sz="1400" b="0" i="1" smtClean="0">
+                              <a:latin typeface="Cambria Math" panose="02040503050406030204" pitchFamily="18" charset="0"/>
+                            </a:rPr>
+                          </m:ctrlPr>
+                        </m:sSubPr>
+                        <m:e>
+                          <m:r>
+                            <a:rPr lang="en-GB" sz="1400" b="0" i="1" smtClean="0">
+                              <a:latin typeface="Cambria Math" panose="02040503050406030204" pitchFamily="18" charset="0"/>
+                            </a:rPr>
+                            <m:t>𝑧</m:t>
+                          </m:r>
+                        </m:e>
+                        <m:sub>
+                          <m:r>
+                            <a:rPr lang="en-GB" sz="1400" b="0" i="1" smtClean="0">
+                              <a:latin typeface="Cambria Math" panose="02040503050406030204" pitchFamily="18" charset="0"/>
+                            </a:rPr>
+                            <m:t>𝑖</m:t>
+                          </m:r>
+                          <m:r>
+                            <a:rPr lang="en-GB" sz="1400" b="0" i="1" smtClean="0">
+                              <a:latin typeface="Cambria Math" panose="02040503050406030204" pitchFamily="18" charset="0"/>
+                            </a:rPr>
+                            <m:t>+1</m:t>
+                          </m:r>
+                        </m:sub>
+                      </m:sSub>
+                      <m:r>
+                        <a:rPr lang="en-GB" sz="1400" b="0" i="1" smtClean="0">
+                          <a:latin typeface="Cambria Math" panose="02040503050406030204" pitchFamily="18" charset="0"/>
+                        </a:rPr>
+                        <m:t>)</m:t>
+                      </m:r>
+                    </m:oMath>
+                  </m:oMathPara>
+                </a14:m>
+                <a:endParaRPr lang="en-GB" sz="1400" dirty="0"/>
+              </a:p>
+            </p:txBody>
+          </p:sp>
+        </mc:Choice>
+        <mc:Fallback xmlns="">
+          <p:sp>
+            <p:nvSpPr>
+              <p:cNvPr id="11" name="Rectangle 10">
+                <a:extLst>
+                  <a:ext uri="{FF2B5EF4-FFF2-40B4-BE49-F238E27FC236}">
+                    <a16:creationId xmlns:a16="http://schemas.microsoft.com/office/drawing/2014/main" id="{C0ADEC7E-EE9B-7905-AEBF-DF47C4629B6E}"/>
+                  </a:ext>
+                </a:extLst>
+              </p:cNvPr>
+              <p:cNvSpPr>
+                <a:spLocks noRot="1" noChangeAspect="1" noMove="1" noResize="1" noEditPoints="1" noAdjustHandles="1" noChangeArrowheads="1" noChangeShapeType="1" noTextEdit="1"/>
+              </p:cNvSpPr>
+              <p:nvPr/>
+            </p:nvSpPr>
+            <p:spPr>
+              <a:xfrm>
+                <a:off x="6546648" y="3665945"/>
+                <a:ext cx="2416176" cy="929911"/>
+              </a:xfrm>
+              <a:prstGeom prst="rect">
+                <a:avLst/>
+              </a:prstGeom>
+              <a:blipFill>
+                <a:blip r:embed="rId14"/>
+                <a:stretch>
+                  <a:fillRect/>
+                </a:stretch>
+              </a:blipFill>
+            </p:spPr>
+            <p:txBody>
+              <a:bodyPr/>
+              <a:lstStyle/>
+              <a:p>
+                <a:r>
+                  <a:rPr lang="en-GB">
+                    <a:noFill/>
+                  </a:rPr>
+                  <a:t> </a:t>
+                </a:r>
+              </a:p>
+            </p:txBody>
+          </p:sp>
+        </mc:Fallback>
+      </mc:AlternateContent>
+      <p:sp>
+        <p:nvSpPr>
+          <p:cNvPr id="54" name="Arrow: Right 53">
+            <a:extLst>
+              <a:ext uri="{FF2B5EF4-FFF2-40B4-BE49-F238E27FC236}">
+                <a16:creationId xmlns:a16="http://schemas.microsoft.com/office/drawing/2014/main" id="{B3691038-6D8B-97ED-14F2-357CC7F3F46D}"/>
+              </a:ext>
+            </a:extLst>
+          </p:cNvPr>
+          <p:cNvSpPr/>
+          <p:nvPr/>
+        </p:nvSpPr>
+        <p:spPr>
+          <a:xfrm rot="16738739">
+            <a:off x="6331214" y="3201558"/>
+            <a:ext cx="1293085" cy="117430"/>
+          </a:xfrm>
+          <a:prstGeom prst="rightArrow">
+            <a:avLst/>
+          </a:prstGeom>
+          <a:solidFill>
+            <a:srgbClr val="00B050"/>
+          </a:solidFill>
+        </p:spPr>
+        <p:style>
+          <a:lnRef idx="2">
+            <a:schemeClr val="accent1">
+              <a:shade val="15000"/>
+            </a:schemeClr>
+          </a:lnRef>
+          <a:fillRef idx="1">
+            <a:schemeClr val="accent1"/>
+          </a:fillRef>
+          <a:effectRef idx="0">
+            <a:schemeClr val="accent1"/>
+          </a:effectRef>
+          <a:fontRef idx="minor">
+            <a:schemeClr val="lt1"/>
+          </a:fontRef>
+        </p:style>
+        <p:txBody>
+          <a:bodyPr rtlCol="0" anchor="ctr"/>
+          <a:lstStyle/>
+          <a:p>
+            <a:pPr algn="ctr"/>
+            <a:endParaRPr lang="en-GB" dirty="0"/>
+          </a:p>
+        </p:txBody>
+      </p:sp>
+      <p:sp>
+        <p:nvSpPr>
+          <p:cNvPr id="56" name="Arrow: Right 55">
+            <a:extLst>
+              <a:ext uri="{FF2B5EF4-FFF2-40B4-BE49-F238E27FC236}">
+                <a16:creationId xmlns:a16="http://schemas.microsoft.com/office/drawing/2014/main" id="{2D3FE859-060A-DD63-9A55-900C0C7D7AC7}"/>
+              </a:ext>
+            </a:extLst>
+          </p:cNvPr>
+          <p:cNvSpPr/>
+          <p:nvPr/>
+        </p:nvSpPr>
+        <p:spPr>
+          <a:xfrm rot="13752936">
+            <a:off x="6881827" y="3207698"/>
+            <a:ext cx="1678545" cy="125003"/>
+          </a:xfrm>
+          <a:prstGeom prst="rightArrow">
+            <a:avLst/>
+          </a:prstGeom>
+          <a:solidFill>
+            <a:srgbClr val="00B050"/>
+          </a:solidFill>
+        </p:spPr>
+        <p:style>
+          <a:lnRef idx="2">
+            <a:schemeClr val="accent1">
+              <a:shade val="15000"/>
+            </a:schemeClr>
+          </a:lnRef>
+          <a:fillRef idx="1">
+            <a:schemeClr val="accent1"/>
+          </a:fillRef>
+          <a:effectRef idx="0">
+            <a:schemeClr val="accent1"/>
+          </a:effectRef>
+          <a:fontRef idx="minor">
+            <a:schemeClr val="lt1"/>
+          </a:fontRef>
+        </p:style>
+        <p:txBody>
+          <a:bodyPr rtlCol="0" anchor="ctr"/>
+          <a:lstStyle/>
+          <a:p>
+            <a:pPr algn="ctr"/>
+            <a:endParaRPr lang="en-GB" dirty="0"/>
+          </a:p>
+        </p:txBody>
+      </p:sp>
+    </p:spTree>
+    <p:extLst>
+      <p:ext uri="{BB962C8B-B14F-4D97-AF65-F5344CB8AC3E}">
+        <p14:creationId xmlns:p14="http://schemas.microsoft.com/office/powerpoint/2010/main" val="1670487542"/>
+      </p:ext>
+    </p:extLst>
+  </p:cSld>
+  <p:clrMapOvr>
+    <a:masterClrMapping/>
+  </p:clrMapOvr>
+</p:sld>
+</file>
+
+<file path=ppt/slides/slide6.xml><?xml version="1.0" encoding="utf-8"?>
+<p:sld xmlns:a="http://schemas.openxmlformats.org/drawingml/2006/main" xmlns:r="http://schemas.openxmlformats.org/officeDocument/2006/relationships" xmlns:p="http://schemas.openxmlformats.org/presentationml/2006/main">
+  <p:cSld>
+    <p:spTree>
+      <p:nvGrpSpPr>
+        <p:cNvPr id="1" name=""/>
+        <p:cNvGrpSpPr/>
+        <p:nvPr/>
+      </p:nvGrpSpPr>
+      <p:grpSpPr>
+        <a:xfrm>
+          <a:off x="0" y="0"/>
+          <a:ext cx="0" cy="0"/>
+          <a:chOff x="0" y="0"/>
+          <a:chExt cx="0" cy="0"/>
+        </a:xfrm>
+      </p:grpSpPr>
+      <p:grpSp>
+        <p:nvGrpSpPr>
+          <p:cNvPr id="51" name="Group 50">
+            <a:extLst>
+              <a:ext uri="{FF2B5EF4-FFF2-40B4-BE49-F238E27FC236}">
+                <a16:creationId xmlns:a16="http://schemas.microsoft.com/office/drawing/2014/main" id="{08EF6D1D-7B27-2882-AFEF-7D9FCD07729E}"/>
+              </a:ext>
+            </a:extLst>
+          </p:cNvPr>
+          <p:cNvGrpSpPr/>
+          <p:nvPr/>
+        </p:nvGrpSpPr>
+        <p:grpSpPr>
+          <a:xfrm>
+            <a:off x="4211365" y="3876002"/>
+            <a:ext cx="4291374" cy="2096814"/>
+            <a:chOff x="1677451" y="993228"/>
+            <a:chExt cx="4291374" cy="2096814"/>
+          </a:xfrm>
+        </p:grpSpPr>
+        <p:sp>
+          <p:nvSpPr>
+            <p:cNvPr id="2" name="Rectangle 1">
+              <a:extLst>
+                <a:ext uri="{FF2B5EF4-FFF2-40B4-BE49-F238E27FC236}">
+                  <a16:creationId xmlns:a16="http://schemas.microsoft.com/office/drawing/2014/main" id="{7012A863-0310-7DE9-54B7-1DD2B9C0BCE6}"/>
+                </a:ext>
+              </a:extLst>
+            </p:cNvPr>
+            <p:cNvSpPr/>
+            <p:nvPr/>
+          </p:nvSpPr>
+          <p:spPr>
+            <a:xfrm>
+              <a:off x="2774731" y="993228"/>
+              <a:ext cx="2096814" cy="2096814"/>
+            </a:xfrm>
+            <a:prstGeom prst="rect">
+              <a:avLst/>
+            </a:prstGeom>
+            <a:solidFill>
+              <a:schemeClr val="accent1">
+                <a:lumMod val="40000"/>
+                <a:lumOff val="60000"/>
+              </a:schemeClr>
+            </a:solidFill>
+          </p:spPr>
+          <p:style>
+            <a:lnRef idx="2">
+              <a:schemeClr val="accent1">
+                <a:shade val="15000"/>
+              </a:schemeClr>
+            </a:lnRef>
+            <a:fillRef idx="1">
+              <a:schemeClr val="accent1"/>
+            </a:fillRef>
+            <a:effectRef idx="0">
+              <a:schemeClr val="accent1"/>
+            </a:effectRef>
+            <a:fontRef idx="minor">
+              <a:schemeClr val="lt1"/>
+            </a:fontRef>
+          </p:style>
+          <p:txBody>
+            <a:bodyPr rtlCol="0" anchor="ctr"/>
+            <a:lstStyle/>
+            <a:p>
+              <a:pPr algn="ctr"/>
+              <a:r>
+                <a:rPr lang="en-GB" sz="6000" dirty="0">
+                  <a:ln w="0"/>
+                  <a:solidFill>
+                    <a:schemeClr val="tx1"/>
+                  </a:solidFill>
+                  <a:effectLst>
+                    <a:outerShdw blurRad="38100" dist="19050" dir="2700000" algn="tl" rotWithShape="0">
+                      <a:schemeClr val="dk1">
+                        <a:alpha val="40000"/>
+                      </a:schemeClr>
+                    </a:outerShdw>
+                  </a:effectLst>
+                </a:rPr>
+                <a:t>C</a:t>
+              </a:r>
+              <a:endParaRPr lang="en-GB" dirty="0">
+                <a:ln w="0"/>
+                <a:solidFill>
+                  <a:schemeClr val="tx1"/>
+                </a:solidFill>
+                <a:effectLst>
+                  <a:outerShdw blurRad="38100" dist="19050" dir="2700000" algn="tl" rotWithShape="0">
+                    <a:schemeClr val="dk1">
+                      <a:alpha val="40000"/>
+                    </a:schemeClr>
+                  </a:outerShdw>
+                </a:effectLst>
+              </a:endParaRPr>
+            </a:p>
+          </p:txBody>
+        </p:sp>
+        <p:grpSp>
+          <p:nvGrpSpPr>
+            <p:cNvPr id="12" name="Group 11">
+              <a:extLst>
+                <a:ext uri="{FF2B5EF4-FFF2-40B4-BE49-F238E27FC236}">
+                  <a16:creationId xmlns:a16="http://schemas.microsoft.com/office/drawing/2014/main" id="{9342CC6C-0BC2-C052-2877-5DB3F0F3ACF1}"/>
+                </a:ext>
+              </a:extLst>
+            </p:cNvPr>
+            <p:cNvGrpSpPr/>
+            <p:nvPr/>
+          </p:nvGrpSpPr>
+          <p:grpSpPr>
+            <a:xfrm>
+              <a:off x="4871545" y="1377124"/>
+              <a:ext cx="1097280" cy="1112446"/>
+              <a:chOff x="6535554" y="925696"/>
+              <a:chExt cx="1097280" cy="1112446"/>
+            </a:xfrm>
+          </p:grpSpPr>
+          <p:grpSp>
+            <p:nvGrpSpPr>
+              <p:cNvPr id="8" name="Group 7">
+                <a:extLst>
+                  <a:ext uri="{FF2B5EF4-FFF2-40B4-BE49-F238E27FC236}">
+                    <a16:creationId xmlns:a16="http://schemas.microsoft.com/office/drawing/2014/main" id="{8D541E0E-C233-FED5-3EA7-0980375CDFF1}"/>
+                  </a:ext>
+                </a:extLst>
+              </p:cNvPr>
+              <p:cNvGrpSpPr/>
+              <p:nvPr/>
+            </p:nvGrpSpPr>
+            <p:grpSpPr>
+              <a:xfrm>
+                <a:off x="6535554" y="925696"/>
+                <a:ext cx="1097280" cy="461665"/>
+                <a:chOff x="6535554" y="925696"/>
+                <a:chExt cx="1097280" cy="461665"/>
+              </a:xfrm>
+            </p:grpSpPr>
+            <p:cxnSp>
+              <p:nvCxnSpPr>
+                <p:cNvPr id="4" name="Straight Arrow Connector 3">
+                  <a:extLst>
+                    <a:ext uri="{FF2B5EF4-FFF2-40B4-BE49-F238E27FC236}">
+                      <a16:creationId xmlns:a16="http://schemas.microsoft.com/office/drawing/2014/main" id="{78F4607A-2CB9-04BC-69F2-961E7CCBF33C}"/>
+                    </a:ext>
+                  </a:extLst>
+                </p:cNvPr>
+                <p:cNvCxnSpPr>
+                  <a:cxnSpLocks/>
+                </p:cNvCxnSpPr>
+                <p:nvPr/>
+              </p:nvCxnSpPr>
+              <p:spPr>
+                <a:xfrm>
+                  <a:off x="6535554" y="1289785"/>
+                  <a:ext cx="1097280" cy="0"/>
+                </a:xfrm>
+                <a:prstGeom prst="straightConnector1">
+                  <a:avLst/>
+                </a:prstGeom>
+                <a:ln w="41275">
+                  <a:tailEnd type="triangle"/>
+                </a:ln>
+              </p:spPr>
+              <p:style>
+                <a:lnRef idx="1">
+                  <a:schemeClr val="accent1"/>
+                </a:lnRef>
+                <a:fillRef idx="0">
+                  <a:schemeClr val="accent1"/>
+                </a:fillRef>
+                <a:effectRef idx="0">
+                  <a:schemeClr val="accent1"/>
+                </a:effectRef>
+                <a:fontRef idx="minor">
+                  <a:schemeClr val="tx1"/>
+                </a:fontRef>
+              </p:style>
+            </p:cxnSp>
+            <p:sp>
+              <p:nvSpPr>
+                <p:cNvPr id="7" name="TextBox 6">
+                  <a:extLst>
+                    <a:ext uri="{FF2B5EF4-FFF2-40B4-BE49-F238E27FC236}">
+                      <a16:creationId xmlns:a16="http://schemas.microsoft.com/office/drawing/2014/main" id="{1B2E6730-AFA9-DB69-5D21-F7FD2517D15C}"/>
+                    </a:ext>
+                  </a:extLst>
+                </p:cNvPr>
+                <p:cNvSpPr txBox="1"/>
+                <p:nvPr/>
+              </p:nvSpPr>
+              <p:spPr>
+                <a:xfrm>
+                  <a:off x="6910896" y="925696"/>
+                  <a:ext cx="314510" cy="461665"/>
+                </a:xfrm>
+                <a:prstGeom prst="rect">
+                  <a:avLst/>
+                </a:prstGeom>
+                <a:noFill/>
+              </p:spPr>
+              <p:txBody>
+                <a:bodyPr wrap="none" rtlCol="0">
+                  <a:spAutoFit/>
+                </a:bodyPr>
+                <a:lstStyle/>
+                <a:p>
+                  <a:r>
+                    <a:rPr lang="en-GB" sz="2400" dirty="0"/>
+                    <a:t>c</a:t>
+                  </a:r>
+                </a:p>
+              </p:txBody>
+            </p:sp>
+          </p:grpSp>
+          <p:grpSp>
+            <p:nvGrpSpPr>
+              <p:cNvPr id="9" name="Group 8">
+                <a:extLst>
+                  <a:ext uri="{FF2B5EF4-FFF2-40B4-BE49-F238E27FC236}">
+                    <a16:creationId xmlns:a16="http://schemas.microsoft.com/office/drawing/2014/main" id="{E4951D96-AD51-6494-C0E9-6334023BA361}"/>
+                  </a:ext>
+                </a:extLst>
+              </p:cNvPr>
+              <p:cNvGrpSpPr/>
+              <p:nvPr/>
+            </p:nvGrpSpPr>
+            <p:grpSpPr>
+              <a:xfrm>
+                <a:off x="6535554" y="1576477"/>
+                <a:ext cx="1097280" cy="461665"/>
+                <a:chOff x="6535554" y="897402"/>
+                <a:chExt cx="1097280" cy="461665"/>
+              </a:xfrm>
+            </p:grpSpPr>
+            <p:cxnSp>
+              <p:nvCxnSpPr>
+                <p:cNvPr id="10" name="Straight Arrow Connector 9">
+                  <a:extLst>
+                    <a:ext uri="{FF2B5EF4-FFF2-40B4-BE49-F238E27FC236}">
+                      <a16:creationId xmlns:a16="http://schemas.microsoft.com/office/drawing/2014/main" id="{A03B1E58-424B-CDFA-613D-4C9A55901BD2}"/>
+                    </a:ext>
+                  </a:extLst>
+                </p:cNvPr>
+                <p:cNvCxnSpPr>
+                  <a:cxnSpLocks/>
+                </p:cNvCxnSpPr>
+                <p:nvPr/>
+              </p:nvCxnSpPr>
+              <p:spPr>
+                <a:xfrm>
+                  <a:off x="6535554" y="1289785"/>
+                  <a:ext cx="1097280" cy="0"/>
+                </a:xfrm>
+                <a:prstGeom prst="straightConnector1">
+                  <a:avLst/>
+                </a:prstGeom>
+                <a:ln w="41275">
+                  <a:headEnd type="triangle"/>
+                  <a:tailEnd type="none"/>
+                </a:ln>
+              </p:spPr>
+              <p:style>
+                <a:lnRef idx="1">
+                  <a:schemeClr val="accent1"/>
+                </a:lnRef>
+                <a:fillRef idx="0">
+                  <a:schemeClr val="accent1"/>
+                </a:fillRef>
+                <a:effectRef idx="0">
+                  <a:schemeClr val="accent1"/>
+                </a:effectRef>
+                <a:fontRef idx="minor">
+                  <a:schemeClr val="tx1"/>
+                </a:fontRef>
+              </p:style>
+            </p:cxnSp>
+            <p:sp>
+              <p:nvSpPr>
+                <p:cNvPr id="11" name="TextBox 10">
+                  <a:extLst>
+                    <a:ext uri="{FF2B5EF4-FFF2-40B4-BE49-F238E27FC236}">
+                      <a16:creationId xmlns:a16="http://schemas.microsoft.com/office/drawing/2014/main" id="{FBC8BA34-BDED-27C1-CFCC-1FD8A3E4341A}"/>
+                    </a:ext>
+                  </a:extLst>
+                </p:cNvPr>
+                <p:cNvSpPr txBox="1"/>
+                <p:nvPr/>
+              </p:nvSpPr>
+              <p:spPr>
+                <a:xfrm>
+                  <a:off x="6894866" y="897402"/>
+                  <a:ext cx="346570" cy="461665"/>
+                </a:xfrm>
+                <a:prstGeom prst="rect">
+                  <a:avLst/>
+                </a:prstGeom>
+                <a:noFill/>
+              </p:spPr>
+              <p:txBody>
+                <a:bodyPr wrap="none" rtlCol="0">
+                  <a:spAutoFit/>
+                </a:bodyPr>
+                <a:lstStyle/>
+                <a:p>
+                  <a:r>
+                    <a:rPr lang="en-GB" sz="2400" dirty="0"/>
+                    <a:t>d</a:t>
+                  </a:r>
+                </a:p>
+              </p:txBody>
+            </p:sp>
+          </p:grpSp>
+        </p:grpSp>
+        <p:grpSp>
+          <p:nvGrpSpPr>
+            <p:cNvPr id="13" name="Group 12">
+              <a:extLst>
+                <a:ext uri="{FF2B5EF4-FFF2-40B4-BE49-F238E27FC236}">
+                  <a16:creationId xmlns:a16="http://schemas.microsoft.com/office/drawing/2014/main" id="{8344B619-2D49-D336-D5CA-BAA7006469DB}"/>
+                </a:ext>
+              </a:extLst>
+            </p:cNvPr>
+            <p:cNvGrpSpPr/>
+            <p:nvPr/>
+          </p:nvGrpSpPr>
+          <p:grpSpPr>
+            <a:xfrm>
+              <a:off x="1677451" y="1368018"/>
+              <a:ext cx="1097280" cy="1131418"/>
+              <a:chOff x="6535554" y="916590"/>
+              <a:chExt cx="1097280" cy="1131418"/>
+            </a:xfrm>
+          </p:grpSpPr>
+          <p:grpSp>
+            <p:nvGrpSpPr>
+              <p:cNvPr id="14" name="Group 13">
+                <a:extLst>
+                  <a:ext uri="{FF2B5EF4-FFF2-40B4-BE49-F238E27FC236}">
+                    <a16:creationId xmlns:a16="http://schemas.microsoft.com/office/drawing/2014/main" id="{A3B9F77F-434B-4251-12A9-46976E711B90}"/>
+                  </a:ext>
+                </a:extLst>
+              </p:cNvPr>
+              <p:cNvGrpSpPr/>
+              <p:nvPr/>
+            </p:nvGrpSpPr>
+            <p:grpSpPr>
+              <a:xfrm>
+                <a:off x="6535554" y="916590"/>
+                <a:ext cx="1097280" cy="461665"/>
+                <a:chOff x="6535554" y="916590"/>
+                <a:chExt cx="1097280" cy="461665"/>
+              </a:xfrm>
+            </p:grpSpPr>
+            <p:cxnSp>
+              <p:nvCxnSpPr>
+                <p:cNvPr id="18" name="Straight Arrow Connector 17">
+                  <a:extLst>
+                    <a:ext uri="{FF2B5EF4-FFF2-40B4-BE49-F238E27FC236}">
+                      <a16:creationId xmlns:a16="http://schemas.microsoft.com/office/drawing/2014/main" id="{346BA5BE-FC8E-CEAE-9C46-2E9AE9E555C0}"/>
+                    </a:ext>
+                  </a:extLst>
+                </p:cNvPr>
+                <p:cNvCxnSpPr>
+                  <a:cxnSpLocks/>
+                </p:cNvCxnSpPr>
+                <p:nvPr/>
+              </p:nvCxnSpPr>
+              <p:spPr>
+                <a:xfrm>
+                  <a:off x="6535554" y="1289785"/>
+                  <a:ext cx="1097280" cy="0"/>
+                </a:xfrm>
+                <a:prstGeom prst="straightConnector1">
+                  <a:avLst/>
+                </a:prstGeom>
+                <a:ln w="41275">
+                  <a:tailEnd type="triangle"/>
+                </a:ln>
+              </p:spPr>
+              <p:style>
+                <a:lnRef idx="1">
+                  <a:schemeClr val="accent1"/>
+                </a:lnRef>
+                <a:fillRef idx="0">
+                  <a:schemeClr val="accent1"/>
+                </a:fillRef>
+                <a:effectRef idx="0">
+                  <a:schemeClr val="accent1"/>
+                </a:effectRef>
+                <a:fontRef idx="minor">
+                  <a:schemeClr val="tx1"/>
+                </a:fontRef>
+              </p:style>
+            </p:cxnSp>
+            <p:sp>
+              <p:nvSpPr>
+                <p:cNvPr id="19" name="TextBox 18">
+                  <a:extLst>
+                    <a:ext uri="{FF2B5EF4-FFF2-40B4-BE49-F238E27FC236}">
+                      <a16:creationId xmlns:a16="http://schemas.microsoft.com/office/drawing/2014/main" id="{AEA4E823-84EF-2D53-EACF-E9BB8EE64A10}"/>
+                    </a:ext>
+                  </a:extLst>
+                </p:cNvPr>
+                <p:cNvSpPr txBox="1"/>
+                <p:nvPr/>
+              </p:nvSpPr>
+              <p:spPr>
+                <a:xfrm>
+                  <a:off x="6918123" y="916590"/>
+                  <a:ext cx="332142" cy="461665"/>
+                </a:xfrm>
+                <a:prstGeom prst="rect">
+                  <a:avLst/>
+                </a:prstGeom>
+                <a:noFill/>
+              </p:spPr>
+              <p:txBody>
+                <a:bodyPr wrap="none" rtlCol="0">
+                  <a:spAutoFit/>
+                </a:bodyPr>
+                <a:lstStyle/>
+                <a:p>
+                  <a:r>
+                    <a:rPr lang="en-GB" sz="2400" dirty="0"/>
+                    <a:t>a</a:t>
+                  </a:r>
+                </a:p>
+              </p:txBody>
+            </p:sp>
+          </p:grpSp>
+          <p:grpSp>
+            <p:nvGrpSpPr>
+              <p:cNvPr id="15" name="Group 14">
+                <a:extLst>
+                  <a:ext uri="{FF2B5EF4-FFF2-40B4-BE49-F238E27FC236}">
+                    <a16:creationId xmlns:a16="http://schemas.microsoft.com/office/drawing/2014/main" id="{F334EBF6-3377-1EA3-6DED-51C692D90ECC}"/>
+                  </a:ext>
+                </a:extLst>
+              </p:cNvPr>
+              <p:cNvGrpSpPr/>
+              <p:nvPr/>
+            </p:nvGrpSpPr>
+            <p:grpSpPr>
+              <a:xfrm>
+                <a:off x="6535554" y="1586343"/>
+                <a:ext cx="1097280" cy="461665"/>
+                <a:chOff x="6535554" y="907268"/>
+                <a:chExt cx="1097280" cy="461665"/>
+              </a:xfrm>
+            </p:grpSpPr>
+            <p:cxnSp>
+              <p:nvCxnSpPr>
+                <p:cNvPr id="16" name="Straight Arrow Connector 15">
+                  <a:extLst>
+                    <a:ext uri="{FF2B5EF4-FFF2-40B4-BE49-F238E27FC236}">
+                      <a16:creationId xmlns:a16="http://schemas.microsoft.com/office/drawing/2014/main" id="{BF3CA794-92D9-40C3-71B8-CCAE097CAE75}"/>
+                    </a:ext>
+                  </a:extLst>
+                </p:cNvPr>
+                <p:cNvCxnSpPr>
+                  <a:cxnSpLocks/>
+                </p:cNvCxnSpPr>
+                <p:nvPr/>
+              </p:nvCxnSpPr>
+              <p:spPr>
+                <a:xfrm>
+                  <a:off x="6535554" y="1289785"/>
+                  <a:ext cx="1097280" cy="0"/>
+                </a:xfrm>
+                <a:prstGeom prst="straightConnector1">
+                  <a:avLst/>
+                </a:prstGeom>
+                <a:ln w="41275">
+                  <a:headEnd type="triangle"/>
+                  <a:tailEnd type="none"/>
+                </a:ln>
+              </p:spPr>
+              <p:style>
+                <a:lnRef idx="1">
+                  <a:schemeClr val="accent1"/>
+                </a:lnRef>
+                <a:fillRef idx="0">
+                  <a:schemeClr val="accent1"/>
+                </a:fillRef>
+                <a:effectRef idx="0">
+                  <a:schemeClr val="accent1"/>
+                </a:effectRef>
+                <a:fontRef idx="minor">
+                  <a:schemeClr val="tx1"/>
+                </a:fontRef>
+              </p:style>
+            </p:cxnSp>
+            <p:sp>
+              <p:nvSpPr>
+                <p:cNvPr id="17" name="TextBox 16">
+                  <a:extLst>
+                    <a:ext uri="{FF2B5EF4-FFF2-40B4-BE49-F238E27FC236}">
+                      <a16:creationId xmlns:a16="http://schemas.microsoft.com/office/drawing/2014/main" id="{E07379A2-63D8-FFB1-8BC8-F6CEBDD1B35E}"/>
+                    </a:ext>
+                  </a:extLst>
+                </p:cNvPr>
+                <p:cNvSpPr txBox="1"/>
+                <p:nvPr/>
+              </p:nvSpPr>
+              <p:spPr>
+                <a:xfrm>
+                  <a:off x="6933323" y="907268"/>
+                  <a:ext cx="346570" cy="461665"/>
+                </a:xfrm>
+                <a:prstGeom prst="rect">
+                  <a:avLst/>
+                </a:prstGeom>
+                <a:noFill/>
+              </p:spPr>
+              <p:txBody>
+                <a:bodyPr wrap="none" rtlCol="0">
+                  <a:spAutoFit/>
+                </a:bodyPr>
+                <a:lstStyle/>
+                <a:p>
+                  <a:r>
+                    <a:rPr lang="en-GB" sz="2400" dirty="0"/>
+                    <a:t>b</a:t>
+                  </a:r>
+                </a:p>
+              </p:txBody>
+            </p:sp>
+          </p:grpSp>
+        </p:grpSp>
+      </p:grpSp>
+      <p:grpSp>
+        <p:nvGrpSpPr>
+          <p:cNvPr id="52" name="Group 51">
+            <a:extLst>
+              <a:ext uri="{FF2B5EF4-FFF2-40B4-BE49-F238E27FC236}">
+                <a16:creationId xmlns:a16="http://schemas.microsoft.com/office/drawing/2014/main" id="{94CBBDD5-A486-0AF5-F2E4-B4925A9B9130}"/>
+              </a:ext>
+            </a:extLst>
+          </p:cNvPr>
+          <p:cNvGrpSpPr/>
+          <p:nvPr/>
+        </p:nvGrpSpPr>
+        <p:grpSpPr>
+          <a:xfrm>
+            <a:off x="2356420" y="1027338"/>
+            <a:ext cx="7479160" cy="2096814"/>
+            <a:chOff x="1677451" y="3472559"/>
+            <a:chExt cx="7479160" cy="2096814"/>
+          </a:xfrm>
+        </p:grpSpPr>
+        <p:sp>
+          <p:nvSpPr>
+            <p:cNvPr id="20" name="Rectangle 19">
+              <a:extLst>
+                <a:ext uri="{FF2B5EF4-FFF2-40B4-BE49-F238E27FC236}">
+                  <a16:creationId xmlns:a16="http://schemas.microsoft.com/office/drawing/2014/main" id="{095157ED-FADC-EEB0-FFB4-6E71A38183A9}"/>
+                </a:ext>
+              </a:extLst>
+            </p:cNvPr>
+            <p:cNvSpPr/>
+            <p:nvPr/>
+          </p:nvSpPr>
+          <p:spPr>
+            <a:xfrm>
+              <a:off x="2774731" y="3472559"/>
+              <a:ext cx="2096814" cy="2096814"/>
+            </a:xfrm>
+            <a:prstGeom prst="rect">
+              <a:avLst/>
+            </a:prstGeom>
+            <a:solidFill>
+              <a:schemeClr val="accent1">
+                <a:lumMod val="40000"/>
+                <a:lumOff val="60000"/>
+              </a:schemeClr>
+            </a:solidFill>
+          </p:spPr>
+          <p:style>
+            <a:lnRef idx="2">
+              <a:schemeClr val="accent1">
+                <a:shade val="15000"/>
+              </a:schemeClr>
+            </a:lnRef>
+            <a:fillRef idx="1">
+              <a:schemeClr val="accent1"/>
+            </a:fillRef>
+            <a:effectRef idx="0">
+              <a:schemeClr val="accent1"/>
+            </a:effectRef>
+            <a:fontRef idx="minor">
+              <a:schemeClr val="lt1"/>
+            </a:fontRef>
+          </p:style>
+          <p:txBody>
+            <a:bodyPr rtlCol="0" anchor="ctr"/>
+            <a:lstStyle/>
+            <a:p>
+              <a:pPr algn="ctr"/>
+              <a:r>
+                <a:rPr lang="en-GB" sz="6000" dirty="0">
+                  <a:ln w="0"/>
+                  <a:solidFill>
+                    <a:schemeClr val="tx1"/>
+                  </a:solidFill>
+                  <a:effectLst>
+                    <a:outerShdw blurRad="38100" dist="19050" dir="2700000" algn="tl" rotWithShape="0">
+                      <a:schemeClr val="dk1">
+                        <a:alpha val="40000"/>
+                      </a:schemeClr>
+                    </a:outerShdw>
+                  </a:effectLst>
+                </a:rPr>
+                <a:t>A</a:t>
+              </a:r>
+              <a:endParaRPr lang="en-GB" dirty="0">
+                <a:ln w="0"/>
+                <a:solidFill>
+                  <a:schemeClr val="tx1"/>
+                </a:solidFill>
+                <a:effectLst>
+                  <a:outerShdw blurRad="38100" dist="19050" dir="2700000" algn="tl" rotWithShape="0">
+                    <a:schemeClr val="dk1">
+                      <a:alpha val="40000"/>
+                    </a:schemeClr>
+                  </a:outerShdw>
+                </a:effectLst>
+              </a:endParaRPr>
+            </a:p>
+          </p:txBody>
+        </p:sp>
+        <p:grpSp>
+          <p:nvGrpSpPr>
+            <p:cNvPr id="21" name="Group 20">
+              <a:extLst>
+                <a:ext uri="{FF2B5EF4-FFF2-40B4-BE49-F238E27FC236}">
+                  <a16:creationId xmlns:a16="http://schemas.microsoft.com/office/drawing/2014/main" id="{F87F18E8-534A-A135-06B7-B2F159A91369}"/>
+                </a:ext>
+              </a:extLst>
+            </p:cNvPr>
+            <p:cNvGrpSpPr/>
+            <p:nvPr/>
+          </p:nvGrpSpPr>
+          <p:grpSpPr>
+            <a:xfrm>
+              <a:off x="4871545" y="3838735"/>
+              <a:ext cx="1097280" cy="1116513"/>
+              <a:chOff x="6535554" y="907976"/>
+              <a:chExt cx="1097280" cy="1116513"/>
+            </a:xfrm>
+          </p:grpSpPr>
+          <p:grpSp>
+            <p:nvGrpSpPr>
+              <p:cNvPr id="22" name="Group 21">
+                <a:extLst>
+                  <a:ext uri="{FF2B5EF4-FFF2-40B4-BE49-F238E27FC236}">
+                    <a16:creationId xmlns:a16="http://schemas.microsoft.com/office/drawing/2014/main" id="{71946B22-A625-84E9-3BF6-84FF980E65EC}"/>
+                  </a:ext>
+                </a:extLst>
+              </p:cNvPr>
+              <p:cNvGrpSpPr/>
+              <p:nvPr/>
+            </p:nvGrpSpPr>
+            <p:grpSpPr>
+              <a:xfrm>
+                <a:off x="6535554" y="907976"/>
+                <a:ext cx="1097280" cy="461665"/>
+                <a:chOff x="6535554" y="907976"/>
+                <a:chExt cx="1097280" cy="461665"/>
+              </a:xfrm>
+            </p:grpSpPr>
+            <p:cxnSp>
+              <p:nvCxnSpPr>
+                <p:cNvPr id="26" name="Straight Arrow Connector 25">
+                  <a:extLst>
+                    <a:ext uri="{FF2B5EF4-FFF2-40B4-BE49-F238E27FC236}">
+                      <a16:creationId xmlns:a16="http://schemas.microsoft.com/office/drawing/2014/main" id="{96B1E5A3-0FE1-05D7-493E-7A04CA9127F2}"/>
+                    </a:ext>
+                  </a:extLst>
+                </p:cNvPr>
+                <p:cNvCxnSpPr>
+                  <a:cxnSpLocks/>
+                </p:cNvCxnSpPr>
+                <p:nvPr/>
+              </p:nvCxnSpPr>
+              <p:spPr>
+                <a:xfrm>
+                  <a:off x="6535554" y="1289785"/>
+                  <a:ext cx="1097280" cy="0"/>
+                </a:xfrm>
+                <a:prstGeom prst="straightConnector1">
+                  <a:avLst/>
+                </a:prstGeom>
+                <a:ln w="41275">
+                  <a:tailEnd type="triangle"/>
+                </a:ln>
+              </p:spPr>
+              <p:style>
+                <a:lnRef idx="1">
+                  <a:schemeClr val="accent1"/>
+                </a:lnRef>
+                <a:fillRef idx="0">
+                  <a:schemeClr val="accent1"/>
+                </a:fillRef>
+                <a:effectRef idx="0">
+                  <a:schemeClr val="accent1"/>
+                </a:effectRef>
+                <a:fontRef idx="minor">
+                  <a:schemeClr val="tx1"/>
+                </a:fontRef>
+              </p:style>
+            </p:cxnSp>
+            <p:sp>
+              <p:nvSpPr>
+                <p:cNvPr id="27" name="TextBox 26">
+                  <a:extLst>
+                    <a:ext uri="{FF2B5EF4-FFF2-40B4-BE49-F238E27FC236}">
+                      <a16:creationId xmlns:a16="http://schemas.microsoft.com/office/drawing/2014/main" id="{2DD52C36-E68E-2E07-3C8C-9AC9665D6AB5}"/>
+                    </a:ext>
+                  </a:extLst>
+                </p:cNvPr>
+                <p:cNvSpPr txBox="1"/>
+                <p:nvPr/>
+              </p:nvSpPr>
+              <p:spPr>
+                <a:xfrm>
+                  <a:off x="6941414" y="907976"/>
+                  <a:ext cx="279244" cy="461665"/>
+                </a:xfrm>
+                <a:prstGeom prst="rect">
+                  <a:avLst/>
+                </a:prstGeom>
+                <a:noFill/>
+              </p:spPr>
+              <p:txBody>
+                <a:bodyPr wrap="none" rtlCol="0">
+                  <a:spAutoFit/>
+                </a:bodyPr>
+                <a:lstStyle/>
+                <a:p>
+                  <a:r>
+                    <a:rPr lang="en-GB" sz="2400" dirty="0"/>
+                    <a:t>f</a:t>
+                  </a:r>
+                </a:p>
+              </p:txBody>
+            </p:sp>
+          </p:grpSp>
+          <p:grpSp>
+            <p:nvGrpSpPr>
+              <p:cNvPr id="23" name="Group 22">
+                <a:extLst>
+                  <a:ext uri="{FF2B5EF4-FFF2-40B4-BE49-F238E27FC236}">
+                    <a16:creationId xmlns:a16="http://schemas.microsoft.com/office/drawing/2014/main" id="{BBEB0D45-0B14-6269-AA84-D29669DE0A9E}"/>
+                  </a:ext>
+                </a:extLst>
+              </p:cNvPr>
+              <p:cNvGrpSpPr/>
+              <p:nvPr/>
+            </p:nvGrpSpPr>
+            <p:grpSpPr>
+              <a:xfrm>
+                <a:off x="6535554" y="1562824"/>
+                <a:ext cx="1097280" cy="461665"/>
+                <a:chOff x="6535554" y="883749"/>
+                <a:chExt cx="1097280" cy="461665"/>
+              </a:xfrm>
+            </p:grpSpPr>
+            <p:cxnSp>
+              <p:nvCxnSpPr>
+                <p:cNvPr id="24" name="Straight Arrow Connector 23">
+                  <a:extLst>
+                    <a:ext uri="{FF2B5EF4-FFF2-40B4-BE49-F238E27FC236}">
+                      <a16:creationId xmlns:a16="http://schemas.microsoft.com/office/drawing/2014/main" id="{915C211E-D848-501F-DCDE-88B579D7BB02}"/>
+                    </a:ext>
+                  </a:extLst>
+                </p:cNvPr>
+                <p:cNvCxnSpPr>
+                  <a:cxnSpLocks/>
+                </p:cNvCxnSpPr>
+                <p:nvPr/>
+              </p:nvCxnSpPr>
+              <p:spPr>
+                <a:xfrm>
+                  <a:off x="6535554" y="1289785"/>
+                  <a:ext cx="1097280" cy="0"/>
+                </a:xfrm>
+                <a:prstGeom prst="straightConnector1">
+                  <a:avLst/>
+                </a:prstGeom>
+                <a:ln w="41275">
+                  <a:headEnd type="triangle"/>
+                  <a:tailEnd type="none"/>
+                </a:ln>
+              </p:spPr>
+              <p:style>
+                <a:lnRef idx="1">
+                  <a:schemeClr val="accent1"/>
+                </a:lnRef>
+                <a:fillRef idx="0">
+                  <a:schemeClr val="accent1"/>
+                </a:fillRef>
+                <a:effectRef idx="0">
+                  <a:schemeClr val="accent1"/>
+                </a:effectRef>
+                <a:fontRef idx="minor">
+                  <a:schemeClr val="tx1"/>
+                </a:fontRef>
+              </p:style>
+            </p:cxnSp>
+            <p:sp>
+              <p:nvSpPr>
+                <p:cNvPr id="25" name="TextBox 24">
+                  <a:extLst>
+                    <a:ext uri="{FF2B5EF4-FFF2-40B4-BE49-F238E27FC236}">
+                      <a16:creationId xmlns:a16="http://schemas.microsoft.com/office/drawing/2014/main" id="{A4655FFF-D0D7-A7F3-57D9-A9A32B03E570}"/>
+                    </a:ext>
+                  </a:extLst>
+                </p:cNvPr>
+                <p:cNvSpPr txBox="1"/>
+                <p:nvPr/>
+              </p:nvSpPr>
+              <p:spPr>
+                <a:xfrm>
+                  <a:off x="6941418" y="883749"/>
+                  <a:ext cx="328936" cy="461665"/>
+                </a:xfrm>
+                <a:prstGeom prst="rect">
+                  <a:avLst/>
+                </a:prstGeom>
+                <a:noFill/>
+              </p:spPr>
+              <p:txBody>
+                <a:bodyPr wrap="none" rtlCol="0">
+                  <a:spAutoFit/>
+                </a:bodyPr>
+                <a:lstStyle/>
+                <a:p>
+                  <a:r>
+                    <a:rPr lang="en-GB" sz="2400" dirty="0"/>
+                    <a:t>g</a:t>
+                  </a:r>
+                </a:p>
+              </p:txBody>
+            </p:sp>
+          </p:grpSp>
+        </p:grpSp>
+        <p:grpSp>
+          <p:nvGrpSpPr>
+            <p:cNvPr id="28" name="Group 27">
+              <a:extLst>
+                <a:ext uri="{FF2B5EF4-FFF2-40B4-BE49-F238E27FC236}">
+                  <a16:creationId xmlns:a16="http://schemas.microsoft.com/office/drawing/2014/main" id="{03E8E548-66A4-1313-65CC-DEE049EB9C13}"/>
+                </a:ext>
+              </a:extLst>
+            </p:cNvPr>
+            <p:cNvGrpSpPr/>
+            <p:nvPr/>
+          </p:nvGrpSpPr>
+          <p:grpSpPr>
+            <a:xfrm>
+              <a:off x="1677451" y="3814508"/>
+              <a:ext cx="1097280" cy="1140740"/>
+              <a:chOff x="6535554" y="883749"/>
+              <a:chExt cx="1097280" cy="1140740"/>
+            </a:xfrm>
+          </p:grpSpPr>
+          <p:grpSp>
+            <p:nvGrpSpPr>
+              <p:cNvPr id="29" name="Group 28">
+                <a:extLst>
+                  <a:ext uri="{FF2B5EF4-FFF2-40B4-BE49-F238E27FC236}">
+                    <a16:creationId xmlns:a16="http://schemas.microsoft.com/office/drawing/2014/main" id="{39B82E50-A938-6A9C-91CB-5A450F42A533}"/>
+                  </a:ext>
+                </a:extLst>
+              </p:cNvPr>
+              <p:cNvGrpSpPr/>
+              <p:nvPr/>
+            </p:nvGrpSpPr>
+            <p:grpSpPr>
+              <a:xfrm>
+                <a:off x="6535554" y="883749"/>
+                <a:ext cx="1097280" cy="461665"/>
+                <a:chOff x="6535554" y="883749"/>
+                <a:chExt cx="1097280" cy="461665"/>
+              </a:xfrm>
+            </p:grpSpPr>
+            <p:cxnSp>
+              <p:nvCxnSpPr>
+                <p:cNvPr id="33" name="Straight Arrow Connector 32">
+                  <a:extLst>
+                    <a:ext uri="{FF2B5EF4-FFF2-40B4-BE49-F238E27FC236}">
+                      <a16:creationId xmlns:a16="http://schemas.microsoft.com/office/drawing/2014/main" id="{F0BD4439-5F0F-226C-959F-891A0B3FE276}"/>
+                    </a:ext>
+                  </a:extLst>
+                </p:cNvPr>
+                <p:cNvCxnSpPr>
+                  <a:cxnSpLocks/>
+                </p:cNvCxnSpPr>
+                <p:nvPr/>
+              </p:nvCxnSpPr>
+              <p:spPr>
+                <a:xfrm>
+                  <a:off x="6535554" y="1289785"/>
+                  <a:ext cx="1097280" cy="0"/>
+                </a:xfrm>
+                <a:prstGeom prst="straightConnector1">
+                  <a:avLst/>
+                </a:prstGeom>
+                <a:ln w="41275">
+                  <a:tailEnd type="triangle"/>
+                </a:ln>
+              </p:spPr>
+              <p:style>
+                <a:lnRef idx="1">
+                  <a:schemeClr val="accent1"/>
+                </a:lnRef>
+                <a:fillRef idx="0">
+                  <a:schemeClr val="accent1"/>
+                </a:fillRef>
+                <a:effectRef idx="0">
+                  <a:schemeClr val="accent1"/>
+                </a:effectRef>
+                <a:fontRef idx="minor">
+                  <a:schemeClr val="tx1"/>
+                </a:fontRef>
+              </p:style>
+            </p:cxnSp>
+            <p:sp>
+              <p:nvSpPr>
+                <p:cNvPr id="34" name="TextBox 33">
+                  <a:extLst>
+                    <a:ext uri="{FF2B5EF4-FFF2-40B4-BE49-F238E27FC236}">
+                      <a16:creationId xmlns:a16="http://schemas.microsoft.com/office/drawing/2014/main" id="{766BC5FB-60BF-1E2F-678F-26EFFC27EF91}"/>
+                    </a:ext>
+                  </a:extLst>
+                </p:cNvPr>
+                <p:cNvSpPr txBox="1"/>
+                <p:nvPr/>
+              </p:nvSpPr>
+              <p:spPr>
+                <a:xfrm>
+                  <a:off x="6941418" y="883749"/>
+                  <a:ext cx="332142" cy="461665"/>
+                </a:xfrm>
+                <a:prstGeom prst="rect">
+                  <a:avLst/>
+                </a:prstGeom>
+                <a:noFill/>
+              </p:spPr>
+              <p:txBody>
+                <a:bodyPr wrap="none" rtlCol="0">
+                  <a:spAutoFit/>
+                </a:bodyPr>
+                <a:lstStyle/>
+                <a:p>
+                  <a:r>
+                    <a:rPr lang="en-GB" sz="2400" dirty="0"/>
+                    <a:t>a</a:t>
+                  </a:r>
+                </a:p>
+              </p:txBody>
+            </p:sp>
+          </p:grpSp>
+          <p:grpSp>
+            <p:nvGrpSpPr>
+              <p:cNvPr id="30" name="Group 29">
+                <a:extLst>
+                  <a:ext uri="{FF2B5EF4-FFF2-40B4-BE49-F238E27FC236}">
+                    <a16:creationId xmlns:a16="http://schemas.microsoft.com/office/drawing/2014/main" id="{D9652C8E-106A-D691-222F-F77EE22E500D}"/>
+                  </a:ext>
+                </a:extLst>
+              </p:cNvPr>
+              <p:cNvGrpSpPr/>
+              <p:nvPr/>
+            </p:nvGrpSpPr>
+            <p:grpSpPr>
+              <a:xfrm>
+                <a:off x="6535554" y="1562824"/>
+                <a:ext cx="1097280" cy="461665"/>
+                <a:chOff x="6535554" y="883749"/>
+                <a:chExt cx="1097280" cy="461665"/>
+              </a:xfrm>
+            </p:grpSpPr>
+            <p:cxnSp>
+              <p:nvCxnSpPr>
+                <p:cNvPr id="31" name="Straight Arrow Connector 30">
+                  <a:extLst>
+                    <a:ext uri="{FF2B5EF4-FFF2-40B4-BE49-F238E27FC236}">
+                      <a16:creationId xmlns:a16="http://schemas.microsoft.com/office/drawing/2014/main" id="{74BC4E1F-81D3-13AD-B93E-2BA6C729461F}"/>
+                    </a:ext>
+                  </a:extLst>
+                </p:cNvPr>
+                <p:cNvCxnSpPr>
+                  <a:cxnSpLocks/>
+                </p:cNvCxnSpPr>
+                <p:nvPr/>
+              </p:nvCxnSpPr>
+              <p:spPr>
+                <a:xfrm>
+                  <a:off x="6535554" y="1289785"/>
+                  <a:ext cx="1097280" cy="0"/>
+                </a:xfrm>
+                <a:prstGeom prst="straightConnector1">
+                  <a:avLst/>
+                </a:prstGeom>
+                <a:ln w="41275">
+                  <a:headEnd type="triangle"/>
+                  <a:tailEnd type="none"/>
+                </a:ln>
+              </p:spPr>
+              <p:style>
+                <a:lnRef idx="1">
+                  <a:schemeClr val="accent1"/>
+                </a:lnRef>
+                <a:fillRef idx="0">
+                  <a:schemeClr val="accent1"/>
+                </a:fillRef>
+                <a:effectRef idx="0">
+                  <a:schemeClr val="accent1"/>
+                </a:effectRef>
+                <a:fontRef idx="minor">
+                  <a:schemeClr val="tx1"/>
+                </a:fontRef>
+              </p:style>
+            </p:cxnSp>
+            <p:sp>
+              <p:nvSpPr>
+                <p:cNvPr id="32" name="TextBox 31">
+                  <a:extLst>
+                    <a:ext uri="{FF2B5EF4-FFF2-40B4-BE49-F238E27FC236}">
+                      <a16:creationId xmlns:a16="http://schemas.microsoft.com/office/drawing/2014/main" id="{B94C445D-0DDB-B2A6-BB34-41663D9573DF}"/>
+                    </a:ext>
+                  </a:extLst>
+                </p:cNvPr>
+                <p:cNvSpPr txBox="1"/>
+                <p:nvPr/>
+              </p:nvSpPr>
+              <p:spPr>
+                <a:xfrm>
+                  <a:off x="6941418" y="883749"/>
+                  <a:ext cx="346570" cy="461665"/>
+                </a:xfrm>
+                <a:prstGeom prst="rect">
+                  <a:avLst/>
+                </a:prstGeom>
+                <a:noFill/>
+              </p:spPr>
+              <p:txBody>
+                <a:bodyPr wrap="none" rtlCol="0">
+                  <a:spAutoFit/>
+                </a:bodyPr>
+                <a:lstStyle/>
+                <a:p>
+                  <a:r>
+                    <a:rPr lang="en-GB" sz="2400" dirty="0"/>
+                    <a:t>b</a:t>
+                  </a:r>
+                </a:p>
+              </p:txBody>
+            </p:sp>
+          </p:grpSp>
+        </p:grpSp>
+        <p:grpSp>
+          <p:nvGrpSpPr>
+            <p:cNvPr id="50" name="Group 49">
+              <a:extLst>
+                <a:ext uri="{FF2B5EF4-FFF2-40B4-BE49-F238E27FC236}">
+                  <a16:creationId xmlns:a16="http://schemas.microsoft.com/office/drawing/2014/main" id="{2D82520F-2D79-5CA4-8078-172197278517}"/>
+                </a:ext>
+              </a:extLst>
+            </p:cNvPr>
+            <p:cNvGrpSpPr/>
+            <p:nvPr/>
+          </p:nvGrpSpPr>
+          <p:grpSpPr>
+            <a:xfrm>
+              <a:off x="5962515" y="3472559"/>
+              <a:ext cx="3194096" cy="2096814"/>
+              <a:chOff x="7320455" y="3472559"/>
+              <a:chExt cx="3194096" cy="2096814"/>
+            </a:xfrm>
+          </p:grpSpPr>
+          <p:sp>
+            <p:nvSpPr>
+              <p:cNvPr id="35" name="Rectangle 34">
+                <a:extLst>
+                  <a:ext uri="{FF2B5EF4-FFF2-40B4-BE49-F238E27FC236}">
+                    <a16:creationId xmlns:a16="http://schemas.microsoft.com/office/drawing/2014/main" id="{76F600C6-5B82-7EBE-35D0-C6FD96ECBF64}"/>
+                  </a:ext>
+                </a:extLst>
+              </p:cNvPr>
+              <p:cNvSpPr/>
+              <p:nvPr/>
+            </p:nvSpPr>
+            <p:spPr>
+              <a:xfrm>
+                <a:off x="7320455" y="3472559"/>
+                <a:ext cx="2096814" cy="2096814"/>
+              </a:xfrm>
+              <a:prstGeom prst="rect">
+                <a:avLst/>
+              </a:prstGeom>
+              <a:solidFill>
+                <a:schemeClr val="accent1">
+                  <a:lumMod val="40000"/>
+                  <a:lumOff val="60000"/>
+                </a:schemeClr>
+              </a:solidFill>
+            </p:spPr>
+            <p:style>
+              <a:lnRef idx="2">
+                <a:schemeClr val="accent1">
+                  <a:shade val="15000"/>
+                </a:schemeClr>
+              </a:lnRef>
+              <a:fillRef idx="1">
+                <a:schemeClr val="accent1"/>
+              </a:fillRef>
+              <a:effectRef idx="0">
+                <a:schemeClr val="accent1"/>
+              </a:effectRef>
+              <a:fontRef idx="minor">
+                <a:schemeClr val="lt1"/>
+              </a:fontRef>
+            </p:style>
+            <p:txBody>
+              <a:bodyPr rtlCol="0" anchor="ctr"/>
+              <a:lstStyle/>
+              <a:p>
+                <a:pPr algn="ctr"/>
+                <a:r>
+                  <a:rPr lang="en-GB" sz="6000" dirty="0">
+                    <a:ln w="0"/>
+                    <a:solidFill>
+                      <a:schemeClr val="tx1"/>
+                    </a:solidFill>
+                    <a:effectLst>
+                      <a:outerShdw blurRad="38100" dist="19050" dir="2700000" algn="tl" rotWithShape="0">
+                        <a:schemeClr val="dk1">
+                          <a:alpha val="40000"/>
+                        </a:schemeClr>
+                      </a:outerShdw>
+                    </a:effectLst>
+                  </a:rPr>
+                  <a:t>B</a:t>
+                </a:r>
+                <a:endParaRPr lang="en-GB" dirty="0">
+                  <a:ln w="0"/>
+                  <a:solidFill>
+                    <a:schemeClr val="tx1"/>
+                  </a:solidFill>
+                  <a:effectLst>
+                    <a:outerShdw blurRad="38100" dist="19050" dir="2700000" algn="tl" rotWithShape="0">
+                      <a:schemeClr val="dk1">
+                        <a:alpha val="40000"/>
+                      </a:schemeClr>
+                    </a:outerShdw>
+                  </a:effectLst>
+                </a:endParaRPr>
+              </a:p>
+            </p:txBody>
+          </p:sp>
+          <p:grpSp>
+            <p:nvGrpSpPr>
+              <p:cNvPr id="36" name="Group 35">
+                <a:extLst>
+                  <a:ext uri="{FF2B5EF4-FFF2-40B4-BE49-F238E27FC236}">
+                    <a16:creationId xmlns:a16="http://schemas.microsoft.com/office/drawing/2014/main" id="{D6CA6F71-DA2F-54FE-85E0-3A1C7FCA56C5}"/>
+                  </a:ext>
+                </a:extLst>
+              </p:cNvPr>
+              <p:cNvGrpSpPr/>
+              <p:nvPr/>
+            </p:nvGrpSpPr>
+            <p:grpSpPr>
+              <a:xfrm>
+                <a:off x="9417271" y="3770949"/>
+                <a:ext cx="1097280" cy="1140740"/>
+                <a:chOff x="6535554" y="883749"/>
+                <a:chExt cx="1097280" cy="1140740"/>
+              </a:xfrm>
+            </p:grpSpPr>
+            <p:grpSp>
+              <p:nvGrpSpPr>
+                <p:cNvPr id="37" name="Group 36">
+                  <a:extLst>
+                    <a:ext uri="{FF2B5EF4-FFF2-40B4-BE49-F238E27FC236}">
+                      <a16:creationId xmlns:a16="http://schemas.microsoft.com/office/drawing/2014/main" id="{3AEFE979-92AB-6941-42E6-7E0A859A525D}"/>
+                    </a:ext>
+                  </a:extLst>
+                </p:cNvPr>
+                <p:cNvGrpSpPr/>
+                <p:nvPr/>
+              </p:nvGrpSpPr>
+              <p:grpSpPr>
+                <a:xfrm>
+                  <a:off x="6535554" y="883749"/>
+                  <a:ext cx="1097280" cy="461665"/>
+                  <a:chOff x="6535554" y="883749"/>
+                  <a:chExt cx="1097280" cy="461665"/>
+                </a:xfrm>
+              </p:grpSpPr>
+              <p:cxnSp>
+                <p:nvCxnSpPr>
+                  <p:cNvPr id="41" name="Straight Arrow Connector 40">
+                    <a:extLst>
+                      <a:ext uri="{FF2B5EF4-FFF2-40B4-BE49-F238E27FC236}">
+                        <a16:creationId xmlns:a16="http://schemas.microsoft.com/office/drawing/2014/main" id="{B8F9EA18-2A57-6D59-A21C-4F8BF4F0C25D}"/>
+                      </a:ext>
+                    </a:extLst>
+                  </p:cNvPr>
+                  <p:cNvCxnSpPr>
+                    <a:cxnSpLocks/>
+                  </p:cNvCxnSpPr>
+                  <p:nvPr/>
+                </p:nvCxnSpPr>
+                <p:spPr>
+                  <a:xfrm>
+                    <a:off x="6535554" y="1289785"/>
+                    <a:ext cx="1097280" cy="0"/>
+                  </a:xfrm>
+                  <a:prstGeom prst="straightConnector1">
+                    <a:avLst/>
+                  </a:prstGeom>
+                  <a:ln w="41275">
+                    <a:tailEnd type="triangle"/>
+                  </a:ln>
+                </p:spPr>
+                <p:style>
+                  <a:lnRef idx="1">
+                    <a:schemeClr val="accent1"/>
+                  </a:lnRef>
+                  <a:fillRef idx="0">
+                    <a:schemeClr val="accent1"/>
+                  </a:fillRef>
+                  <a:effectRef idx="0">
+                    <a:schemeClr val="accent1"/>
+                  </a:effectRef>
+                  <a:fontRef idx="minor">
+                    <a:schemeClr val="tx1"/>
+                  </a:fontRef>
+                </p:style>
+              </p:cxnSp>
+              <p:sp>
+                <p:nvSpPr>
+                  <p:cNvPr id="42" name="TextBox 41">
+                    <a:extLst>
+                      <a:ext uri="{FF2B5EF4-FFF2-40B4-BE49-F238E27FC236}">
+                        <a16:creationId xmlns:a16="http://schemas.microsoft.com/office/drawing/2014/main" id="{869ED1D6-A432-1B34-5BB4-9D3D7925F814}"/>
+                      </a:ext>
+                    </a:extLst>
+                  </p:cNvPr>
+                  <p:cNvSpPr txBox="1"/>
+                  <p:nvPr/>
+                </p:nvSpPr>
+                <p:spPr>
+                  <a:xfrm>
+                    <a:off x="6941418" y="883749"/>
+                    <a:ext cx="314510" cy="461665"/>
+                  </a:xfrm>
+                  <a:prstGeom prst="rect">
+                    <a:avLst/>
+                  </a:prstGeom>
+                  <a:noFill/>
+                </p:spPr>
+                <p:txBody>
+                  <a:bodyPr wrap="none" rtlCol="0">
+                    <a:spAutoFit/>
+                  </a:bodyPr>
+                  <a:lstStyle/>
+                  <a:p>
+                    <a:r>
+                      <a:rPr lang="en-GB" sz="2400" dirty="0"/>
+                      <a:t>c</a:t>
+                    </a:r>
+                  </a:p>
+                </p:txBody>
+              </p:sp>
+            </p:grpSp>
+            <p:grpSp>
+              <p:nvGrpSpPr>
+                <p:cNvPr id="38" name="Group 37">
+                  <a:extLst>
+                    <a:ext uri="{FF2B5EF4-FFF2-40B4-BE49-F238E27FC236}">
+                      <a16:creationId xmlns:a16="http://schemas.microsoft.com/office/drawing/2014/main" id="{6F9B6EF4-0D88-F700-EF0C-94FCB69597AA}"/>
+                    </a:ext>
+                  </a:extLst>
+                </p:cNvPr>
+                <p:cNvGrpSpPr/>
+                <p:nvPr/>
+              </p:nvGrpSpPr>
+              <p:grpSpPr>
+                <a:xfrm>
+                  <a:off x="6535554" y="1562824"/>
+                  <a:ext cx="1097280" cy="461665"/>
+                  <a:chOff x="6535554" y="883749"/>
+                  <a:chExt cx="1097280" cy="461665"/>
+                </a:xfrm>
+              </p:grpSpPr>
+              <p:cxnSp>
+                <p:nvCxnSpPr>
+                  <p:cNvPr id="39" name="Straight Arrow Connector 38">
+                    <a:extLst>
+                      <a:ext uri="{FF2B5EF4-FFF2-40B4-BE49-F238E27FC236}">
+                        <a16:creationId xmlns:a16="http://schemas.microsoft.com/office/drawing/2014/main" id="{7453D0C9-C4CF-AA3F-0BB2-4B2C7CD22D6C}"/>
+                      </a:ext>
+                    </a:extLst>
+                  </p:cNvPr>
+                  <p:cNvCxnSpPr>
+                    <a:cxnSpLocks/>
+                  </p:cNvCxnSpPr>
+                  <p:nvPr/>
+                </p:nvCxnSpPr>
+                <p:spPr>
+                  <a:xfrm>
+                    <a:off x="6535554" y="1289785"/>
+                    <a:ext cx="1097280" cy="0"/>
+                  </a:xfrm>
+                  <a:prstGeom prst="straightConnector1">
+                    <a:avLst/>
+                  </a:prstGeom>
+                  <a:ln w="41275">
+                    <a:headEnd type="triangle"/>
+                    <a:tailEnd type="none"/>
+                  </a:ln>
+                </p:spPr>
+                <p:style>
+                  <a:lnRef idx="1">
+                    <a:schemeClr val="accent1"/>
+                  </a:lnRef>
+                  <a:fillRef idx="0">
+                    <a:schemeClr val="accent1"/>
+                  </a:fillRef>
+                  <a:effectRef idx="0">
+                    <a:schemeClr val="accent1"/>
+                  </a:effectRef>
+                  <a:fontRef idx="minor">
+                    <a:schemeClr val="tx1"/>
+                  </a:fontRef>
+                </p:style>
+              </p:cxnSp>
+              <p:sp>
+                <p:nvSpPr>
+                  <p:cNvPr id="40" name="TextBox 39">
+                    <a:extLst>
+                      <a:ext uri="{FF2B5EF4-FFF2-40B4-BE49-F238E27FC236}">
+                        <a16:creationId xmlns:a16="http://schemas.microsoft.com/office/drawing/2014/main" id="{5DA527A5-332D-B900-F73B-50E00D932300}"/>
+                      </a:ext>
+                    </a:extLst>
+                  </p:cNvPr>
+                  <p:cNvSpPr txBox="1"/>
+                  <p:nvPr/>
+                </p:nvSpPr>
+                <p:spPr>
+                  <a:xfrm>
+                    <a:off x="6941418" y="883749"/>
+                    <a:ext cx="346570" cy="461665"/>
+                  </a:xfrm>
+                  <a:prstGeom prst="rect">
+                    <a:avLst/>
+                  </a:prstGeom>
+                  <a:noFill/>
+                </p:spPr>
+                <p:txBody>
+                  <a:bodyPr wrap="none" rtlCol="0">
+                    <a:spAutoFit/>
+                  </a:bodyPr>
+                  <a:lstStyle/>
+                  <a:p>
+                    <a:r>
+                      <a:rPr lang="en-GB" sz="2400" dirty="0"/>
+                      <a:t>d</a:t>
+                    </a:r>
+                  </a:p>
+                </p:txBody>
+              </p:sp>
+            </p:grpSp>
+          </p:grpSp>
+        </p:grpSp>
+      </p:grpSp>
+    </p:spTree>
+    <p:extLst>
+      <p:ext uri="{BB962C8B-B14F-4D97-AF65-F5344CB8AC3E}">
+        <p14:creationId xmlns:p14="http://schemas.microsoft.com/office/powerpoint/2010/main" val="799950835"/>
       </p:ext>
     </p:extLst>
   </p:cSld>
